--- a/SideProject/04_UCI_Real_estate_valuation/新店房價報告_v2.pptx
+++ b/SideProject/04_UCI_Real_estate_valuation/新店房價報告_v2.pptx
@@ -7,10 +7,10 @@
     <p:sldMasterId id="2147483787" r:id="rId3"/>
   </p:sldMasterIdLst>
   <p:notesMasterIdLst>
-    <p:notesMasterId r:id="rId26"/>
+    <p:notesMasterId r:id="rId27"/>
   </p:notesMasterIdLst>
   <p:handoutMasterIdLst>
-    <p:handoutMasterId r:id="rId27"/>
+    <p:handoutMasterId r:id="rId28"/>
   </p:handoutMasterIdLst>
   <p:sldIdLst>
     <p:sldId id="264" r:id="rId4"/>
@@ -29,12 +29,13 @@
     <p:sldId id="537" r:id="rId17"/>
     <p:sldId id="541" r:id="rId18"/>
     <p:sldId id="542" r:id="rId19"/>
-    <p:sldId id="543" r:id="rId20"/>
-    <p:sldId id="544" r:id="rId21"/>
-    <p:sldId id="545" r:id="rId22"/>
-    <p:sldId id="546" r:id="rId23"/>
-    <p:sldId id="547" r:id="rId24"/>
-    <p:sldId id="548" r:id="rId25"/>
+    <p:sldId id="553" r:id="rId20"/>
+    <p:sldId id="543" r:id="rId21"/>
+    <p:sldId id="544" r:id="rId22"/>
+    <p:sldId id="545" r:id="rId23"/>
+    <p:sldId id="546" r:id="rId24"/>
+    <p:sldId id="547" r:id="rId25"/>
+    <p:sldId id="548" r:id="rId26"/>
   </p:sldIdLst>
   <p:sldSz cx="9144000" cy="6858000" type="screen4x3"/>
   <p:notesSz cx="6807200" cy="9939338"/>
@@ -154,6 +155,7 @@
             <p14:sldId id="537"/>
             <p14:sldId id="541"/>
             <p14:sldId id="542"/>
+            <p14:sldId id="553"/>
             <p14:sldId id="543"/>
             <p14:sldId id="544"/>
             <p14:sldId id="545"/>
@@ -937,134 +939,70 @@
           <a:bodyPr/>
           <a:lstStyle/>
           <a:p>
-            <a:r>
-              <a:rPr lang="zh-TW" altLang="en-US" dirty="0" smtClean="0"/>
-              <a:t>居家修繕</a:t>
-            </a:r>
+            <a:endParaRPr lang="zh-TW" altLang="en-US" dirty="0"/>
+          </a:p>
+        </p:txBody>
+      </p:sp>
+    </p:spTree>
+    <p:extLst>
+      <p:ext uri="{BB962C8B-B14F-4D97-AF65-F5344CB8AC3E}">
+        <p14:creationId xmlns:p14="http://schemas.microsoft.com/office/powerpoint/2010/main" val="924659573"/>
+      </p:ext>
+    </p:extLst>
+  </p:cSld>
+  <p:clrMapOvr>
+    <a:masterClrMapping/>
+  </p:clrMapOvr>
+</p:notes>
+</file>
+
+<file path=ppt/notesSlides/notesSlide5.xml><?xml version="1.0" encoding="utf-8"?>
+<p:notes xmlns:a="http://schemas.openxmlformats.org/drawingml/2006/main" xmlns:r="http://schemas.openxmlformats.org/officeDocument/2006/relationships" xmlns:p="http://schemas.openxmlformats.org/presentationml/2006/main">
+  <p:cSld>
+    <p:spTree>
+      <p:nvGrpSpPr>
+        <p:cNvPr id="1" name=""/>
+        <p:cNvGrpSpPr/>
+        <p:nvPr/>
+      </p:nvGrpSpPr>
+      <p:grpSpPr>
+        <a:xfrm>
+          <a:off x="0" y="0"/>
+          <a:ext cx="0" cy="0"/>
+          <a:chOff x="0" y="0"/>
+          <a:chExt cx="0" cy="0"/>
+        </a:xfrm>
+      </p:grpSpPr>
+      <p:sp>
+        <p:nvSpPr>
+          <p:cNvPr id="2" name="投影片圖像版面配置區 1"/>
+          <p:cNvSpPr>
+            <a:spLocks noGrp="1" noRot="1" noChangeAspect="1"/>
+          </p:cNvSpPr>
+          <p:nvPr>
+            <p:ph type="sldImg"/>
+          </p:nvPr>
+        </p:nvSpPr>
+        <p:spPr/>
+      </p:sp>
+      <p:sp>
+        <p:nvSpPr>
+          <p:cNvPr id="3" name="備忘稿版面配置區 2"/>
+          <p:cNvSpPr>
+            <a:spLocks noGrp="1"/>
+          </p:cNvSpPr>
+          <p:nvPr>
+            <p:ph type="body" idx="1"/>
+          </p:nvPr>
+        </p:nvSpPr>
+        <p:spPr/>
+        <p:txBody>
+          <a:bodyPr/>
+          <a:lstStyle/>
+          <a:p>
             <a:r>
               <a:rPr lang="en-US" altLang="zh-TW" dirty="0" smtClean="0"/>
-              <a:t>(=DIY)</a:t>
-            </a:r>
-            <a:r>
-              <a:rPr lang="zh-TW" altLang="en-US" dirty="0" smtClean="0"/>
-              <a:t>：特力屋、</a:t>
-            </a:r>
-            <a:r>
-              <a:rPr lang="en-US" altLang="zh-TW" dirty="0" smtClean="0"/>
-              <a:t>HOMEBOX</a:t>
-            </a:r>
-          </a:p>
-          <a:p>
-            <a:r>
-              <a:rPr lang="zh-TW" altLang="en-US" dirty="0" smtClean="0"/>
-              <a:t>家居家飾</a:t>
-            </a:r>
-            <a:r>
-              <a:rPr lang="en-US" altLang="zh-TW" dirty="0" smtClean="0"/>
-              <a:t>(=</a:t>
-            </a:r>
-            <a:r>
-              <a:rPr lang="zh-TW" altLang="en-US" dirty="0" smtClean="0"/>
-              <a:t>傢俱家飾</a:t>
-            </a:r>
-            <a:r>
-              <a:rPr lang="en-US" altLang="zh-TW" dirty="0" smtClean="0"/>
-              <a:t>)</a:t>
-            </a:r>
-            <a:r>
-              <a:rPr lang="zh-TW" altLang="en-US" dirty="0" smtClean="0"/>
-              <a:t>：詩肯柚木、歐德傢俱、宜得利、</a:t>
-            </a:r>
-            <a:r>
-              <a:rPr lang="en-US" altLang="zh-TW" dirty="0" smtClean="0"/>
-              <a:t>HOLA</a:t>
-            </a:r>
-            <a:r>
-              <a:rPr lang="zh-TW" altLang="en-US" dirty="0" smtClean="0"/>
-              <a:t>、</a:t>
-            </a:r>
-            <a:r>
-              <a:rPr lang="en-US" altLang="zh-TW" dirty="0" smtClean="0"/>
-              <a:t>hoi!</a:t>
-            </a:r>
-            <a:r>
-              <a:rPr lang="zh-TW" altLang="en-US" dirty="0" smtClean="0"/>
-              <a:t>、</a:t>
-            </a:r>
-            <a:r>
-              <a:rPr lang="en-US" altLang="zh-TW" dirty="0" smtClean="0"/>
-              <a:t>HOLA</a:t>
-            </a:r>
-            <a:r>
-              <a:rPr lang="zh-TW" altLang="en-US" dirty="0" smtClean="0"/>
-              <a:t> </a:t>
-            </a:r>
-            <a:r>
-              <a:rPr lang="en-US" altLang="zh-TW" dirty="0" smtClean="0"/>
-              <a:t>CASA</a:t>
-            </a:r>
-            <a:r>
-              <a:rPr lang="zh-TW" altLang="en-US" dirty="0" smtClean="0"/>
-              <a:t>、優渥實木、三商美福、</a:t>
-            </a:r>
-            <a:r>
-              <a:rPr lang="en-US" altLang="zh-TW" dirty="0" err="1" smtClean="0"/>
-              <a:t>PiiN</a:t>
-            </a:r>
-            <a:r>
-              <a:rPr lang="zh-TW" altLang="en-US" dirty="0" smtClean="0"/>
-              <a:t>品東西、歐肯系統傢具、</a:t>
-            </a:r>
-            <a:r>
-              <a:rPr lang="en-US" altLang="zh-TW" dirty="0" smtClean="0"/>
-              <a:t>HOLA</a:t>
-            </a:r>
-            <a:r>
-              <a:rPr lang="zh-TW" altLang="en-US" dirty="0" smtClean="0"/>
-              <a:t> </a:t>
-            </a:r>
-            <a:r>
-              <a:rPr lang="en-US" altLang="zh-TW" dirty="0" smtClean="0"/>
-              <a:t>Petite</a:t>
-            </a:r>
-            <a:r>
-              <a:rPr lang="zh-TW" altLang="en-US" dirty="0" smtClean="0"/>
-              <a:t>、</a:t>
-            </a:r>
-            <a:r>
-              <a:rPr lang="en-US" altLang="zh-TW" dirty="0" smtClean="0"/>
-              <a:t>IKEA</a:t>
-            </a:r>
-            <a:r>
-              <a:rPr lang="zh-TW" altLang="en-US" dirty="0" smtClean="0"/>
-              <a:t>、哥德廚具</a:t>
-            </a:r>
-            <a:endParaRPr lang="en-US" altLang="zh-TW" dirty="0" smtClean="0"/>
-          </a:p>
-          <a:p>
-            <a:r>
-              <a:rPr lang="zh-TW" altLang="en-US" dirty="0" smtClean="0"/>
-              <a:t>生活雜貨：小北百貨、生活工場、大創百貨、無印良品、台隆手創館、</a:t>
-            </a:r>
-            <a:r>
-              <a:rPr lang="en-US" altLang="zh-TW" dirty="0" err="1" smtClean="0"/>
-              <a:t>iColor</a:t>
-            </a:r>
-            <a:r>
-              <a:rPr lang="en-US" altLang="zh-TW" dirty="0" smtClean="0"/>
-              <a:t>(</a:t>
-            </a:r>
-            <a:r>
-              <a:rPr lang="zh-TW" altLang="en-US" dirty="0" smtClean="0"/>
-              <a:t>原彩遊館</a:t>
-            </a:r>
-            <a:r>
-              <a:rPr lang="en-US" altLang="zh-TW" dirty="0" smtClean="0"/>
-              <a:t>)</a:t>
-            </a:r>
-            <a:r>
-              <a:rPr lang="zh-TW" altLang="en-US" dirty="0" smtClean="0"/>
-              <a:t>、金興發、全方位食品五金百貨</a:t>
+              <a:t>https://tw.appledaily.com/home/20081018/5I44SGSG6DZFLOZQTULRRXNZNY/?fbclid=IwAR2lnoTd_KFEo5M1-uXDsgY7H6DY76bacPfPxUkr5PIN11eewHvqCahv2Z4</a:t>
             </a:r>
             <a:endParaRPr lang="zh-TW" altLang="en-US" dirty="0"/>
           </a:p>
@@ -1073,7 +1011,84 @@
     </p:spTree>
     <p:extLst>
       <p:ext uri="{BB962C8B-B14F-4D97-AF65-F5344CB8AC3E}">
-        <p14:creationId xmlns:p14="http://schemas.microsoft.com/office/powerpoint/2010/main" val="924659573"/>
+        <p14:creationId xmlns:p14="http://schemas.microsoft.com/office/powerpoint/2010/main" val="1579626285"/>
+      </p:ext>
+    </p:extLst>
+  </p:cSld>
+  <p:clrMapOvr>
+    <a:masterClrMapping/>
+  </p:clrMapOvr>
+</p:notes>
+</file>
+
+<file path=ppt/notesSlides/notesSlide6.xml><?xml version="1.0" encoding="utf-8"?>
+<p:notes xmlns:a="http://schemas.openxmlformats.org/drawingml/2006/main" xmlns:r="http://schemas.openxmlformats.org/officeDocument/2006/relationships" xmlns:p="http://schemas.openxmlformats.org/presentationml/2006/main">
+  <p:cSld>
+    <p:spTree>
+      <p:nvGrpSpPr>
+        <p:cNvPr id="1" name=""/>
+        <p:cNvGrpSpPr/>
+        <p:nvPr/>
+      </p:nvGrpSpPr>
+      <p:grpSpPr>
+        <a:xfrm>
+          <a:off x="0" y="0"/>
+          <a:ext cx="0" cy="0"/>
+          <a:chOff x="0" y="0"/>
+          <a:chExt cx="0" cy="0"/>
+        </a:xfrm>
+      </p:grpSpPr>
+      <p:sp>
+        <p:nvSpPr>
+          <p:cNvPr id="2" name="投影片圖像版面配置區 1"/>
+          <p:cNvSpPr>
+            <a:spLocks noGrp="1" noRot="1" noChangeAspect="1"/>
+          </p:cNvSpPr>
+          <p:nvPr>
+            <p:ph type="sldImg"/>
+          </p:nvPr>
+        </p:nvSpPr>
+        <p:spPr/>
+      </p:sp>
+      <p:sp>
+        <p:nvSpPr>
+          <p:cNvPr id="3" name="備忘稿版面配置區 2"/>
+          <p:cNvSpPr>
+            <a:spLocks noGrp="1"/>
+          </p:cNvSpPr>
+          <p:nvPr>
+            <p:ph type="body" idx="1"/>
+          </p:nvPr>
+        </p:nvSpPr>
+        <p:spPr/>
+        <p:txBody>
+          <a:bodyPr/>
+          <a:lstStyle/>
+          <a:p>
+            <a:r>
+              <a:rPr lang="en-US" altLang="zh-TW" dirty="0" smtClean="0"/>
+              <a:t>https://www.leju.com.tw/page_blog/view/64</a:t>
+            </a:r>
+          </a:p>
+          <a:p>
+            <a:r>
+              <a:rPr lang="en-US" altLang="zh-TW" dirty="0" smtClean="0"/>
+              <a:t>https://www.mygonews.com/news/detail?news_id=2663</a:t>
+            </a:r>
+          </a:p>
+          <a:p>
+            <a:r>
+              <a:rPr lang="en-US" altLang="zh-TW" dirty="0" smtClean="0"/>
+              <a:t>https://news.housefun.com.tw/news/article/1168886274.html</a:t>
+            </a:r>
+            <a:endParaRPr lang="zh-TW" altLang="en-US" dirty="0"/>
+          </a:p>
+        </p:txBody>
+      </p:sp>
+    </p:spTree>
+    <p:extLst>
+      <p:ext uri="{BB962C8B-B14F-4D97-AF65-F5344CB8AC3E}">
+        <p14:creationId xmlns:p14="http://schemas.microsoft.com/office/powerpoint/2010/main" val="1919985212"/>
       </p:ext>
     </p:extLst>
   </p:cSld>
@@ -6587,6 +6602,13 @@
   <p:clrMapOvr>
     <a:masterClrMapping/>
   </p:clrMapOvr>
+  <p:timing>
+    <p:tnLst>
+      <p:par>
+        <p:cTn id="1" dur="indefinite" restart="never" nodeType="tmRoot"/>
+      </p:par>
+    </p:tnLst>
+  </p:timing>
 </p:sld>
 </file>
 
@@ -7963,7 +7985,7 @@
           <a:noFill/>
           <a:ln w="57150" cap="flat" cmpd="sng" algn="ctr">
             <a:solidFill>
-              <a:srgbClr val="0070C0"/>
+              <a:srgbClr val="13328C"/>
             </a:solidFill>
             <a:prstDash val="solid"/>
             <a:round/>
@@ -8024,7 +8046,7 @@
           <a:noFill/>
           <a:ln w="57150" cap="flat" cmpd="sng" algn="ctr">
             <a:solidFill>
-              <a:srgbClr val="0070C0"/>
+              <a:srgbClr val="13328C"/>
             </a:solidFill>
             <a:prstDash val="solid"/>
             <a:round/>
@@ -8077,9 +8099,9 @@
         <p:grpSpPr>
           <a:xfrm>
             <a:off x="5907440" y="2461827"/>
-            <a:ext cx="3178092" cy="1647825"/>
+            <a:ext cx="3178092" cy="1875849"/>
             <a:chOff x="5661108" y="3145848"/>
-            <a:chExt cx="3178092" cy="1647825"/>
+            <a:chExt cx="3178092" cy="1875849"/>
           </a:xfrm>
         </p:grpSpPr>
         <p:sp>
@@ -8093,7 +8115,7 @@
           <p:spPr bwMode="auto">
             <a:xfrm>
               <a:off x="6730792" y="3145848"/>
-              <a:ext cx="2108408" cy="1647825"/>
+              <a:ext cx="2108408" cy="1875849"/>
             </a:xfrm>
             <a:prstGeom prst="rect">
               <a:avLst/>
@@ -8391,6 +8413,14 @@
                 <a:rPr lang="zh-TW" altLang="en-US" sz="1600" kern="0" dirty="0" smtClean="0"/>
                 <a:t>重要建案</a:t>
               </a:r>
+              <a:r>
+                <a:rPr lang="en-US" altLang="zh-TW" sz="1600" kern="0" dirty="0" smtClean="0"/>
+                <a:t>&amp;</a:t>
+              </a:r>
+              <a:r>
+                <a:rPr lang="zh-TW" altLang="en-US" sz="1600" kern="0" dirty="0" smtClean="0"/>
+                <a:t>生活圈</a:t>
+              </a:r>
               <a:endParaRPr lang="en-US" sz="1600" kern="0" dirty="0"/>
             </a:p>
           </p:txBody>
@@ -8405,8 +8435,8 @@
           </p:nvCxnSpPr>
           <p:spPr bwMode="auto">
             <a:xfrm flipH="1">
-              <a:off x="5661108" y="3969761"/>
-              <a:ext cx="1069684" cy="609015"/>
+              <a:off x="5661108" y="4083773"/>
+              <a:ext cx="1069684" cy="495003"/>
             </a:xfrm>
             <a:prstGeom prst="straightConnector1">
               <a:avLst/>
@@ -8808,11 +8838,7 @@
           <a:p>
             <a:r>
               <a:rPr lang="zh-TW" altLang="en-US" dirty="0" smtClean="0"/>
-              <a:t>新店市區──捷運</a:t>
-            </a:r>
-            <a:r>
-              <a:rPr lang="zh-TW" altLang="en-US" dirty="0" smtClean="0"/>
-              <a:t>步行距離</a:t>
+              <a:t>新店市區──捷運步行距離</a:t>
             </a:r>
             <a:endParaRPr lang="zh-TW" altLang="en-US" dirty="0"/>
           </a:p>
@@ -9247,10 +9273,6 @@
                 </a:rPr>
                 <a:t>林</a:t>
               </a:r>
-              <a:endParaRPr lang="zh-TW" altLang="en-US" sz="1600" kern="0" dirty="0">
-                <a:latin typeface="標楷體" panose="03000509000000000000" pitchFamily="65" charset="-120"/>
-                <a:ea typeface="標楷體" panose="03000509000000000000" pitchFamily="65" charset="-120"/>
-              </a:endParaRPr>
             </a:p>
           </p:txBody>
         </p:sp>
@@ -9530,10 +9552,6 @@
                 </a:rPr>
                 <a:t>張</a:t>
               </a:r>
-              <a:endParaRPr lang="zh-TW" altLang="en-US" sz="1600" kern="0" dirty="0">
-                <a:latin typeface="標楷體" panose="03000509000000000000" pitchFamily="65" charset="-120"/>
-                <a:ea typeface="標楷體" panose="03000509000000000000" pitchFamily="65" charset="-120"/>
-              </a:endParaRPr>
             </a:p>
           </p:txBody>
         </p:sp>
@@ -10089,10 +10107,6 @@
                 </a:rPr>
                 <a:t>店</a:t>
               </a:r>
-              <a:endParaRPr lang="zh-TW" altLang="en-US" sz="1600" kern="0" dirty="0">
-                <a:latin typeface="標楷體" panose="03000509000000000000" pitchFamily="65" charset="-120"/>
-                <a:ea typeface="標楷體" panose="03000509000000000000" pitchFamily="65" charset="-120"/>
-              </a:endParaRPr>
             </a:p>
           </p:txBody>
         </p:sp>
@@ -10372,10 +10386,6 @@
                 </a:rPr>
                 <a:t>碧潭</a:t>
               </a:r>
-              <a:endParaRPr lang="zh-TW" altLang="en-US" sz="1600" kern="0" dirty="0">
-                <a:latin typeface="標楷體" panose="03000509000000000000" pitchFamily="65" charset="-120"/>
-                <a:ea typeface="標楷體" panose="03000509000000000000" pitchFamily="65" charset="-120"/>
-              </a:endParaRPr>
             </a:p>
           </p:txBody>
         </p:sp>
@@ -10398,6 +10408,30 @@
           <a:xfrm>
             <a:off x="531989" y="4092551"/>
             <a:ext cx="3585089" cy="2635273"/>
+          </a:xfrm>
+          <a:prstGeom prst="rect">
+            <a:avLst/>
+          </a:prstGeom>
+        </p:spPr>
+      </p:pic>
+      <p:pic>
+        <p:nvPicPr>
+          <p:cNvPr id="14" name="圖片 13"/>
+          <p:cNvPicPr>
+            <a:picLocks noChangeAspect="1"/>
+          </p:cNvPicPr>
+          <p:nvPr/>
+        </p:nvPicPr>
+        <p:blipFill>
+          <a:blip r:embed="rId4"/>
+          <a:stretch>
+            <a:fillRect/>
+          </a:stretch>
+        </p:blipFill>
+        <p:spPr>
+          <a:xfrm>
+            <a:off x="6188428" y="6447037"/>
+            <a:ext cx="2650772" cy="301224"/>
           </a:xfrm>
           <a:prstGeom prst="rect">
             <a:avLst/>
@@ -10491,7 +10525,7 @@
           <a:bodyPr/>
           <a:lstStyle/>
           <a:p>
-            <a:endParaRPr lang="zh-TW" altLang="en-US"/>
+            <a:endParaRPr lang="zh-TW" altLang="en-US" dirty="0"/>
           </a:p>
         </p:txBody>
       </p:sp>
@@ -10528,7 +10562,7 @@
           <p:nvPr/>
         </p:nvPicPr>
         <p:blipFill>
-          <a:blip r:embed="rId2"/>
+          <a:blip r:embed="rId3"/>
           <a:stretch>
             <a:fillRect/>
           </a:stretch>
@@ -10552,9 +10586,9 @@
         <p:grpSpPr>
           <a:xfrm>
             <a:off x="5009884" y="1154930"/>
-            <a:ext cx="3928053" cy="2257971"/>
+            <a:ext cx="3928053" cy="2058419"/>
             <a:chOff x="5602313" y="1618570"/>
-            <a:chExt cx="3928053" cy="2257971"/>
+            <a:chExt cx="3928053" cy="2058419"/>
           </a:xfrm>
           <a:solidFill>
             <a:schemeClr val="bg1"/>
@@ -10571,7 +10605,7 @@
           <p:spPr bwMode="auto">
             <a:xfrm>
               <a:off x="7043767" y="1618570"/>
-              <a:ext cx="2486599" cy="2257971"/>
+              <a:ext cx="2486599" cy="2058419"/>
             </a:xfrm>
             <a:prstGeom prst="rect">
               <a:avLst/>
@@ -10828,12 +10862,12 @@
                 <a:buNone/>
               </a:pPr>
               <a:r>
-                <a:rPr lang="zh-TW" altLang="en-US" sz="1600" kern="0" dirty="0" smtClean="0">
+                <a:rPr lang="zh-TW" altLang="en-US" sz="1400" kern="0" dirty="0" smtClean="0">
                   <a:latin typeface="微軟正黑體" panose="020B0604030504040204" pitchFamily="34" charset="-120"/>
                 </a:rPr>
                 <a:t>北新路最早是鐵路原址，而後修築成道路與羅斯福路相連，同時亦是台九線、捷運新店線沿線，是新店市區最重要的道路，交通及生活機能俱佳</a:t>
               </a:r>
-              <a:endParaRPr lang="zh-TW" altLang="en-US" sz="1600" kern="0" dirty="0">
+              <a:endParaRPr lang="zh-TW" altLang="en-US" sz="1400" kern="0" dirty="0">
                 <a:latin typeface="微軟正黑體" panose="020B0604030504040204" pitchFamily="34" charset="-120"/>
               </a:endParaRPr>
             </a:p>
@@ -10849,8 +10883,8 @@
           </p:nvCxnSpPr>
           <p:spPr bwMode="auto">
             <a:xfrm flipH="1">
-              <a:off x="5602313" y="2747556"/>
-              <a:ext cx="1441454" cy="232011"/>
+              <a:off x="5602313" y="2647780"/>
+              <a:ext cx="1441454" cy="331787"/>
             </a:xfrm>
             <a:prstGeom prst="straightConnector1">
               <a:avLst/>
@@ -10869,6 +10903,2303 @@
           </p:spPr>
         </p:cxnSp>
       </p:grpSp>
+      <p:grpSp>
+        <p:nvGrpSpPr>
+          <p:cNvPr id="9" name="群組 8"/>
+          <p:cNvGrpSpPr/>
+          <p:nvPr/>
+        </p:nvGrpSpPr>
+        <p:grpSpPr>
+          <a:xfrm>
+            <a:off x="5782356" y="4038731"/>
+            <a:ext cx="3164266" cy="2454867"/>
+            <a:chOff x="6366100" y="1618570"/>
+            <a:chExt cx="3164266" cy="2454867"/>
+          </a:xfrm>
+          <a:solidFill>
+            <a:schemeClr val="bg1"/>
+          </a:solidFill>
+        </p:grpSpPr>
+        <p:sp>
+          <p:nvSpPr>
+            <p:cNvPr id="10" name="內容版面配置區 1"/>
+            <p:cNvSpPr txBox="1">
+              <a:spLocks/>
+            </p:cNvSpPr>
+            <p:nvPr/>
+          </p:nvSpPr>
+          <p:spPr bwMode="auto">
+            <a:xfrm>
+              <a:off x="7043767" y="1618570"/>
+              <a:ext cx="2486599" cy="2454867"/>
+            </a:xfrm>
+            <a:prstGeom prst="rect">
+              <a:avLst/>
+            </a:prstGeom>
+            <a:grpFill/>
+            <a:ln w="38100">
+              <a:solidFill>
+                <a:schemeClr val="tx1"/>
+              </a:solidFill>
+              <a:miter lim="800000"/>
+              <a:headEnd/>
+              <a:tailEnd/>
+            </a:ln>
+            <a:effectLst/>
+          </p:spPr>
+          <p:txBody>
+            <a:bodyPr vert="horz" wrap="square" lIns="91440" tIns="45720" rIns="91440" bIns="45720" numCol="1" anchor="t" anchorCtr="0" compatLnSpc="1">
+              <a:prstTxWarp prst="textNoShape">
+                <a:avLst/>
+              </a:prstTxWarp>
+            </a:bodyPr>
+            <a:lstStyle>
+              <a:lvl1pPr marL="342900" indent="-342900" algn="l" rtl="0" fontAlgn="base">
+                <a:lnSpc>
+                  <a:spcPct val="120000"/>
+                </a:lnSpc>
+                <a:spcBef>
+                  <a:spcPts val="648"/>
+                </a:spcBef>
+                <a:spcAft>
+                  <a:spcPts val="0"/>
+                </a:spcAft>
+                <a:buClrTx/>
+                <a:buSzPct val="75000"/>
+                <a:buFont typeface="Wingdings" pitchFamily="2" charset="2"/>
+                <a:buChar char="p"/>
+                <a:defRPr lang="zh-TW" altLang="en-US" sz="2000" b="1" dirty="0" smtClean="0">
+                  <a:solidFill>
+                    <a:schemeClr val="tx1">
+                      <a:lumMod val="75000"/>
+                      <a:lumOff val="25000"/>
+                    </a:schemeClr>
+                  </a:solidFill>
+                  <a:latin typeface="Calibri" panose="020F0502020204030204" pitchFamily="34" charset="0"/>
+                  <a:ea typeface="微軟正黑體" panose="020B0604030504040204" pitchFamily="34" charset="-120"/>
+                  <a:cs typeface="+mn-cs"/>
+                </a:defRPr>
+              </a:lvl1pPr>
+              <a:lvl2pPr marL="742950" indent="-285750" algn="l" rtl="0" fontAlgn="base">
+                <a:lnSpc>
+                  <a:spcPct val="120000"/>
+                </a:lnSpc>
+                <a:spcBef>
+                  <a:spcPts val="648"/>
+                </a:spcBef>
+                <a:spcAft>
+                  <a:spcPts val="0"/>
+                </a:spcAft>
+                <a:buClrTx/>
+                <a:buSzPct val="75000"/>
+                <a:buFont typeface="Wingdings" pitchFamily="2" charset="2"/>
+                <a:buChar char="n"/>
+                <a:defRPr lang="zh-TW" altLang="en-US" sz="2000" b="1" dirty="0" smtClean="0">
+                  <a:solidFill>
+                    <a:schemeClr val="tx1">
+                      <a:lumMod val="75000"/>
+                      <a:lumOff val="25000"/>
+                    </a:schemeClr>
+                  </a:solidFill>
+                  <a:latin typeface="Calibri" panose="020F0502020204030204" pitchFamily="34" charset="0"/>
+                  <a:ea typeface="微軟正黑體" panose="020B0604030504040204" pitchFamily="34" charset="-120"/>
+                  <a:cs typeface="+mn-cs"/>
+                </a:defRPr>
+              </a:lvl2pPr>
+              <a:lvl3pPr marL="1143000" indent="-228600" algn="l" rtl="0" fontAlgn="base">
+                <a:lnSpc>
+                  <a:spcPct val="120000"/>
+                </a:lnSpc>
+                <a:spcBef>
+                  <a:spcPts val="648"/>
+                </a:spcBef>
+                <a:spcAft>
+                  <a:spcPts val="0"/>
+                </a:spcAft>
+                <a:buClrTx/>
+                <a:buSzPct val="75000"/>
+                <a:buFont typeface="Wingdings" pitchFamily="2" charset="2"/>
+                <a:buChar char="p"/>
+                <a:defRPr lang="zh-TW" altLang="en-US" sz="2000" b="1" dirty="0" smtClean="0">
+                  <a:solidFill>
+                    <a:schemeClr val="tx1">
+                      <a:lumMod val="75000"/>
+                      <a:lumOff val="25000"/>
+                    </a:schemeClr>
+                  </a:solidFill>
+                  <a:latin typeface="Calibri" panose="020F0502020204030204" pitchFamily="34" charset="0"/>
+                  <a:ea typeface="微軟正黑體" panose="020B0604030504040204" pitchFamily="34" charset="-120"/>
+                  <a:cs typeface="+mn-cs"/>
+                </a:defRPr>
+              </a:lvl3pPr>
+              <a:lvl4pPr marL="1600200" indent="-228600" algn="l" rtl="0" fontAlgn="base">
+                <a:lnSpc>
+                  <a:spcPct val="110000"/>
+                </a:lnSpc>
+                <a:spcBef>
+                  <a:spcPct val="30000"/>
+                </a:spcBef>
+                <a:spcAft>
+                  <a:spcPct val="0"/>
+                </a:spcAft>
+                <a:buClr>
+                  <a:schemeClr val="tx1">
+                    <a:lumMod val="75000"/>
+                    <a:lumOff val="25000"/>
+                  </a:schemeClr>
+                </a:buClr>
+                <a:buFont typeface="Wingdings" pitchFamily="2" charset="2"/>
+                <a:buChar char="§"/>
+                <a:defRPr sz="1800" b="1">
+                  <a:solidFill>
+                    <a:schemeClr val="tx1">
+                      <a:lumMod val="75000"/>
+                      <a:lumOff val="25000"/>
+                    </a:schemeClr>
+                  </a:solidFill>
+                  <a:latin typeface="Calibri" panose="020F0502020204030204" pitchFamily="34" charset="0"/>
+                  <a:ea typeface="微軟正黑體" panose="020B0604030504040204" pitchFamily="34" charset="-120"/>
+                </a:defRPr>
+              </a:lvl4pPr>
+              <a:lvl5pPr marL="2057400" indent="-228600" algn="l" rtl="0" fontAlgn="base">
+                <a:lnSpc>
+                  <a:spcPct val="110000"/>
+                </a:lnSpc>
+                <a:spcBef>
+                  <a:spcPct val="30000"/>
+                </a:spcBef>
+                <a:spcAft>
+                  <a:spcPct val="0"/>
+                </a:spcAft>
+                <a:buClr>
+                  <a:schemeClr val="tx1">
+                    <a:lumMod val="75000"/>
+                    <a:lumOff val="25000"/>
+                  </a:schemeClr>
+                </a:buClr>
+                <a:buSzPct val="80000"/>
+                <a:buFont typeface="Wingdings" pitchFamily="2" charset="2"/>
+                <a:buChar char="§"/>
+                <a:defRPr sz="1800" b="1">
+                  <a:solidFill>
+                    <a:schemeClr val="tx1">
+                      <a:lumMod val="75000"/>
+                      <a:lumOff val="25000"/>
+                    </a:schemeClr>
+                  </a:solidFill>
+                  <a:latin typeface="Calibri" panose="020F0502020204030204" pitchFamily="34" charset="0"/>
+                  <a:ea typeface="微軟正黑體" panose="020B0604030504040204" pitchFamily="34" charset="-120"/>
+                </a:defRPr>
+              </a:lvl5pPr>
+              <a:lvl6pPr marL="2514600" indent="-228600" algn="l" rtl="0" fontAlgn="base">
+                <a:spcBef>
+                  <a:spcPct val="30000"/>
+                </a:spcBef>
+                <a:spcAft>
+                  <a:spcPct val="0"/>
+                </a:spcAft>
+                <a:buClr>
+                  <a:srgbClr val="FF9900"/>
+                </a:buClr>
+                <a:buSzPct val="80000"/>
+                <a:buFont typeface="Wingdings" pitchFamily="2" charset="2"/>
+                <a:buChar char="§"/>
+                <a:defRPr sz="1400">
+                  <a:solidFill>
+                    <a:schemeClr val="tx1"/>
+                  </a:solidFill>
+                  <a:latin typeface="+mn-lt"/>
+                </a:defRPr>
+              </a:lvl6pPr>
+              <a:lvl7pPr marL="2971800" indent="-228600" algn="l" rtl="0" fontAlgn="base">
+                <a:spcBef>
+                  <a:spcPct val="30000"/>
+                </a:spcBef>
+                <a:spcAft>
+                  <a:spcPct val="0"/>
+                </a:spcAft>
+                <a:buClr>
+                  <a:srgbClr val="FF9900"/>
+                </a:buClr>
+                <a:buSzPct val="80000"/>
+                <a:buFont typeface="Wingdings" pitchFamily="2" charset="2"/>
+                <a:buChar char="§"/>
+                <a:defRPr sz="1400">
+                  <a:solidFill>
+                    <a:schemeClr val="tx1"/>
+                  </a:solidFill>
+                  <a:latin typeface="+mn-lt"/>
+                </a:defRPr>
+              </a:lvl7pPr>
+              <a:lvl8pPr marL="3429000" indent="-228600" algn="l" rtl="0" fontAlgn="base">
+                <a:spcBef>
+                  <a:spcPct val="30000"/>
+                </a:spcBef>
+                <a:spcAft>
+                  <a:spcPct val="0"/>
+                </a:spcAft>
+                <a:buClr>
+                  <a:srgbClr val="FF9900"/>
+                </a:buClr>
+                <a:buSzPct val="80000"/>
+                <a:buFont typeface="Wingdings" pitchFamily="2" charset="2"/>
+                <a:buChar char="§"/>
+                <a:defRPr sz="1400">
+                  <a:solidFill>
+                    <a:schemeClr val="tx1"/>
+                  </a:solidFill>
+                  <a:latin typeface="+mn-lt"/>
+                </a:defRPr>
+              </a:lvl8pPr>
+              <a:lvl9pPr marL="3886200" indent="-228600" algn="l" rtl="0" fontAlgn="base">
+                <a:spcBef>
+                  <a:spcPct val="30000"/>
+                </a:spcBef>
+                <a:spcAft>
+                  <a:spcPct val="0"/>
+                </a:spcAft>
+                <a:buClr>
+                  <a:srgbClr val="FF9900"/>
+                </a:buClr>
+                <a:buSzPct val="80000"/>
+                <a:buFont typeface="Wingdings" pitchFamily="2" charset="2"/>
+                <a:buChar char="§"/>
+                <a:defRPr sz="1400">
+                  <a:solidFill>
+                    <a:schemeClr val="tx1"/>
+                  </a:solidFill>
+                  <a:latin typeface="+mn-lt"/>
+                </a:defRPr>
+              </a:lvl9pPr>
+            </a:lstStyle>
+            <a:p>
+              <a:r>
+                <a:rPr lang="zh-TW" altLang="en-US" sz="1600" kern="0" dirty="0" smtClean="0">
+                  <a:latin typeface="微軟正黑體" panose="020B0604030504040204" pitchFamily="34" charset="-120"/>
+                </a:rPr>
+                <a:t>中</a:t>
+              </a:r>
+              <a:r>
+                <a:rPr lang="zh-TW" altLang="en-US" sz="1600" kern="0" dirty="0">
+                  <a:latin typeface="微軟正黑體" panose="020B0604030504040204" pitchFamily="34" charset="-120"/>
+                </a:rPr>
+                <a:t>興</a:t>
+              </a:r>
+              <a:r>
+                <a:rPr lang="zh-TW" altLang="en-US" sz="1600" kern="0" dirty="0" smtClean="0">
+                  <a:latin typeface="微軟正黑體" panose="020B0604030504040204" pitchFamily="34" charset="-120"/>
+                </a:rPr>
+                <a:t>路 </a:t>
+              </a:r>
+              <a:r>
+                <a:rPr lang="en-US" altLang="zh-TW" sz="1600" kern="0" dirty="0" smtClean="0">
+                  <a:latin typeface="微軟正黑體" panose="020B0604030504040204" pitchFamily="34" charset="-120"/>
+                </a:rPr>
+                <a:t>&amp;</a:t>
+              </a:r>
+              <a:r>
+                <a:rPr lang="zh-TW" altLang="en-US" sz="1600" kern="0" dirty="0" smtClean="0">
+                  <a:latin typeface="微軟正黑體" panose="020B0604030504040204" pitchFamily="34" charset="-120"/>
+                </a:rPr>
+                <a:t> 寶橋路</a:t>
+              </a:r>
+              <a:endParaRPr lang="en-US" altLang="zh-TW" sz="1600" kern="0" dirty="0" smtClean="0">
+                <a:latin typeface="微軟正黑體" panose="020B0604030504040204" pitchFamily="34" charset="-120"/>
+              </a:endParaRPr>
+            </a:p>
+            <a:p>
+              <a:pPr marL="0" indent="0">
+                <a:buNone/>
+              </a:pPr>
+              <a:r>
+                <a:rPr lang="zh-TW" altLang="en-US" sz="1400" kern="0" dirty="0" smtClean="0">
+                  <a:latin typeface="微軟正黑體" panose="020B0604030504040204" pitchFamily="34" charset="-120"/>
+                </a:rPr>
+                <a:t>中興路為</a:t>
+              </a:r>
+              <a:r>
+                <a:rPr lang="en-US" altLang="zh-TW" sz="1400" kern="0" dirty="0" smtClean="0">
+                  <a:latin typeface="微軟正黑體" panose="020B0604030504040204" pitchFamily="34" charset="-120"/>
+                </a:rPr>
+                <a:t>20</a:t>
+              </a:r>
+              <a:r>
+                <a:rPr lang="zh-TW" altLang="en-US" sz="1400" kern="0" dirty="0">
+                  <a:latin typeface="微軟正黑體" panose="020B0604030504040204" pitchFamily="34" charset="-120"/>
+                </a:rPr>
+                <a:t>米寬林蔭大道，為後期開發</a:t>
+              </a:r>
+              <a:r>
+                <a:rPr lang="zh-TW" altLang="en-US" sz="1400" kern="0" dirty="0" smtClean="0">
+                  <a:latin typeface="微軟正黑體" panose="020B0604030504040204" pitchFamily="34" charset="-120"/>
+                </a:rPr>
+                <a:t>區域，與北新路平行，距離不遠，生活機能佳</a:t>
+              </a:r>
+              <a:endParaRPr lang="en-US" altLang="zh-TW" sz="1400" kern="0" dirty="0" smtClean="0">
+                <a:latin typeface="微軟正黑體" panose="020B0604030504040204" pitchFamily="34" charset="-120"/>
+              </a:endParaRPr>
+            </a:p>
+            <a:p>
+              <a:pPr marL="0" indent="0">
+                <a:buNone/>
+              </a:pPr>
+              <a:r>
+                <a:rPr lang="zh-TW" altLang="en-US" sz="1400" kern="0" dirty="0" smtClean="0">
+                  <a:latin typeface="微軟正黑體" panose="020B0604030504040204" pitchFamily="34" charset="-120"/>
+                </a:rPr>
+                <a:t>寶橋路與中興路交叉，是新店連接文山區的主要幹道</a:t>
+              </a:r>
+              <a:endParaRPr lang="en-US" altLang="zh-TW" sz="1400" kern="0" dirty="0" smtClean="0">
+                <a:latin typeface="微軟正黑體" panose="020B0604030504040204" pitchFamily="34" charset="-120"/>
+              </a:endParaRPr>
+            </a:p>
+            <a:p>
+              <a:pPr marL="0" indent="0">
+                <a:buNone/>
+              </a:pPr>
+              <a:r>
+                <a:rPr lang="en-US" altLang="zh-TW" sz="1400" kern="0" dirty="0" smtClean="0">
+                  <a:latin typeface="微軟正黑體" panose="020B0604030504040204" pitchFamily="34" charset="-120"/>
+                </a:rPr>
+                <a:t>2000</a:t>
+              </a:r>
+              <a:r>
+                <a:rPr lang="zh-TW" altLang="en-US" sz="1400" kern="0" dirty="0" smtClean="0">
+                  <a:latin typeface="微軟正黑體" panose="020B0604030504040204" pitchFamily="34" charset="-120"/>
+                </a:rPr>
+                <a:t>至</a:t>
+              </a:r>
+              <a:r>
+                <a:rPr lang="en-US" altLang="zh-TW" sz="1400" kern="0" dirty="0" smtClean="0">
+                  <a:latin typeface="微軟正黑體" panose="020B0604030504040204" pitchFamily="34" charset="-120"/>
+                </a:rPr>
+                <a:t>2010</a:t>
+              </a:r>
+              <a:r>
+                <a:rPr lang="zh-TW" altLang="en-US" sz="1400" kern="0" dirty="0" smtClean="0">
+                  <a:latin typeface="微軟正黑體" panose="020B0604030504040204" pitchFamily="34" charset="-120"/>
+                </a:rPr>
+                <a:t>年間有許多建案</a:t>
+              </a:r>
+              <a:endParaRPr lang="en-US" altLang="zh-TW" sz="1400" kern="0" dirty="0" smtClean="0">
+                <a:latin typeface="微軟正黑體" panose="020B0604030504040204" pitchFamily="34" charset="-120"/>
+              </a:endParaRPr>
+            </a:p>
+          </p:txBody>
+        </p:sp>
+        <p:cxnSp>
+          <p:nvCxnSpPr>
+            <p:cNvPr id="11" name="直線單箭頭接點 10"/>
+            <p:cNvCxnSpPr>
+              <a:stCxn id="10" idx="1"/>
+            </p:cNvCxnSpPr>
+            <p:nvPr/>
+          </p:nvCxnSpPr>
+          <p:spPr bwMode="auto">
+            <a:xfrm flipH="1" flipV="1">
+              <a:off x="6366100" y="1888209"/>
+              <a:ext cx="677667" cy="957795"/>
+            </a:xfrm>
+            <a:prstGeom prst="straightConnector1">
+              <a:avLst/>
+            </a:prstGeom>
+            <a:grpFill/>
+            <a:ln w="38100" cap="flat" cmpd="sng" algn="ctr">
+              <a:solidFill>
+                <a:schemeClr val="tx1"/>
+              </a:solidFill>
+              <a:prstDash val="solid"/>
+              <a:round/>
+              <a:headEnd type="none" w="med" len="med"/>
+              <a:tailEnd type="arrow" w="med" len="med"/>
+            </a:ln>
+            <a:effectLst/>
+          </p:spPr>
+        </p:cxnSp>
+      </p:grpSp>
+      <p:cxnSp>
+        <p:nvCxnSpPr>
+          <p:cNvPr id="13" name="直線單箭頭接點 12"/>
+          <p:cNvCxnSpPr/>
+          <p:nvPr/>
+        </p:nvCxnSpPr>
+        <p:spPr bwMode="auto">
+          <a:xfrm flipH="1" flipV="1">
+            <a:off x="6165142" y="3213349"/>
+            <a:ext cx="364706" cy="2103317"/>
+          </a:xfrm>
+          <a:prstGeom prst="straightConnector1">
+            <a:avLst/>
+          </a:prstGeom>
+          <a:solidFill>
+            <a:schemeClr val="bg1"/>
+          </a:solidFill>
+          <a:ln w="38100" cap="flat" cmpd="sng" algn="ctr">
+            <a:solidFill>
+              <a:schemeClr val="tx1"/>
+            </a:solidFill>
+            <a:prstDash val="solid"/>
+            <a:round/>
+            <a:headEnd type="none" w="med" len="med"/>
+            <a:tailEnd type="arrow" w="med" len="med"/>
+          </a:ln>
+          <a:effectLst/>
+        </p:spPr>
+      </p:cxnSp>
+      <p:grpSp>
+        <p:nvGrpSpPr>
+          <p:cNvPr id="18" name="群組 17"/>
+          <p:cNvGrpSpPr/>
+          <p:nvPr/>
+        </p:nvGrpSpPr>
+        <p:grpSpPr>
+          <a:xfrm>
+            <a:off x="613358" y="1435317"/>
+            <a:ext cx="3534099" cy="1287688"/>
+            <a:chOff x="7043767" y="1618571"/>
+            <a:chExt cx="3534099" cy="1287688"/>
+          </a:xfrm>
+          <a:solidFill>
+            <a:schemeClr val="bg1"/>
+          </a:solidFill>
+        </p:grpSpPr>
+        <p:sp>
+          <p:nvSpPr>
+            <p:cNvPr id="20" name="內容版面配置區 1"/>
+            <p:cNvSpPr txBox="1">
+              <a:spLocks/>
+            </p:cNvSpPr>
+            <p:nvPr/>
+          </p:nvSpPr>
+          <p:spPr bwMode="auto">
+            <a:xfrm>
+              <a:off x="7043767" y="1618571"/>
+              <a:ext cx="2486599" cy="1287688"/>
+            </a:xfrm>
+            <a:prstGeom prst="rect">
+              <a:avLst/>
+            </a:prstGeom>
+            <a:grpFill/>
+            <a:ln w="38100">
+              <a:solidFill>
+                <a:schemeClr val="tx1"/>
+              </a:solidFill>
+              <a:miter lim="800000"/>
+              <a:headEnd/>
+              <a:tailEnd/>
+            </a:ln>
+            <a:effectLst/>
+          </p:spPr>
+          <p:txBody>
+            <a:bodyPr vert="horz" wrap="square" lIns="91440" tIns="45720" rIns="91440" bIns="45720" numCol="1" anchor="t" anchorCtr="0" compatLnSpc="1">
+              <a:prstTxWarp prst="textNoShape">
+                <a:avLst/>
+              </a:prstTxWarp>
+            </a:bodyPr>
+            <a:lstStyle>
+              <a:lvl1pPr marL="342900" indent="-342900" algn="l" rtl="0" fontAlgn="base">
+                <a:lnSpc>
+                  <a:spcPct val="120000"/>
+                </a:lnSpc>
+                <a:spcBef>
+                  <a:spcPts val="648"/>
+                </a:spcBef>
+                <a:spcAft>
+                  <a:spcPts val="0"/>
+                </a:spcAft>
+                <a:buClrTx/>
+                <a:buSzPct val="75000"/>
+                <a:buFont typeface="Wingdings" pitchFamily="2" charset="2"/>
+                <a:buChar char="p"/>
+                <a:defRPr lang="zh-TW" altLang="en-US" sz="2000" b="1" dirty="0" smtClean="0">
+                  <a:solidFill>
+                    <a:schemeClr val="tx1">
+                      <a:lumMod val="75000"/>
+                      <a:lumOff val="25000"/>
+                    </a:schemeClr>
+                  </a:solidFill>
+                  <a:latin typeface="Calibri" panose="020F0502020204030204" pitchFamily="34" charset="0"/>
+                  <a:ea typeface="微軟正黑體" panose="020B0604030504040204" pitchFamily="34" charset="-120"/>
+                  <a:cs typeface="+mn-cs"/>
+                </a:defRPr>
+              </a:lvl1pPr>
+              <a:lvl2pPr marL="742950" indent="-285750" algn="l" rtl="0" fontAlgn="base">
+                <a:lnSpc>
+                  <a:spcPct val="120000"/>
+                </a:lnSpc>
+                <a:spcBef>
+                  <a:spcPts val="648"/>
+                </a:spcBef>
+                <a:spcAft>
+                  <a:spcPts val="0"/>
+                </a:spcAft>
+                <a:buClrTx/>
+                <a:buSzPct val="75000"/>
+                <a:buFont typeface="Wingdings" pitchFamily="2" charset="2"/>
+                <a:buChar char="n"/>
+                <a:defRPr lang="zh-TW" altLang="en-US" sz="2000" b="1" dirty="0" smtClean="0">
+                  <a:solidFill>
+                    <a:schemeClr val="tx1">
+                      <a:lumMod val="75000"/>
+                      <a:lumOff val="25000"/>
+                    </a:schemeClr>
+                  </a:solidFill>
+                  <a:latin typeface="Calibri" panose="020F0502020204030204" pitchFamily="34" charset="0"/>
+                  <a:ea typeface="微軟正黑體" panose="020B0604030504040204" pitchFamily="34" charset="-120"/>
+                  <a:cs typeface="+mn-cs"/>
+                </a:defRPr>
+              </a:lvl2pPr>
+              <a:lvl3pPr marL="1143000" indent="-228600" algn="l" rtl="0" fontAlgn="base">
+                <a:lnSpc>
+                  <a:spcPct val="120000"/>
+                </a:lnSpc>
+                <a:spcBef>
+                  <a:spcPts val="648"/>
+                </a:spcBef>
+                <a:spcAft>
+                  <a:spcPts val="0"/>
+                </a:spcAft>
+                <a:buClrTx/>
+                <a:buSzPct val="75000"/>
+                <a:buFont typeface="Wingdings" pitchFamily="2" charset="2"/>
+                <a:buChar char="p"/>
+                <a:defRPr lang="zh-TW" altLang="en-US" sz="2000" b="1" dirty="0" smtClean="0">
+                  <a:solidFill>
+                    <a:schemeClr val="tx1">
+                      <a:lumMod val="75000"/>
+                      <a:lumOff val="25000"/>
+                    </a:schemeClr>
+                  </a:solidFill>
+                  <a:latin typeface="Calibri" panose="020F0502020204030204" pitchFamily="34" charset="0"/>
+                  <a:ea typeface="微軟正黑體" panose="020B0604030504040204" pitchFamily="34" charset="-120"/>
+                  <a:cs typeface="+mn-cs"/>
+                </a:defRPr>
+              </a:lvl3pPr>
+              <a:lvl4pPr marL="1600200" indent="-228600" algn="l" rtl="0" fontAlgn="base">
+                <a:lnSpc>
+                  <a:spcPct val="110000"/>
+                </a:lnSpc>
+                <a:spcBef>
+                  <a:spcPct val="30000"/>
+                </a:spcBef>
+                <a:spcAft>
+                  <a:spcPct val="0"/>
+                </a:spcAft>
+                <a:buClr>
+                  <a:schemeClr val="tx1">
+                    <a:lumMod val="75000"/>
+                    <a:lumOff val="25000"/>
+                  </a:schemeClr>
+                </a:buClr>
+                <a:buFont typeface="Wingdings" pitchFamily="2" charset="2"/>
+                <a:buChar char="§"/>
+                <a:defRPr sz="1800" b="1">
+                  <a:solidFill>
+                    <a:schemeClr val="tx1">
+                      <a:lumMod val="75000"/>
+                      <a:lumOff val="25000"/>
+                    </a:schemeClr>
+                  </a:solidFill>
+                  <a:latin typeface="Calibri" panose="020F0502020204030204" pitchFamily="34" charset="0"/>
+                  <a:ea typeface="微軟正黑體" panose="020B0604030504040204" pitchFamily="34" charset="-120"/>
+                </a:defRPr>
+              </a:lvl4pPr>
+              <a:lvl5pPr marL="2057400" indent="-228600" algn="l" rtl="0" fontAlgn="base">
+                <a:lnSpc>
+                  <a:spcPct val="110000"/>
+                </a:lnSpc>
+                <a:spcBef>
+                  <a:spcPct val="30000"/>
+                </a:spcBef>
+                <a:spcAft>
+                  <a:spcPct val="0"/>
+                </a:spcAft>
+                <a:buClr>
+                  <a:schemeClr val="tx1">
+                    <a:lumMod val="75000"/>
+                    <a:lumOff val="25000"/>
+                  </a:schemeClr>
+                </a:buClr>
+                <a:buSzPct val="80000"/>
+                <a:buFont typeface="Wingdings" pitchFamily="2" charset="2"/>
+                <a:buChar char="§"/>
+                <a:defRPr sz="1800" b="1">
+                  <a:solidFill>
+                    <a:schemeClr val="tx1">
+                      <a:lumMod val="75000"/>
+                      <a:lumOff val="25000"/>
+                    </a:schemeClr>
+                  </a:solidFill>
+                  <a:latin typeface="Calibri" panose="020F0502020204030204" pitchFamily="34" charset="0"/>
+                  <a:ea typeface="微軟正黑體" panose="020B0604030504040204" pitchFamily="34" charset="-120"/>
+                </a:defRPr>
+              </a:lvl5pPr>
+              <a:lvl6pPr marL="2514600" indent="-228600" algn="l" rtl="0" fontAlgn="base">
+                <a:spcBef>
+                  <a:spcPct val="30000"/>
+                </a:spcBef>
+                <a:spcAft>
+                  <a:spcPct val="0"/>
+                </a:spcAft>
+                <a:buClr>
+                  <a:srgbClr val="FF9900"/>
+                </a:buClr>
+                <a:buSzPct val="80000"/>
+                <a:buFont typeface="Wingdings" pitchFamily="2" charset="2"/>
+                <a:buChar char="§"/>
+                <a:defRPr sz="1400">
+                  <a:solidFill>
+                    <a:schemeClr val="tx1"/>
+                  </a:solidFill>
+                  <a:latin typeface="+mn-lt"/>
+                </a:defRPr>
+              </a:lvl6pPr>
+              <a:lvl7pPr marL="2971800" indent="-228600" algn="l" rtl="0" fontAlgn="base">
+                <a:spcBef>
+                  <a:spcPct val="30000"/>
+                </a:spcBef>
+                <a:spcAft>
+                  <a:spcPct val="0"/>
+                </a:spcAft>
+                <a:buClr>
+                  <a:srgbClr val="FF9900"/>
+                </a:buClr>
+                <a:buSzPct val="80000"/>
+                <a:buFont typeface="Wingdings" pitchFamily="2" charset="2"/>
+                <a:buChar char="§"/>
+                <a:defRPr sz="1400">
+                  <a:solidFill>
+                    <a:schemeClr val="tx1"/>
+                  </a:solidFill>
+                  <a:latin typeface="+mn-lt"/>
+                </a:defRPr>
+              </a:lvl7pPr>
+              <a:lvl8pPr marL="3429000" indent="-228600" algn="l" rtl="0" fontAlgn="base">
+                <a:spcBef>
+                  <a:spcPct val="30000"/>
+                </a:spcBef>
+                <a:spcAft>
+                  <a:spcPct val="0"/>
+                </a:spcAft>
+                <a:buClr>
+                  <a:srgbClr val="FF9900"/>
+                </a:buClr>
+                <a:buSzPct val="80000"/>
+                <a:buFont typeface="Wingdings" pitchFamily="2" charset="2"/>
+                <a:buChar char="§"/>
+                <a:defRPr sz="1400">
+                  <a:solidFill>
+                    <a:schemeClr val="tx1"/>
+                  </a:solidFill>
+                  <a:latin typeface="+mn-lt"/>
+                </a:defRPr>
+              </a:lvl8pPr>
+              <a:lvl9pPr marL="3886200" indent="-228600" algn="l" rtl="0" fontAlgn="base">
+                <a:spcBef>
+                  <a:spcPct val="30000"/>
+                </a:spcBef>
+                <a:spcAft>
+                  <a:spcPct val="0"/>
+                </a:spcAft>
+                <a:buClr>
+                  <a:srgbClr val="FF9900"/>
+                </a:buClr>
+                <a:buSzPct val="80000"/>
+                <a:buFont typeface="Wingdings" pitchFamily="2" charset="2"/>
+                <a:buChar char="§"/>
+                <a:defRPr sz="1400">
+                  <a:solidFill>
+                    <a:schemeClr val="tx1"/>
+                  </a:solidFill>
+                  <a:latin typeface="+mn-lt"/>
+                </a:defRPr>
+              </a:lvl9pPr>
+            </a:lstStyle>
+            <a:p>
+              <a:r>
+                <a:rPr lang="zh-TW" altLang="en-US" sz="1600" kern="0" dirty="0" smtClean="0">
+                  <a:latin typeface="微軟正黑體" panose="020B0604030504040204" pitchFamily="34" charset="-120"/>
+                </a:rPr>
+                <a:t>民權路</a:t>
+              </a:r>
+              <a:endParaRPr lang="en-US" altLang="zh-TW" sz="1600" kern="0" dirty="0" smtClean="0">
+                <a:latin typeface="微軟正黑體" panose="020B0604030504040204" pitchFamily="34" charset="-120"/>
+              </a:endParaRPr>
+            </a:p>
+            <a:p>
+              <a:pPr marL="0" indent="0">
+                <a:buNone/>
+              </a:pPr>
+              <a:r>
+                <a:rPr lang="zh-TW" altLang="en-US" sz="1400" kern="0" dirty="0" smtClean="0">
+                  <a:latin typeface="微軟正黑體" panose="020B0604030504040204" pitchFamily="34" charset="-120"/>
+                </a:rPr>
+                <a:t>民權路道路</a:t>
+              </a:r>
+              <a:r>
+                <a:rPr lang="zh-TW" altLang="en-US" sz="1400" kern="0" dirty="0">
+                  <a:latin typeface="微軟正黑體" panose="020B0604030504040204" pitchFamily="34" charset="-120"/>
+                </a:rPr>
+                <a:t>寬敞</a:t>
+              </a:r>
+              <a:r>
+                <a:rPr lang="zh-TW" altLang="en-US" sz="1400" kern="0" dirty="0" smtClean="0">
+                  <a:latin typeface="微軟正黑體" panose="020B0604030504040204" pitchFamily="34" charset="-120"/>
+                </a:rPr>
+                <a:t>，發展比較</a:t>
+              </a:r>
+              <a:r>
+                <a:rPr lang="zh-TW" altLang="en-US" sz="1400" kern="0" dirty="0">
+                  <a:latin typeface="微軟正黑體" panose="020B0604030504040204" pitchFamily="34" charset="-120"/>
+                </a:rPr>
+                <a:t>早，機能均已成熟，</a:t>
+              </a:r>
+              <a:r>
+                <a:rPr lang="zh-TW" altLang="en-US" sz="1400" kern="0" dirty="0" smtClean="0">
+                  <a:latin typeface="微軟正黑體" panose="020B0604030504040204" pitchFamily="34" charset="-120"/>
+                </a:rPr>
+                <a:t>銀行、餐飲、診所</a:t>
+              </a:r>
+              <a:r>
+                <a:rPr lang="zh-TW" altLang="en-US" sz="1400" kern="0" dirty="0">
+                  <a:latin typeface="微軟正黑體" panose="020B0604030504040204" pitchFamily="34" charset="-120"/>
+                </a:rPr>
+                <a:t>都很齊全</a:t>
+              </a:r>
+              <a:endParaRPr lang="en-US" altLang="zh-TW" sz="1400" kern="0" dirty="0" smtClean="0">
+                <a:latin typeface="微軟正黑體" panose="020B0604030504040204" pitchFamily="34" charset="-120"/>
+              </a:endParaRPr>
+            </a:p>
+          </p:txBody>
+        </p:sp>
+        <p:cxnSp>
+          <p:nvCxnSpPr>
+            <p:cNvPr id="21" name="直線單箭頭接點 20"/>
+            <p:cNvCxnSpPr>
+              <a:stCxn id="20" idx="3"/>
+            </p:cNvCxnSpPr>
+            <p:nvPr/>
+          </p:nvCxnSpPr>
+          <p:spPr bwMode="auto">
+            <a:xfrm>
+              <a:off x="9530366" y="2262415"/>
+              <a:ext cx="1047500" cy="104978"/>
+            </a:xfrm>
+            <a:prstGeom prst="straightConnector1">
+              <a:avLst/>
+            </a:prstGeom>
+            <a:grpFill/>
+            <a:ln w="38100" cap="flat" cmpd="sng" algn="ctr">
+              <a:solidFill>
+                <a:schemeClr val="tx1"/>
+              </a:solidFill>
+              <a:prstDash val="solid"/>
+              <a:round/>
+              <a:headEnd type="none" w="med" len="med"/>
+              <a:tailEnd type="arrow" w="med" len="med"/>
+            </a:ln>
+            <a:effectLst/>
+          </p:spPr>
+        </p:cxnSp>
+      </p:grpSp>
+      <p:sp>
+        <p:nvSpPr>
+          <p:cNvPr id="27" name="內容版面配置區 1"/>
+          <p:cNvSpPr txBox="1">
+            <a:spLocks/>
+          </p:cNvSpPr>
+          <p:nvPr/>
+        </p:nvSpPr>
+        <p:spPr bwMode="auto">
+          <a:xfrm>
+            <a:off x="5273284" y="4770055"/>
+            <a:ext cx="855698" cy="337188"/>
+          </a:xfrm>
+          <a:prstGeom prst="rect">
+            <a:avLst/>
+          </a:prstGeom>
+          <a:solidFill>
+            <a:schemeClr val="accent2">
+              <a:lumMod val="40000"/>
+              <a:lumOff val="60000"/>
+            </a:schemeClr>
+          </a:solidFill>
+          <a:ln w="38100">
+            <a:solidFill>
+              <a:schemeClr val="tx1"/>
+            </a:solidFill>
+            <a:miter lim="800000"/>
+            <a:headEnd/>
+            <a:tailEnd/>
+          </a:ln>
+          <a:effectLst/>
+        </p:spPr>
+        <p:txBody>
+          <a:bodyPr vert="horz" wrap="square" lIns="91440" tIns="45720" rIns="91440" bIns="45720" numCol="1" anchor="t" anchorCtr="0" compatLnSpc="1">
+            <a:prstTxWarp prst="textNoShape">
+              <a:avLst/>
+            </a:prstTxWarp>
+          </a:bodyPr>
+          <a:lstStyle>
+            <a:lvl1pPr marL="342900" indent="-342900" algn="l" rtl="0" fontAlgn="base">
+              <a:lnSpc>
+                <a:spcPct val="120000"/>
+              </a:lnSpc>
+              <a:spcBef>
+                <a:spcPts val="648"/>
+              </a:spcBef>
+              <a:spcAft>
+                <a:spcPts val="0"/>
+              </a:spcAft>
+              <a:buClrTx/>
+              <a:buSzPct val="75000"/>
+              <a:buFont typeface="Wingdings" pitchFamily="2" charset="2"/>
+              <a:buChar char="p"/>
+              <a:defRPr lang="zh-TW" altLang="en-US" sz="2000" b="1" dirty="0" smtClean="0">
+                <a:solidFill>
+                  <a:schemeClr val="tx1">
+                    <a:lumMod val="75000"/>
+                    <a:lumOff val="25000"/>
+                  </a:schemeClr>
+                </a:solidFill>
+                <a:latin typeface="Calibri" panose="020F0502020204030204" pitchFamily="34" charset="0"/>
+                <a:ea typeface="微軟正黑體" panose="020B0604030504040204" pitchFamily="34" charset="-120"/>
+                <a:cs typeface="+mn-cs"/>
+              </a:defRPr>
+            </a:lvl1pPr>
+            <a:lvl2pPr marL="742950" indent="-285750" algn="l" rtl="0" fontAlgn="base">
+              <a:lnSpc>
+                <a:spcPct val="120000"/>
+              </a:lnSpc>
+              <a:spcBef>
+                <a:spcPts val="648"/>
+              </a:spcBef>
+              <a:spcAft>
+                <a:spcPts val="0"/>
+              </a:spcAft>
+              <a:buClrTx/>
+              <a:buSzPct val="75000"/>
+              <a:buFont typeface="Wingdings" pitchFamily="2" charset="2"/>
+              <a:buChar char="n"/>
+              <a:defRPr lang="zh-TW" altLang="en-US" sz="2000" b="1" dirty="0" smtClean="0">
+                <a:solidFill>
+                  <a:schemeClr val="tx1">
+                    <a:lumMod val="75000"/>
+                    <a:lumOff val="25000"/>
+                  </a:schemeClr>
+                </a:solidFill>
+                <a:latin typeface="Calibri" panose="020F0502020204030204" pitchFamily="34" charset="0"/>
+                <a:ea typeface="微軟正黑體" panose="020B0604030504040204" pitchFamily="34" charset="-120"/>
+                <a:cs typeface="+mn-cs"/>
+              </a:defRPr>
+            </a:lvl2pPr>
+            <a:lvl3pPr marL="1143000" indent="-228600" algn="l" rtl="0" fontAlgn="base">
+              <a:lnSpc>
+                <a:spcPct val="120000"/>
+              </a:lnSpc>
+              <a:spcBef>
+                <a:spcPts val="648"/>
+              </a:spcBef>
+              <a:spcAft>
+                <a:spcPts val="0"/>
+              </a:spcAft>
+              <a:buClrTx/>
+              <a:buSzPct val="75000"/>
+              <a:buFont typeface="Wingdings" pitchFamily="2" charset="2"/>
+              <a:buChar char="p"/>
+              <a:defRPr lang="zh-TW" altLang="en-US" sz="2000" b="1" dirty="0" smtClean="0">
+                <a:solidFill>
+                  <a:schemeClr val="tx1">
+                    <a:lumMod val="75000"/>
+                    <a:lumOff val="25000"/>
+                  </a:schemeClr>
+                </a:solidFill>
+                <a:latin typeface="Calibri" panose="020F0502020204030204" pitchFamily="34" charset="0"/>
+                <a:ea typeface="微軟正黑體" panose="020B0604030504040204" pitchFamily="34" charset="-120"/>
+                <a:cs typeface="+mn-cs"/>
+              </a:defRPr>
+            </a:lvl3pPr>
+            <a:lvl4pPr marL="1600200" indent="-228600" algn="l" rtl="0" fontAlgn="base">
+              <a:lnSpc>
+                <a:spcPct val="110000"/>
+              </a:lnSpc>
+              <a:spcBef>
+                <a:spcPct val="30000"/>
+              </a:spcBef>
+              <a:spcAft>
+                <a:spcPct val="0"/>
+              </a:spcAft>
+              <a:buClr>
+                <a:schemeClr val="tx1">
+                  <a:lumMod val="75000"/>
+                  <a:lumOff val="25000"/>
+                </a:schemeClr>
+              </a:buClr>
+              <a:buFont typeface="Wingdings" pitchFamily="2" charset="2"/>
+              <a:buChar char="§"/>
+              <a:defRPr sz="1800" b="1">
+                <a:solidFill>
+                  <a:schemeClr val="tx1">
+                    <a:lumMod val="75000"/>
+                    <a:lumOff val="25000"/>
+                  </a:schemeClr>
+                </a:solidFill>
+                <a:latin typeface="Calibri" panose="020F0502020204030204" pitchFamily="34" charset="0"/>
+                <a:ea typeface="微軟正黑體" panose="020B0604030504040204" pitchFamily="34" charset="-120"/>
+              </a:defRPr>
+            </a:lvl4pPr>
+            <a:lvl5pPr marL="2057400" indent="-228600" algn="l" rtl="0" fontAlgn="base">
+              <a:lnSpc>
+                <a:spcPct val="110000"/>
+              </a:lnSpc>
+              <a:spcBef>
+                <a:spcPct val="30000"/>
+              </a:spcBef>
+              <a:spcAft>
+                <a:spcPct val="0"/>
+              </a:spcAft>
+              <a:buClr>
+                <a:schemeClr val="tx1">
+                  <a:lumMod val="75000"/>
+                  <a:lumOff val="25000"/>
+                </a:schemeClr>
+              </a:buClr>
+              <a:buSzPct val="80000"/>
+              <a:buFont typeface="Wingdings" pitchFamily="2" charset="2"/>
+              <a:buChar char="§"/>
+              <a:defRPr sz="1800" b="1">
+                <a:solidFill>
+                  <a:schemeClr val="tx1">
+                    <a:lumMod val="75000"/>
+                    <a:lumOff val="25000"/>
+                  </a:schemeClr>
+                </a:solidFill>
+                <a:latin typeface="Calibri" panose="020F0502020204030204" pitchFamily="34" charset="0"/>
+                <a:ea typeface="微軟正黑體" panose="020B0604030504040204" pitchFamily="34" charset="-120"/>
+              </a:defRPr>
+            </a:lvl5pPr>
+            <a:lvl6pPr marL="2514600" indent="-228600" algn="l" rtl="0" fontAlgn="base">
+              <a:spcBef>
+                <a:spcPct val="30000"/>
+              </a:spcBef>
+              <a:spcAft>
+                <a:spcPct val="0"/>
+              </a:spcAft>
+              <a:buClr>
+                <a:srgbClr val="FF9900"/>
+              </a:buClr>
+              <a:buSzPct val="80000"/>
+              <a:buFont typeface="Wingdings" pitchFamily="2" charset="2"/>
+              <a:buChar char="§"/>
+              <a:defRPr sz="1400">
+                <a:solidFill>
+                  <a:schemeClr val="tx1"/>
+                </a:solidFill>
+                <a:latin typeface="+mn-lt"/>
+              </a:defRPr>
+            </a:lvl6pPr>
+            <a:lvl7pPr marL="2971800" indent="-228600" algn="l" rtl="0" fontAlgn="base">
+              <a:spcBef>
+                <a:spcPct val="30000"/>
+              </a:spcBef>
+              <a:spcAft>
+                <a:spcPct val="0"/>
+              </a:spcAft>
+              <a:buClr>
+                <a:srgbClr val="FF9900"/>
+              </a:buClr>
+              <a:buSzPct val="80000"/>
+              <a:buFont typeface="Wingdings" pitchFamily="2" charset="2"/>
+              <a:buChar char="§"/>
+              <a:defRPr sz="1400">
+                <a:solidFill>
+                  <a:schemeClr val="tx1"/>
+                </a:solidFill>
+                <a:latin typeface="+mn-lt"/>
+              </a:defRPr>
+            </a:lvl7pPr>
+            <a:lvl8pPr marL="3429000" indent="-228600" algn="l" rtl="0" fontAlgn="base">
+              <a:spcBef>
+                <a:spcPct val="30000"/>
+              </a:spcBef>
+              <a:spcAft>
+                <a:spcPct val="0"/>
+              </a:spcAft>
+              <a:buClr>
+                <a:srgbClr val="FF9900"/>
+              </a:buClr>
+              <a:buSzPct val="80000"/>
+              <a:buFont typeface="Wingdings" pitchFamily="2" charset="2"/>
+              <a:buChar char="§"/>
+              <a:defRPr sz="1400">
+                <a:solidFill>
+                  <a:schemeClr val="tx1"/>
+                </a:solidFill>
+                <a:latin typeface="+mn-lt"/>
+              </a:defRPr>
+            </a:lvl8pPr>
+            <a:lvl9pPr marL="3886200" indent="-228600" algn="l" rtl="0" fontAlgn="base">
+              <a:spcBef>
+                <a:spcPct val="30000"/>
+              </a:spcBef>
+              <a:spcAft>
+                <a:spcPct val="0"/>
+              </a:spcAft>
+              <a:buClr>
+                <a:srgbClr val="FF9900"/>
+              </a:buClr>
+              <a:buSzPct val="80000"/>
+              <a:buFont typeface="Wingdings" pitchFamily="2" charset="2"/>
+              <a:buChar char="§"/>
+              <a:defRPr sz="1400">
+                <a:solidFill>
+                  <a:schemeClr val="tx1"/>
+                </a:solidFill>
+                <a:latin typeface="+mn-lt"/>
+              </a:defRPr>
+            </a:lvl9pPr>
+          </a:lstStyle>
+          <a:p>
+            <a:pPr marL="0" indent="0">
+              <a:buFont typeface="Wingdings" pitchFamily="2" charset="2"/>
+              <a:buNone/>
+            </a:pPr>
+            <a:r>
+              <a:rPr lang="zh-TW" altLang="en-US" sz="1200" kern="0" dirty="0" smtClean="0">
+                <a:latin typeface="標楷體" panose="03000509000000000000" pitchFamily="65" charset="-120"/>
+                <a:ea typeface="標楷體" panose="03000509000000000000" pitchFamily="65" charset="-120"/>
+              </a:rPr>
+              <a:t>潤泰遠景</a:t>
+            </a:r>
+            <a:endParaRPr lang="zh-TW" altLang="en-US" sz="1200" kern="0" dirty="0">
+              <a:latin typeface="標楷體" panose="03000509000000000000" pitchFamily="65" charset="-120"/>
+              <a:ea typeface="標楷體" panose="03000509000000000000" pitchFamily="65" charset="-120"/>
+            </a:endParaRPr>
+          </a:p>
+        </p:txBody>
+      </p:sp>
+      <p:sp>
+        <p:nvSpPr>
+          <p:cNvPr id="28" name="內容版面配置區 1"/>
+          <p:cNvSpPr txBox="1">
+            <a:spLocks/>
+          </p:cNvSpPr>
+          <p:nvPr/>
+        </p:nvSpPr>
+        <p:spPr bwMode="auto">
+          <a:xfrm>
+            <a:off x="5861139" y="3937004"/>
+            <a:ext cx="668709" cy="304774"/>
+          </a:xfrm>
+          <a:prstGeom prst="rect">
+            <a:avLst/>
+          </a:prstGeom>
+          <a:solidFill>
+            <a:schemeClr val="accent2">
+              <a:lumMod val="40000"/>
+              <a:lumOff val="60000"/>
+            </a:schemeClr>
+          </a:solidFill>
+          <a:ln w="38100">
+            <a:solidFill>
+              <a:schemeClr val="tx1"/>
+            </a:solidFill>
+            <a:miter lim="800000"/>
+            <a:headEnd/>
+            <a:tailEnd/>
+          </a:ln>
+          <a:effectLst/>
+        </p:spPr>
+        <p:txBody>
+          <a:bodyPr vert="horz" wrap="square" lIns="91440" tIns="45720" rIns="91440" bIns="45720" numCol="1" anchor="t" anchorCtr="0" compatLnSpc="1">
+            <a:prstTxWarp prst="textNoShape">
+              <a:avLst/>
+            </a:prstTxWarp>
+          </a:bodyPr>
+          <a:lstStyle>
+            <a:lvl1pPr marL="342900" indent="-342900" algn="l" rtl="0" fontAlgn="base">
+              <a:lnSpc>
+                <a:spcPct val="120000"/>
+              </a:lnSpc>
+              <a:spcBef>
+                <a:spcPts val="648"/>
+              </a:spcBef>
+              <a:spcAft>
+                <a:spcPts val="0"/>
+              </a:spcAft>
+              <a:buClrTx/>
+              <a:buSzPct val="75000"/>
+              <a:buFont typeface="Wingdings" pitchFamily="2" charset="2"/>
+              <a:buChar char="p"/>
+              <a:defRPr lang="zh-TW" altLang="en-US" sz="2000" b="1" dirty="0" smtClean="0">
+                <a:solidFill>
+                  <a:schemeClr val="tx1">
+                    <a:lumMod val="75000"/>
+                    <a:lumOff val="25000"/>
+                  </a:schemeClr>
+                </a:solidFill>
+                <a:latin typeface="Calibri" panose="020F0502020204030204" pitchFamily="34" charset="0"/>
+                <a:ea typeface="微軟正黑體" panose="020B0604030504040204" pitchFamily="34" charset="-120"/>
+                <a:cs typeface="+mn-cs"/>
+              </a:defRPr>
+            </a:lvl1pPr>
+            <a:lvl2pPr marL="742950" indent="-285750" algn="l" rtl="0" fontAlgn="base">
+              <a:lnSpc>
+                <a:spcPct val="120000"/>
+              </a:lnSpc>
+              <a:spcBef>
+                <a:spcPts val="648"/>
+              </a:spcBef>
+              <a:spcAft>
+                <a:spcPts val="0"/>
+              </a:spcAft>
+              <a:buClrTx/>
+              <a:buSzPct val="75000"/>
+              <a:buFont typeface="Wingdings" pitchFamily="2" charset="2"/>
+              <a:buChar char="n"/>
+              <a:defRPr lang="zh-TW" altLang="en-US" sz="2000" b="1" dirty="0" smtClean="0">
+                <a:solidFill>
+                  <a:schemeClr val="tx1">
+                    <a:lumMod val="75000"/>
+                    <a:lumOff val="25000"/>
+                  </a:schemeClr>
+                </a:solidFill>
+                <a:latin typeface="Calibri" panose="020F0502020204030204" pitchFamily="34" charset="0"/>
+                <a:ea typeface="微軟正黑體" panose="020B0604030504040204" pitchFamily="34" charset="-120"/>
+                <a:cs typeface="+mn-cs"/>
+              </a:defRPr>
+            </a:lvl2pPr>
+            <a:lvl3pPr marL="1143000" indent="-228600" algn="l" rtl="0" fontAlgn="base">
+              <a:lnSpc>
+                <a:spcPct val="120000"/>
+              </a:lnSpc>
+              <a:spcBef>
+                <a:spcPts val="648"/>
+              </a:spcBef>
+              <a:spcAft>
+                <a:spcPts val="0"/>
+              </a:spcAft>
+              <a:buClrTx/>
+              <a:buSzPct val="75000"/>
+              <a:buFont typeface="Wingdings" pitchFamily="2" charset="2"/>
+              <a:buChar char="p"/>
+              <a:defRPr lang="zh-TW" altLang="en-US" sz="2000" b="1" dirty="0" smtClean="0">
+                <a:solidFill>
+                  <a:schemeClr val="tx1">
+                    <a:lumMod val="75000"/>
+                    <a:lumOff val="25000"/>
+                  </a:schemeClr>
+                </a:solidFill>
+                <a:latin typeface="Calibri" panose="020F0502020204030204" pitchFamily="34" charset="0"/>
+                <a:ea typeface="微軟正黑體" panose="020B0604030504040204" pitchFamily="34" charset="-120"/>
+                <a:cs typeface="+mn-cs"/>
+              </a:defRPr>
+            </a:lvl3pPr>
+            <a:lvl4pPr marL="1600200" indent="-228600" algn="l" rtl="0" fontAlgn="base">
+              <a:lnSpc>
+                <a:spcPct val="110000"/>
+              </a:lnSpc>
+              <a:spcBef>
+                <a:spcPct val="30000"/>
+              </a:spcBef>
+              <a:spcAft>
+                <a:spcPct val="0"/>
+              </a:spcAft>
+              <a:buClr>
+                <a:schemeClr val="tx1">
+                  <a:lumMod val="75000"/>
+                  <a:lumOff val="25000"/>
+                </a:schemeClr>
+              </a:buClr>
+              <a:buFont typeface="Wingdings" pitchFamily="2" charset="2"/>
+              <a:buChar char="§"/>
+              <a:defRPr sz="1800" b="1">
+                <a:solidFill>
+                  <a:schemeClr val="tx1">
+                    <a:lumMod val="75000"/>
+                    <a:lumOff val="25000"/>
+                  </a:schemeClr>
+                </a:solidFill>
+                <a:latin typeface="Calibri" panose="020F0502020204030204" pitchFamily="34" charset="0"/>
+                <a:ea typeface="微軟正黑體" panose="020B0604030504040204" pitchFamily="34" charset="-120"/>
+              </a:defRPr>
+            </a:lvl4pPr>
+            <a:lvl5pPr marL="2057400" indent="-228600" algn="l" rtl="0" fontAlgn="base">
+              <a:lnSpc>
+                <a:spcPct val="110000"/>
+              </a:lnSpc>
+              <a:spcBef>
+                <a:spcPct val="30000"/>
+              </a:spcBef>
+              <a:spcAft>
+                <a:spcPct val="0"/>
+              </a:spcAft>
+              <a:buClr>
+                <a:schemeClr val="tx1">
+                  <a:lumMod val="75000"/>
+                  <a:lumOff val="25000"/>
+                </a:schemeClr>
+              </a:buClr>
+              <a:buSzPct val="80000"/>
+              <a:buFont typeface="Wingdings" pitchFamily="2" charset="2"/>
+              <a:buChar char="§"/>
+              <a:defRPr sz="1800" b="1">
+                <a:solidFill>
+                  <a:schemeClr val="tx1">
+                    <a:lumMod val="75000"/>
+                    <a:lumOff val="25000"/>
+                  </a:schemeClr>
+                </a:solidFill>
+                <a:latin typeface="Calibri" panose="020F0502020204030204" pitchFamily="34" charset="0"/>
+                <a:ea typeface="微軟正黑體" panose="020B0604030504040204" pitchFamily="34" charset="-120"/>
+              </a:defRPr>
+            </a:lvl5pPr>
+            <a:lvl6pPr marL="2514600" indent="-228600" algn="l" rtl="0" fontAlgn="base">
+              <a:spcBef>
+                <a:spcPct val="30000"/>
+              </a:spcBef>
+              <a:spcAft>
+                <a:spcPct val="0"/>
+              </a:spcAft>
+              <a:buClr>
+                <a:srgbClr val="FF9900"/>
+              </a:buClr>
+              <a:buSzPct val="80000"/>
+              <a:buFont typeface="Wingdings" pitchFamily="2" charset="2"/>
+              <a:buChar char="§"/>
+              <a:defRPr sz="1400">
+                <a:solidFill>
+                  <a:schemeClr val="tx1"/>
+                </a:solidFill>
+                <a:latin typeface="+mn-lt"/>
+              </a:defRPr>
+            </a:lvl6pPr>
+            <a:lvl7pPr marL="2971800" indent="-228600" algn="l" rtl="0" fontAlgn="base">
+              <a:spcBef>
+                <a:spcPct val="30000"/>
+              </a:spcBef>
+              <a:spcAft>
+                <a:spcPct val="0"/>
+              </a:spcAft>
+              <a:buClr>
+                <a:srgbClr val="FF9900"/>
+              </a:buClr>
+              <a:buSzPct val="80000"/>
+              <a:buFont typeface="Wingdings" pitchFamily="2" charset="2"/>
+              <a:buChar char="§"/>
+              <a:defRPr sz="1400">
+                <a:solidFill>
+                  <a:schemeClr val="tx1"/>
+                </a:solidFill>
+                <a:latin typeface="+mn-lt"/>
+              </a:defRPr>
+            </a:lvl7pPr>
+            <a:lvl8pPr marL="3429000" indent="-228600" algn="l" rtl="0" fontAlgn="base">
+              <a:spcBef>
+                <a:spcPct val="30000"/>
+              </a:spcBef>
+              <a:spcAft>
+                <a:spcPct val="0"/>
+              </a:spcAft>
+              <a:buClr>
+                <a:srgbClr val="FF9900"/>
+              </a:buClr>
+              <a:buSzPct val="80000"/>
+              <a:buFont typeface="Wingdings" pitchFamily="2" charset="2"/>
+              <a:buChar char="§"/>
+              <a:defRPr sz="1400">
+                <a:solidFill>
+                  <a:schemeClr val="tx1"/>
+                </a:solidFill>
+                <a:latin typeface="+mn-lt"/>
+              </a:defRPr>
+            </a:lvl8pPr>
+            <a:lvl9pPr marL="3886200" indent="-228600" algn="l" rtl="0" fontAlgn="base">
+              <a:spcBef>
+                <a:spcPct val="30000"/>
+              </a:spcBef>
+              <a:spcAft>
+                <a:spcPct val="0"/>
+              </a:spcAft>
+              <a:buClr>
+                <a:srgbClr val="FF9900"/>
+              </a:buClr>
+              <a:buSzPct val="80000"/>
+              <a:buFont typeface="Wingdings" pitchFamily="2" charset="2"/>
+              <a:buChar char="§"/>
+              <a:defRPr sz="1400">
+                <a:solidFill>
+                  <a:schemeClr val="tx1"/>
+                </a:solidFill>
+                <a:latin typeface="+mn-lt"/>
+              </a:defRPr>
+            </a:lvl9pPr>
+          </a:lstStyle>
+          <a:p>
+            <a:pPr marL="0" indent="0">
+              <a:buFont typeface="Wingdings" pitchFamily="2" charset="2"/>
+              <a:buNone/>
+            </a:pPr>
+            <a:r>
+              <a:rPr lang="zh-TW" altLang="en-US" sz="1200" kern="0" dirty="0" smtClean="0">
+                <a:latin typeface="標楷體" panose="03000509000000000000" pitchFamily="65" charset="-120"/>
+                <a:ea typeface="標楷體" panose="03000509000000000000" pitchFamily="65" charset="-120"/>
+              </a:rPr>
+              <a:t>台北</a:t>
+            </a:r>
+            <a:r>
+              <a:rPr lang="zh-TW" altLang="en-US" sz="1200" kern="0" dirty="0">
+                <a:latin typeface="標楷體" panose="03000509000000000000" pitchFamily="65" charset="-120"/>
+                <a:ea typeface="標楷體" panose="03000509000000000000" pitchFamily="65" charset="-120"/>
+              </a:rPr>
+              <a:t>人</a:t>
+            </a:r>
+            <a:endParaRPr lang="zh-TW" altLang="en-US" sz="1200" kern="0" dirty="0">
+              <a:latin typeface="標楷體" panose="03000509000000000000" pitchFamily="65" charset="-120"/>
+              <a:ea typeface="標楷體" panose="03000509000000000000" pitchFamily="65" charset="-120"/>
+            </a:endParaRPr>
+          </a:p>
+        </p:txBody>
+      </p:sp>
+      <p:sp>
+        <p:nvSpPr>
+          <p:cNvPr id="29" name="內容版面配置區 1"/>
+          <p:cNvSpPr txBox="1">
+            <a:spLocks/>
+          </p:cNvSpPr>
+          <p:nvPr/>
+        </p:nvSpPr>
+        <p:spPr bwMode="auto">
+          <a:xfrm>
+            <a:off x="5579651" y="3573446"/>
+            <a:ext cx="585492" cy="281899"/>
+          </a:xfrm>
+          <a:prstGeom prst="rect">
+            <a:avLst/>
+          </a:prstGeom>
+          <a:solidFill>
+            <a:schemeClr val="accent2">
+              <a:lumMod val="40000"/>
+              <a:lumOff val="60000"/>
+            </a:schemeClr>
+          </a:solidFill>
+          <a:ln w="38100">
+            <a:solidFill>
+              <a:schemeClr val="tx1"/>
+            </a:solidFill>
+            <a:miter lim="800000"/>
+            <a:headEnd/>
+            <a:tailEnd/>
+          </a:ln>
+          <a:effectLst/>
+        </p:spPr>
+        <p:txBody>
+          <a:bodyPr vert="horz" wrap="square" lIns="91440" tIns="45720" rIns="91440" bIns="45720" numCol="1" anchor="t" anchorCtr="0" compatLnSpc="1">
+            <a:prstTxWarp prst="textNoShape">
+              <a:avLst/>
+            </a:prstTxWarp>
+          </a:bodyPr>
+          <a:lstStyle>
+            <a:lvl1pPr marL="342900" indent="-342900" algn="l" rtl="0" fontAlgn="base">
+              <a:lnSpc>
+                <a:spcPct val="120000"/>
+              </a:lnSpc>
+              <a:spcBef>
+                <a:spcPts val="648"/>
+              </a:spcBef>
+              <a:spcAft>
+                <a:spcPts val="0"/>
+              </a:spcAft>
+              <a:buClrTx/>
+              <a:buSzPct val="75000"/>
+              <a:buFont typeface="Wingdings" pitchFamily="2" charset="2"/>
+              <a:buChar char="p"/>
+              <a:defRPr lang="zh-TW" altLang="en-US" sz="2000" b="1" dirty="0" smtClean="0">
+                <a:solidFill>
+                  <a:schemeClr val="tx1">
+                    <a:lumMod val="75000"/>
+                    <a:lumOff val="25000"/>
+                  </a:schemeClr>
+                </a:solidFill>
+                <a:latin typeface="Calibri" panose="020F0502020204030204" pitchFamily="34" charset="0"/>
+                <a:ea typeface="微軟正黑體" panose="020B0604030504040204" pitchFamily="34" charset="-120"/>
+                <a:cs typeface="+mn-cs"/>
+              </a:defRPr>
+            </a:lvl1pPr>
+            <a:lvl2pPr marL="742950" indent="-285750" algn="l" rtl="0" fontAlgn="base">
+              <a:lnSpc>
+                <a:spcPct val="120000"/>
+              </a:lnSpc>
+              <a:spcBef>
+                <a:spcPts val="648"/>
+              </a:spcBef>
+              <a:spcAft>
+                <a:spcPts val="0"/>
+              </a:spcAft>
+              <a:buClrTx/>
+              <a:buSzPct val="75000"/>
+              <a:buFont typeface="Wingdings" pitchFamily="2" charset="2"/>
+              <a:buChar char="n"/>
+              <a:defRPr lang="zh-TW" altLang="en-US" sz="2000" b="1" dirty="0" smtClean="0">
+                <a:solidFill>
+                  <a:schemeClr val="tx1">
+                    <a:lumMod val="75000"/>
+                    <a:lumOff val="25000"/>
+                  </a:schemeClr>
+                </a:solidFill>
+                <a:latin typeface="Calibri" panose="020F0502020204030204" pitchFamily="34" charset="0"/>
+                <a:ea typeface="微軟正黑體" panose="020B0604030504040204" pitchFamily="34" charset="-120"/>
+                <a:cs typeface="+mn-cs"/>
+              </a:defRPr>
+            </a:lvl2pPr>
+            <a:lvl3pPr marL="1143000" indent="-228600" algn="l" rtl="0" fontAlgn="base">
+              <a:lnSpc>
+                <a:spcPct val="120000"/>
+              </a:lnSpc>
+              <a:spcBef>
+                <a:spcPts val="648"/>
+              </a:spcBef>
+              <a:spcAft>
+                <a:spcPts val="0"/>
+              </a:spcAft>
+              <a:buClrTx/>
+              <a:buSzPct val="75000"/>
+              <a:buFont typeface="Wingdings" pitchFamily="2" charset="2"/>
+              <a:buChar char="p"/>
+              <a:defRPr lang="zh-TW" altLang="en-US" sz="2000" b="1" dirty="0" smtClean="0">
+                <a:solidFill>
+                  <a:schemeClr val="tx1">
+                    <a:lumMod val="75000"/>
+                    <a:lumOff val="25000"/>
+                  </a:schemeClr>
+                </a:solidFill>
+                <a:latin typeface="Calibri" panose="020F0502020204030204" pitchFamily="34" charset="0"/>
+                <a:ea typeface="微軟正黑體" panose="020B0604030504040204" pitchFamily="34" charset="-120"/>
+                <a:cs typeface="+mn-cs"/>
+              </a:defRPr>
+            </a:lvl3pPr>
+            <a:lvl4pPr marL="1600200" indent="-228600" algn="l" rtl="0" fontAlgn="base">
+              <a:lnSpc>
+                <a:spcPct val="110000"/>
+              </a:lnSpc>
+              <a:spcBef>
+                <a:spcPct val="30000"/>
+              </a:spcBef>
+              <a:spcAft>
+                <a:spcPct val="0"/>
+              </a:spcAft>
+              <a:buClr>
+                <a:schemeClr val="tx1">
+                  <a:lumMod val="75000"/>
+                  <a:lumOff val="25000"/>
+                </a:schemeClr>
+              </a:buClr>
+              <a:buFont typeface="Wingdings" pitchFamily="2" charset="2"/>
+              <a:buChar char="§"/>
+              <a:defRPr sz="1800" b="1">
+                <a:solidFill>
+                  <a:schemeClr val="tx1">
+                    <a:lumMod val="75000"/>
+                    <a:lumOff val="25000"/>
+                  </a:schemeClr>
+                </a:solidFill>
+                <a:latin typeface="Calibri" panose="020F0502020204030204" pitchFamily="34" charset="0"/>
+                <a:ea typeface="微軟正黑體" panose="020B0604030504040204" pitchFamily="34" charset="-120"/>
+              </a:defRPr>
+            </a:lvl4pPr>
+            <a:lvl5pPr marL="2057400" indent="-228600" algn="l" rtl="0" fontAlgn="base">
+              <a:lnSpc>
+                <a:spcPct val="110000"/>
+              </a:lnSpc>
+              <a:spcBef>
+                <a:spcPct val="30000"/>
+              </a:spcBef>
+              <a:spcAft>
+                <a:spcPct val="0"/>
+              </a:spcAft>
+              <a:buClr>
+                <a:schemeClr val="tx1">
+                  <a:lumMod val="75000"/>
+                  <a:lumOff val="25000"/>
+                </a:schemeClr>
+              </a:buClr>
+              <a:buSzPct val="80000"/>
+              <a:buFont typeface="Wingdings" pitchFamily="2" charset="2"/>
+              <a:buChar char="§"/>
+              <a:defRPr sz="1800" b="1">
+                <a:solidFill>
+                  <a:schemeClr val="tx1">
+                    <a:lumMod val="75000"/>
+                    <a:lumOff val="25000"/>
+                  </a:schemeClr>
+                </a:solidFill>
+                <a:latin typeface="Calibri" panose="020F0502020204030204" pitchFamily="34" charset="0"/>
+                <a:ea typeface="微軟正黑體" panose="020B0604030504040204" pitchFamily="34" charset="-120"/>
+              </a:defRPr>
+            </a:lvl5pPr>
+            <a:lvl6pPr marL="2514600" indent="-228600" algn="l" rtl="0" fontAlgn="base">
+              <a:spcBef>
+                <a:spcPct val="30000"/>
+              </a:spcBef>
+              <a:spcAft>
+                <a:spcPct val="0"/>
+              </a:spcAft>
+              <a:buClr>
+                <a:srgbClr val="FF9900"/>
+              </a:buClr>
+              <a:buSzPct val="80000"/>
+              <a:buFont typeface="Wingdings" pitchFamily="2" charset="2"/>
+              <a:buChar char="§"/>
+              <a:defRPr sz="1400">
+                <a:solidFill>
+                  <a:schemeClr val="tx1"/>
+                </a:solidFill>
+                <a:latin typeface="+mn-lt"/>
+              </a:defRPr>
+            </a:lvl6pPr>
+            <a:lvl7pPr marL="2971800" indent="-228600" algn="l" rtl="0" fontAlgn="base">
+              <a:spcBef>
+                <a:spcPct val="30000"/>
+              </a:spcBef>
+              <a:spcAft>
+                <a:spcPct val="0"/>
+              </a:spcAft>
+              <a:buClr>
+                <a:srgbClr val="FF9900"/>
+              </a:buClr>
+              <a:buSzPct val="80000"/>
+              <a:buFont typeface="Wingdings" pitchFamily="2" charset="2"/>
+              <a:buChar char="§"/>
+              <a:defRPr sz="1400">
+                <a:solidFill>
+                  <a:schemeClr val="tx1"/>
+                </a:solidFill>
+                <a:latin typeface="+mn-lt"/>
+              </a:defRPr>
+            </a:lvl7pPr>
+            <a:lvl8pPr marL="3429000" indent="-228600" algn="l" rtl="0" fontAlgn="base">
+              <a:spcBef>
+                <a:spcPct val="30000"/>
+              </a:spcBef>
+              <a:spcAft>
+                <a:spcPct val="0"/>
+              </a:spcAft>
+              <a:buClr>
+                <a:srgbClr val="FF9900"/>
+              </a:buClr>
+              <a:buSzPct val="80000"/>
+              <a:buFont typeface="Wingdings" pitchFamily="2" charset="2"/>
+              <a:buChar char="§"/>
+              <a:defRPr sz="1400">
+                <a:solidFill>
+                  <a:schemeClr val="tx1"/>
+                </a:solidFill>
+                <a:latin typeface="+mn-lt"/>
+              </a:defRPr>
+            </a:lvl8pPr>
+            <a:lvl9pPr marL="3886200" indent="-228600" algn="l" rtl="0" fontAlgn="base">
+              <a:spcBef>
+                <a:spcPct val="30000"/>
+              </a:spcBef>
+              <a:spcAft>
+                <a:spcPct val="0"/>
+              </a:spcAft>
+              <a:buClr>
+                <a:srgbClr val="FF9900"/>
+              </a:buClr>
+              <a:buSzPct val="80000"/>
+              <a:buFont typeface="Wingdings" pitchFamily="2" charset="2"/>
+              <a:buChar char="§"/>
+              <a:defRPr sz="1400">
+                <a:solidFill>
+                  <a:schemeClr val="tx1"/>
+                </a:solidFill>
+                <a:latin typeface="+mn-lt"/>
+              </a:defRPr>
+            </a:lvl9pPr>
+          </a:lstStyle>
+          <a:p>
+            <a:pPr marL="0" indent="0">
+              <a:buFont typeface="Wingdings" pitchFamily="2" charset="2"/>
+              <a:buNone/>
+            </a:pPr>
+            <a:r>
+              <a:rPr lang="en-US" altLang="zh-TW" sz="1200" kern="0" dirty="0" err="1" smtClean="0">
+                <a:latin typeface="標楷體" panose="03000509000000000000" pitchFamily="65" charset="-120"/>
+                <a:ea typeface="標楷體" panose="03000509000000000000" pitchFamily="65" charset="-120"/>
+              </a:rPr>
+              <a:t>MyWay</a:t>
+            </a:r>
+            <a:endParaRPr lang="zh-TW" altLang="en-US" sz="1200" kern="0" dirty="0">
+              <a:latin typeface="標楷體" panose="03000509000000000000" pitchFamily="65" charset="-120"/>
+              <a:ea typeface="標楷體" panose="03000509000000000000" pitchFamily="65" charset="-120"/>
+            </a:endParaRPr>
+          </a:p>
+        </p:txBody>
+      </p:sp>
+      <p:sp>
+        <p:nvSpPr>
+          <p:cNvPr id="30" name="內容版面配置區 1"/>
+          <p:cNvSpPr txBox="1">
+            <a:spLocks/>
+          </p:cNvSpPr>
+          <p:nvPr/>
+        </p:nvSpPr>
+        <p:spPr bwMode="auto">
+          <a:xfrm>
+            <a:off x="5433290" y="2723005"/>
+            <a:ext cx="855698" cy="337188"/>
+          </a:xfrm>
+          <a:prstGeom prst="rect">
+            <a:avLst/>
+          </a:prstGeom>
+          <a:solidFill>
+            <a:schemeClr val="accent2">
+              <a:lumMod val="40000"/>
+              <a:lumOff val="60000"/>
+            </a:schemeClr>
+          </a:solidFill>
+          <a:ln w="38100">
+            <a:solidFill>
+              <a:schemeClr val="tx1"/>
+            </a:solidFill>
+            <a:miter lim="800000"/>
+            <a:headEnd/>
+            <a:tailEnd/>
+          </a:ln>
+          <a:effectLst/>
+        </p:spPr>
+        <p:txBody>
+          <a:bodyPr vert="horz" wrap="square" lIns="91440" tIns="45720" rIns="91440" bIns="45720" numCol="1" anchor="t" anchorCtr="0" compatLnSpc="1">
+            <a:prstTxWarp prst="textNoShape">
+              <a:avLst/>
+            </a:prstTxWarp>
+          </a:bodyPr>
+          <a:lstStyle>
+            <a:lvl1pPr marL="342900" indent="-342900" algn="l" rtl="0" fontAlgn="base">
+              <a:lnSpc>
+                <a:spcPct val="120000"/>
+              </a:lnSpc>
+              <a:spcBef>
+                <a:spcPts val="648"/>
+              </a:spcBef>
+              <a:spcAft>
+                <a:spcPts val="0"/>
+              </a:spcAft>
+              <a:buClrTx/>
+              <a:buSzPct val="75000"/>
+              <a:buFont typeface="Wingdings" pitchFamily="2" charset="2"/>
+              <a:buChar char="p"/>
+              <a:defRPr lang="zh-TW" altLang="en-US" sz="2000" b="1" dirty="0" smtClean="0">
+                <a:solidFill>
+                  <a:schemeClr val="tx1">
+                    <a:lumMod val="75000"/>
+                    <a:lumOff val="25000"/>
+                  </a:schemeClr>
+                </a:solidFill>
+                <a:latin typeface="Calibri" panose="020F0502020204030204" pitchFamily="34" charset="0"/>
+                <a:ea typeface="微軟正黑體" panose="020B0604030504040204" pitchFamily="34" charset="-120"/>
+                <a:cs typeface="+mn-cs"/>
+              </a:defRPr>
+            </a:lvl1pPr>
+            <a:lvl2pPr marL="742950" indent="-285750" algn="l" rtl="0" fontAlgn="base">
+              <a:lnSpc>
+                <a:spcPct val="120000"/>
+              </a:lnSpc>
+              <a:spcBef>
+                <a:spcPts val="648"/>
+              </a:spcBef>
+              <a:spcAft>
+                <a:spcPts val="0"/>
+              </a:spcAft>
+              <a:buClrTx/>
+              <a:buSzPct val="75000"/>
+              <a:buFont typeface="Wingdings" pitchFamily="2" charset="2"/>
+              <a:buChar char="n"/>
+              <a:defRPr lang="zh-TW" altLang="en-US" sz="2000" b="1" dirty="0" smtClean="0">
+                <a:solidFill>
+                  <a:schemeClr val="tx1">
+                    <a:lumMod val="75000"/>
+                    <a:lumOff val="25000"/>
+                  </a:schemeClr>
+                </a:solidFill>
+                <a:latin typeface="Calibri" panose="020F0502020204030204" pitchFamily="34" charset="0"/>
+                <a:ea typeface="微軟正黑體" panose="020B0604030504040204" pitchFamily="34" charset="-120"/>
+                <a:cs typeface="+mn-cs"/>
+              </a:defRPr>
+            </a:lvl2pPr>
+            <a:lvl3pPr marL="1143000" indent="-228600" algn="l" rtl="0" fontAlgn="base">
+              <a:lnSpc>
+                <a:spcPct val="120000"/>
+              </a:lnSpc>
+              <a:spcBef>
+                <a:spcPts val="648"/>
+              </a:spcBef>
+              <a:spcAft>
+                <a:spcPts val="0"/>
+              </a:spcAft>
+              <a:buClrTx/>
+              <a:buSzPct val="75000"/>
+              <a:buFont typeface="Wingdings" pitchFamily="2" charset="2"/>
+              <a:buChar char="p"/>
+              <a:defRPr lang="zh-TW" altLang="en-US" sz="2000" b="1" dirty="0" smtClean="0">
+                <a:solidFill>
+                  <a:schemeClr val="tx1">
+                    <a:lumMod val="75000"/>
+                    <a:lumOff val="25000"/>
+                  </a:schemeClr>
+                </a:solidFill>
+                <a:latin typeface="Calibri" panose="020F0502020204030204" pitchFamily="34" charset="0"/>
+                <a:ea typeface="微軟正黑體" panose="020B0604030504040204" pitchFamily="34" charset="-120"/>
+                <a:cs typeface="+mn-cs"/>
+              </a:defRPr>
+            </a:lvl3pPr>
+            <a:lvl4pPr marL="1600200" indent="-228600" algn="l" rtl="0" fontAlgn="base">
+              <a:lnSpc>
+                <a:spcPct val="110000"/>
+              </a:lnSpc>
+              <a:spcBef>
+                <a:spcPct val="30000"/>
+              </a:spcBef>
+              <a:spcAft>
+                <a:spcPct val="0"/>
+              </a:spcAft>
+              <a:buClr>
+                <a:schemeClr val="tx1">
+                  <a:lumMod val="75000"/>
+                  <a:lumOff val="25000"/>
+                </a:schemeClr>
+              </a:buClr>
+              <a:buFont typeface="Wingdings" pitchFamily="2" charset="2"/>
+              <a:buChar char="§"/>
+              <a:defRPr sz="1800" b="1">
+                <a:solidFill>
+                  <a:schemeClr val="tx1">
+                    <a:lumMod val="75000"/>
+                    <a:lumOff val="25000"/>
+                  </a:schemeClr>
+                </a:solidFill>
+                <a:latin typeface="Calibri" panose="020F0502020204030204" pitchFamily="34" charset="0"/>
+                <a:ea typeface="微軟正黑體" panose="020B0604030504040204" pitchFamily="34" charset="-120"/>
+              </a:defRPr>
+            </a:lvl4pPr>
+            <a:lvl5pPr marL="2057400" indent="-228600" algn="l" rtl="0" fontAlgn="base">
+              <a:lnSpc>
+                <a:spcPct val="110000"/>
+              </a:lnSpc>
+              <a:spcBef>
+                <a:spcPct val="30000"/>
+              </a:spcBef>
+              <a:spcAft>
+                <a:spcPct val="0"/>
+              </a:spcAft>
+              <a:buClr>
+                <a:schemeClr val="tx1">
+                  <a:lumMod val="75000"/>
+                  <a:lumOff val="25000"/>
+                </a:schemeClr>
+              </a:buClr>
+              <a:buSzPct val="80000"/>
+              <a:buFont typeface="Wingdings" pitchFamily="2" charset="2"/>
+              <a:buChar char="§"/>
+              <a:defRPr sz="1800" b="1">
+                <a:solidFill>
+                  <a:schemeClr val="tx1">
+                    <a:lumMod val="75000"/>
+                    <a:lumOff val="25000"/>
+                  </a:schemeClr>
+                </a:solidFill>
+                <a:latin typeface="Calibri" panose="020F0502020204030204" pitchFamily="34" charset="0"/>
+                <a:ea typeface="微軟正黑體" panose="020B0604030504040204" pitchFamily="34" charset="-120"/>
+              </a:defRPr>
+            </a:lvl5pPr>
+            <a:lvl6pPr marL="2514600" indent="-228600" algn="l" rtl="0" fontAlgn="base">
+              <a:spcBef>
+                <a:spcPct val="30000"/>
+              </a:spcBef>
+              <a:spcAft>
+                <a:spcPct val="0"/>
+              </a:spcAft>
+              <a:buClr>
+                <a:srgbClr val="FF9900"/>
+              </a:buClr>
+              <a:buSzPct val="80000"/>
+              <a:buFont typeface="Wingdings" pitchFamily="2" charset="2"/>
+              <a:buChar char="§"/>
+              <a:defRPr sz="1400">
+                <a:solidFill>
+                  <a:schemeClr val="tx1"/>
+                </a:solidFill>
+                <a:latin typeface="+mn-lt"/>
+              </a:defRPr>
+            </a:lvl6pPr>
+            <a:lvl7pPr marL="2971800" indent="-228600" algn="l" rtl="0" fontAlgn="base">
+              <a:spcBef>
+                <a:spcPct val="30000"/>
+              </a:spcBef>
+              <a:spcAft>
+                <a:spcPct val="0"/>
+              </a:spcAft>
+              <a:buClr>
+                <a:srgbClr val="FF9900"/>
+              </a:buClr>
+              <a:buSzPct val="80000"/>
+              <a:buFont typeface="Wingdings" pitchFamily="2" charset="2"/>
+              <a:buChar char="§"/>
+              <a:defRPr sz="1400">
+                <a:solidFill>
+                  <a:schemeClr val="tx1"/>
+                </a:solidFill>
+                <a:latin typeface="+mn-lt"/>
+              </a:defRPr>
+            </a:lvl7pPr>
+            <a:lvl8pPr marL="3429000" indent="-228600" algn="l" rtl="0" fontAlgn="base">
+              <a:spcBef>
+                <a:spcPct val="30000"/>
+              </a:spcBef>
+              <a:spcAft>
+                <a:spcPct val="0"/>
+              </a:spcAft>
+              <a:buClr>
+                <a:srgbClr val="FF9900"/>
+              </a:buClr>
+              <a:buSzPct val="80000"/>
+              <a:buFont typeface="Wingdings" pitchFamily="2" charset="2"/>
+              <a:buChar char="§"/>
+              <a:defRPr sz="1400">
+                <a:solidFill>
+                  <a:schemeClr val="tx1"/>
+                </a:solidFill>
+                <a:latin typeface="+mn-lt"/>
+              </a:defRPr>
+            </a:lvl8pPr>
+            <a:lvl9pPr marL="3886200" indent="-228600" algn="l" rtl="0" fontAlgn="base">
+              <a:spcBef>
+                <a:spcPct val="30000"/>
+              </a:spcBef>
+              <a:spcAft>
+                <a:spcPct val="0"/>
+              </a:spcAft>
+              <a:buClr>
+                <a:srgbClr val="FF9900"/>
+              </a:buClr>
+              <a:buSzPct val="80000"/>
+              <a:buFont typeface="Wingdings" pitchFamily="2" charset="2"/>
+              <a:buChar char="§"/>
+              <a:defRPr sz="1400">
+                <a:solidFill>
+                  <a:schemeClr val="tx1"/>
+                </a:solidFill>
+                <a:latin typeface="+mn-lt"/>
+              </a:defRPr>
+            </a:lvl9pPr>
+          </a:lstStyle>
+          <a:p>
+            <a:pPr marL="0" indent="0">
+              <a:buFont typeface="Wingdings" pitchFamily="2" charset="2"/>
+              <a:buNone/>
+            </a:pPr>
+            <a:r>
+              <a:rPr lang="zh-TW" altLang="en-US" sz="1200" kern="0" dirty="0" smtClean="0">
+                <a:latin typeface="標楷體" panose="03000509000000000000" pitchFamily="65" charset="-120"/>
+                <a:ea typeface="標楷體" panose="03000509000000000000" pitchFamily="65" charset="-120"/>
+              </a:rPr>
+              <a:t>日安台</a:t>
+            </a:r>
+            <a:r>
+              <a:rPr lang="zh-TW" altLang="en-US" sz="1200" kern="0" dirty="0">
+                <a:latin typeface="標楷體" panose="03000509000000000000" pitchFamily="65" charset="-120"/>
+                <a:ea typeface="標楷體" panose="03000509000000000000" pitchFamily="65" charset="-120"/>
+              </a:rPr>
+              <a:t>北</a:t>
+            </a:r>
+            <a:endParaRPr lang="zh-TW" altLang="en-US" sz="1200" kern="0" dirty="0">
+              <a:latin typeface="標楷體" panose="03000509000000000000" pitchFamily="65" charset="-120"/>
+              <a:ea typeface="標楷體" panose="03000509000000000000" pitchFamily="65" charset="-120"/>
+            </a:endParaRPr>
+          </a:p>
+        </p:txBody>
+      </p:sp>
+      <p:grpSp>
+        <p:nvGrpSpPr>
+          <p:cNvPr id="35" name="群組 34"/>
+          <p:cNvGrpSpPr/>
+          <p:nvPr/>
+        </p:nvGrpSpPr>
+        <p:grpSpPr>
+          <a:xfrm>
+            <a:off x="613358" y="2827983"/>
+            <a:ext cx="3534099" cy="1109021"/>
+            <a:chOff x="7043767" y="1618571"/>
+            <a:chExt cx="3534099" cy="1109021"/>
+          </a:xfrm>
+          <a:solidFill>
+            <a:schemeClr val="bg1"/>
+          </a:solidFill>
+        </p:grpSpPr>
+        <p:sp>
+          <p:nvSpPr>
+            <p:cNvPr id="36" name="內容版面配置區 1"/>
+            <p:cNvSpPr txBox="1">
+              <a:spLocks/>
+            </p:cNvSpPr>
+            <p:nvPr/>
+          </p:nvSpPr>
+          <p:spPr bwMode="auto">
+            <a:xfrm>
+              <a:off x="7043767" y="1618571"/>
+              <a:ext cx="2486599" cy="1109021"/>
+            </a:xfrm>
+            <a:prstGeom prst="rect">
+              <a:avLst/>
+            </a:prstGeom>
+            <a:grpFill/>
+            <a:ln w="38100">
+              <a:solidFill>
+                <a:schemeClr val="tx1"/>
+              </a:solidFill>
+              <a:miter lim="800000"/>
+              <a:headEnd/>
+              <a:tailEnd/>
+            </a:ln>
+            <a:effectLst/>
+          </p:spPr>
+          <p:txBody>
+            <a:bodyPr vert="horz" wrap="square" lIns="91440" tIns="45720" rIns="91440" bIns="45720" numCol="1" anchor="t" anchorCtr="0" compatLnSpc="1">
+              <a:prstTxWarp prst="textNoShape">
+                <a:avLst/>
+              </a:prstTxWarp>
+            </a:bodyPr>
+            <a:lstStyle>
+              <a:lvl1pPr marL="342900" indent="-342900" algn="l" rtl="0" fontAlgn="base">
+                <a:lnSpc>
+                  <a:spcPct val="120000"/>
+                </a:lnSpc>
+                <a:spcBef>
+                  <a:spcPts val="648"/>
+                </a:spcBef>
+                <a:spcAft>
+                  <a:spcPts val="0"/>
+                </a:spcAft>
+                <a:buClrTx/>
+                <a:buSzPct val="75000"/>
+                <a:buFont typeface="Wingdings" pitchFamily="2" charset="2"/>
+                <a:buChar char="p"/>
+                <a:defRPr lang="zh-TW" altLang="en-US" sz="2000" b="1" dirty="0" smtClean="0">
+                  <a:solidFill>
+                    <a:schemeClr val="tx1">
+                      <a:lumMod val="75000"/>
+                      <a:lumOff val="25000"/>
+                    </a:schemeClr>
+                  </a:solidFill>
+                  <a:latin typeface="Calibri" panose="020F0502020204030204" pitchFamily="34" charset="0"/>
+                  <a:ea typeface="微軟正黑體" panose="020B0604030504040204" pitchFamily="34" charset="-120"/>
+                  <a:cs typeface="+mn-cs"/>
+                </a:defRPr>
+              </a:lvl1pPr>
+              <a:lvl2pPr marL="742950" indent="-285750" algn="l" rtl="0" fontAlgn="base">
+                <a:lnSpc>
+                  <a:spcPct val="120000"/>
+                </a:lnSpc>
+                <a:spcBef>
+                  <a:spcPts val="648"/>
+                </a:spcBef>
+                <a:spcAft>
+                  <a:spcPts val="0"/>
+                </a:spcAft>
+                <a:buClrTx/>
+                <a:buSzPct val="75000"/>
+                <a:buFont typeface="Wingdings" pitchFamily="2" charset="2"/>
+                <a:buChar char="n"/>
+                <a:defRPr lang="zh-TW" altLang="en-US" sz="2000" b="1" dirty="0" smtClean="0">
+                  <a:solidFill>
+                    <a:schemeClr val="tx1">
+                      <a:lumMod val="75000"/>
+                      <a:lumOff val="25000"/>
+                    </a:schemeClr>
+                  </a:solidFill>
+                  <a:latin typeface="Calibri" panose="020F0502020204030204" pitchFamily="34" charset="0"/>
+                  <a:ea typeface="微軟正黑體" panose="020B0604030504040204" pitchFamily="34" charset="-120"/>
+                  <a:cs typeface="+mn-cs"/>
+                </a:defRPr>
+              </a:lvl2pPr>
+              <a:lvl3pPr marL="1143000" indent="-228600" algn="l" rtl="0" fontAlgn="base">
+                <a:lnSpc>
+                  <a:spcPct val="120000"/>
+                </a:lnSpc>
+                <a:spcBef>
+                  <a:spcPts val="648"/>
+                </a:spcBef>
+                <a:spcAft>
+                  <a:spcPts val="0"/>
+                </a:spcAft>
+                <a:buClrTx/>
+                <a:buSzPct val="75000"/>
+                <a:buFont typeface="Wingdings" pitchFamily="2" charset="2"/>
+                <a:buChar char="p"/>
+                <a:defRPr lang="zh-TW" altLang="en-US" sz="2000" b="1" dirty="0" smtClean="0">
+                  <a:solidFill>
+                    <a:schemeClr val="tx1">
+                      <a:lumMod val="75000"/>
+                      <a:lumOff val="25000"/>
+                    </a:schemeClr>
+                  </a:solidFill>
+                  <a:latin typeface="Calibri" panose="020F0502020204030204" pitchFamily="34" charset="0"/>
+                  <a:ea typeface="微軟正黑體" panose="020B0604030504040204" pitchFamily="34" charset="-120"/>
+                  <a:cs typeface="+mn-cs"/>
+                </a:defRPr>
+              </a:lvl3pPr>
+              <a:lvl4pPr marL="1600200" indent="-228600" algn="l" rtl="0" fontAlgn="base">
+                <a:lnSpc>
+                  <a:spcPct val="110000"/>
+                </a:lnSpc>
+                <a:spcBef>
+                  <a:spcPct val="30000"/>
+                </a:spcBef>
+                <a:spcAft>
+                  <a:spcPct val="0"/>
+                </a:spcAft>
+                <a:buClr>
+                  <a:schemeClr val="tx1">
+                    <a:lumMod val="75000"/>
+                    <a:lumOff val="25000"/>
+                  </a:schemeClr>
+                </a:buClr>
+                <a:buFont typeface="Wingdings" pitchFamily="2" charset="2"/>
+                <a:buChar char="§"/>
+                <a:defRPr sz="1800" b="1">
+                  <a:solidFill>
+                    <a:schemeClr val="tx1">
+                      <a:lumMod val="75000"/>
+                      <a:lumOff val="25000"/>
+                    </a:schemeClr>
+                  </a:solidFill>
+                  <a:latin typeface="Calibri" panose="020F0502020204030204" pitchFamily="34" charset="0"/>
+                  <a:ea typeface="微軟正黑體" panose="020B0604030504040204" pitchFamily="34" charset="-120"/>
+                </a:defRPr>
+              </a:lvl4pPr>
+              <a:lvl5pPr marL="2057400" indent="-228600" algn="l" rtl="0" fontAlgn="base">
+                <a:lnSpc>
+                  <a:spcPct val="110000"/>
+                </a:lnSpc>
+                <a:spcBef>
+                  <a:spcPct val="30000"/>
+                </a:spcBef>
+                <a:spcAft>
+                  <a:spcPct val="0"/>
+                </a:spcAft>
+                <a:buClr>
+                  <a:schemeClr val="tx1">
+                    <a:lumMod val="75000"/>
+                    <a:lumOff val="25000"/>
+                  </a:schemeClr>
+                </a:buClr>
+                <a:buSzPct val="80000"/>
+                <a:buFont typeface="Wingdings" pitchFamily="2" charset="2"/>
+                <a:buChar char="§"/>
+                <a:defRPr sz="1800" b="1">
+                  <a:solidFill>
+                    <a:schemeClr val="tx1">
+                      <a:lumMod val="75000"/>
+                      <a:lumOff val="25000"/>
+                    </a:schemeClr>
+                  </a:solidFill>
+                  <a:latin typeface="Calibri" panose="020F0502020204030204" pitchFamily="34" charset="0"/>
+                  <a:ea typeface="微軟正黑體" panose="020B0604030504040204" pitchFamily="34" charset="-120"/>
+                </a:defRPr>
+              </a:lvl5pPr>
+              <a:lvl6pPr marL="2514600" indent="-228600" algn="l" rtl="0" fontAlgn="base">
+                <a:spcBef>
+                  <a:spcPct val="30000"/>
+                </a:spcBef>
+                <a:spcAft>
+                  <a:spcPct val="0"/>
+                </a:spcAft>
+                <a:buClr>
+                  <a:srgbClr val="FF9900"/>
+                </a:buClr>
+                <a:buSzPct val="80000"/>
+                <a:buFont typeface="Wingdings" pitchFamily="2" charset="2"/>
+                <a:buChar char="§"/>
+                <a:defRPr sz="1400">
+                  <a:solidFill>
+                    <a:schemeClr val="tx1"/>
+                  </a:solidFill>
+                  <a:latin typeface="+mn-lt"/>
+                </a:defRPr>
+              </a:lvl6pPr>
+              <a:lvl7pPr marL="2971800" indent="-228600" algn="l" rtl="0" fontAlgn="base">
+                <a:spcBef>
+                  <a:spcPct val="30000"/>
+                </a:spcBef>
+                <a:spcAft>
+                  <a:spcPct val="0"/>
+                </a:spcAft>
+                <a:buClr>
+                  <a:srgbClr val="FF9900"/>
+                </a:buClr>
+                <a:buSzPct val="80000"/>
+                <a:buFont typeface="Wingdings" pitchFamily="2" charset="2"/>
+                <a:buChar char="§"/>
+                <a:defRPr sz="1400">
+                  <a:solidFill>
+                    <a:schemeClr val="tx1"/>
+                  </a:solidFill>
+                  <a:latin typeface="+mn-lt"/>
+                </a:defRPr>
+              </a:lvl7pPr>
+              <a:lvl8pPr marL="3429000" indent="-228600" algn="l" rtl="0" fontAlgn="base">
+                <a:spcBef>
+                  <a:spcPct val="30000"/>
+                </a:spcBef>
+                <a:spcAft>
+                  <a:spcPct val="0"/>
+                </a:spcAft>
+                <a:buClr>
+                  <a:srgbClr val="FF9900"/>
+                </a:buClr>
+                <a:buSzPct val="80000"/>
+                <a:buFont typeface="Wingdings" pitchFamily="2" charset="2"/>
+                <a:buChar char="§"/>
+                <a:defRPr sz="1400">
+                  <a:solidFill>
+                    <a:schemeClr val="tx1"/>
+                  </a:solidFill>
+                  <a:latin typeface="+mn-lt"/>
+                </a:defRPr>
+              </a:lvl8pPr>
+              <a:lvl9pPr marL="3886200" indent="-228600" algn="l" rtl="0" fontAlgn="base">
+                <a:spcBef>
+                  <a:spcPct val="30000"/>
+                </a:spcBef>
+                <a:spcAft>
+                  <a:spcPct val="0"/>
+                </a:spcAft>
+                <a:buClr>
+                  <a:srgbClr val="FF9900"/>
+                </a:buClr>
+                <a:buSzPct val="80000"/>
+                <a:buFont typeface="Wingdings" pitchFamily="2" charset="2"/>
+                <a:buChar char="§"/>
+                <a:defRPr sz="1400">
+                  <a:solidFill>
+                    <a:schemeClr val="tx1"/>
+                  </a:solidFill>
+                  <a:latin typeface="+mn-lt"/>
+                </a:defRPr>
+              </a:lvl9pPr>
+            </a:lstStyle>
+            <a:p>
+              <a:r>
+                <a:rPr lang="zh-TW" altLang="en-US" sz="1600" kern="0" dirty="0" smtClean="0">
+                  <a:latin typeface="微軟正黑體" panose="020B0604030504040204" pitchFamily="34" charset="-120"/>
+                </a:rPr>
+                <a:t>中正路</a:t>
+              </a:r>
+              <a:endParaRPr lang="en-US" altLang="zh-TW" sz="1600" kern="0" dirty="0" smtClean="0">
+                <a:latin typeface="微軟正黑體" panose="020B0604030504040204" pitchFamily="34" charset="-120"/>
+              </a:endParaRPr>
+            </a:p>
+            <a:p>
+              <a:pPr marL="0" indent="0">
+                <a:buNone/>
+              </a:pPr>
+              <a:r>
+                <a:rPr lang="zh-TW" altLang="en-US" sz="1400" kern="0" dirty="0">
+                  <a:latin typeface="微軟正黑體" panose="020B0604030504040204" pitchFamily="34" charset="-120"/>
+                </a:rPr>
+                <a:t>新店早期發展區</a:t>
+              </a:r>
+              <a:r>
+                <a:rPr lang="zh-TW" altLang="en-US" sz="1400" kern="0" dirty="0" smtClean="0">
+                  <a:latin typeface="微軟正黑體" panose="020B0604030504040204" pitchFamily="34" charset="-120"/>
+                </a:rPr>
+                <a:t>塊，貫穿傳統舊市區</a:t>
+              </a:r>
+              <a:endParaRPr lang="en-US" altLang="zh-TW" sz="1400" kern="0" dirty="0" smtClean="0">
+                <a:latin typeface="微軟正黑體" panose="020B0604030504040204" pitchFamily="34" charset="-120"/>
+              </a:endParaRPr>
+            </a:p>
+          </p:txBody>
+        </p:sp>
+        <p:cxnSp>
+          <p:nvCxnSpPr>
+            <p:cNvPr id="37" name="直線單箭頭接點 36"/>
+            <p:cNvCxnSpPr>
+              <a:stCxn id="36" idx="3"/>
+            </p:cNvCxnSpPr>
+            <p:nvPr/>
+          </p:nvCxnSpPr>
+          <p:spPr bwMode="auto">
+            <a:xfrm>
+              <a:off x="9530366" y="2173082"/>
+              <a:ext cx="1047500" cy="194311"/>
+            </a:xfrm>
+            <a:prstGeom prst="straightConnector1">
+              <a:avLst/>
+            </a:prstGeom>
+            <a:grpFill/>
+            <a:ln w="38100" cap="flat" cmpd="sng" algn="ctr">
+              <a:solidFill>
+                <a:schemeClr val="tx1"/>
+              </a:solidFill>
+              <a:prstDash val="solid"/>
+              <a:round/>
+              <a:headEnd type="none" w="med" len="med"/>
+              <a:tailEnd type="arrow" w="med" len="med"/>
+            </a:ln>
+            <a:effectLst/>
+          </p:spPr>
+        </p:cxnSp>
+      </p:grpSp>
+      <p:pic>
+        <p:nvPicPr>
+          <p:cNvPr id="39" name="圖片 38"/>
+          <p:cNvPicPr>
+            <a:picLocks noChangeAspect="1"/>
+          </p:cNvPicPr>
+          <p:nvPr/>
+        </p:nvPicPr>
+        <p:blipFill>
+          <a:blip r:embed="rId4"/>
+          <a:stretch>
+            <a:fillRect/>
+          </a:stretch>
+        </p:blipFill>
+        <p:spPr>
+          <a:xfrm>
+            <a:off x="470251" y="4159409"/>
+            <a:ext cx="2474248" cy="2578007"/>
+          </a:xfrm>
+          <a:prstGeom prst="rect">
+            <a:avLst/>
+          </a:prstGeom>
+        </p:spPr>
+      </p:pic>
+      <p:pic>
+        <p:nvPicPr>
+          <p:cNvPr id="40" name="圖片 39"/>
+          <p:cNvPicPr>
+            <a:picLocks noChangeAspect="1"/>
+          </p:cNvPicPr>
+          <p:nvPr/>
+        </p:nvPicPr>
+        <p:blipFill>
+          <a:blip r:embed="rId5"/>
+          <a:stretch>
+            <a:fillRect/>
+          </a:stretch>
+        </p:blipFill>
+        <p:spPr>
+          <a:xfrm>
+            <a:off x="4839756" y="6520634"/>
+            <a:ext cx="2650772" cy="301224"/>
+          </a:xfrm>
+          <a:prstGeom prst="rect">
+            <a:avLst/>
+          </a:prstGeom>
+        </p:spPr>
+      </p:pic>
     </p:spTree>
     <p:extLst>
       <p:ext uri="{BB962C8B-B14F-4D97-AF65-F5344CB8AC3E}">
@@ -10927,9 +13258,20 @@
             </a:r>
             <a:r>
               <a:rPr lang="zh-TW" altLang="en-US" dirty="0" smtClean="0"/>
-              <a:t>市區──重要建案</a:t>
+              <a:t>市區─</a:t>
             </a:r>
-            <a:endParaRPr lang="zh-TW" altLang="en-US" dirty="0"/>
+            <a:r>
+              <a:rPr lang="zh-TW" altLang="en-US" dirty="0"/>
+              <a:t>─重要建案</a:t>
+            </a:r>
+            <a:r>
+              <a:rPr lang="en-US" altLang="zh-TW" dirty="0"/>
+              <a:t>&amp;</a:t>
+            </a:r>
+            <a:r>
+              <a:rPr lang="zh-TW" altLang="en-US" dirty="0"/>
+              <a:t>生活圈</a:t>
+            </a:r>
           </a:p>
         </p:txBody>
       </p:sp>
@@ -10948,7 +13290,7 @@
           <a:bodyPr/>
           <a:lstStyle/>
           <a:p>
-            <a:endParaRPr lang="zh-TW" altLang="en-US"/>
+            <a:endParaRPr lang="zh-TW" altLang="en-US" dirty="0"/>
           </a:p>
         </p:txBody>
       </p:sp>
@@ -10985,15 +13327,2054 @@
           <p:nvPr/>
         </p:nvPicPr>
         <p:blipFill>
-          <a:blip r:embed="rId2"/>
+          <a:blip r:embed="rId3"/>
           <a:stretch>
             <a:fillRect/>
           </a:stretch>
         </p:blipFill>
         <p:spPr>
           <a:xfrm>
-            <a:off x="2475345" y="1954059"/>
-            <a:ext cx="4520190" cy="3635708"/>
+            <a:off x="1517401" y="1564087"/>
+            <a:ext cx="5433823" cy="4370567"/>
+          </a:xfrm>
+          <a:prstGeom prst="rect">
+            <a:avLst/>
+          </a:prstGeom>
+        </p:spPr>
+      </p:pic>
+      <p:grpSp>
+        <p:nvGrpSpPr>
+          <p:cNvPr id="6" name="群組 5"/>
+          <p:cNvGrpSpPr/>
+          <p:nvPr/>
+        </p:nvGrpSpPr>
+        <p:grpSpPr>
+          <a:xfrm>
+            <a:off x="5689631" y="1176134"/>
+            <a:ext cx="3454369" cy="1522158"/>
+            <a:chOff x="6075997" y="1618570"/>
+            <a:chExt cx="3454369" cy="2058419"/>
+          </a:xfrm>
+          <a:solidFill>
+            <a:schemeClr val="bg1"/>
+          </a:solidFill>
+        </p:grpSpPr>
+        <p:sp>
+          <p:nvSpPr>
+            <p:cNvPr id="7" name="內容版面配置區 1"/>
+            <p:cNvSpPr txBox="1">
+              <a:spLocks/>
+            </p:cNvSpPr>
+            <p:nvPr/>
+          </p:nvSpPr>
+          <p:spPr bwMode="auto">
+            <a:xfrm>
+              <a:off x="7043767" y="1618570"/>
+              <a:ext cx="2486599" cy="2058419"/>
+            </a:xfrm>
+            <a:prstGeom prst="rect">
+              <a:avLst/>
+            </a:prstGeom>
+            <a:grpFill/>
+            <a:ln w="38100">
+              <a:solidFill>
+                <a:schemeClr val="tx1"/>
+              </a:solidFill>
+              <a:miter lim="800000"/>
+              <a:headEnd/>
+              <a:tailEnd/>
+            </a:ln>
+            <a:effectLst/>
+          </p:spPr>
+          <p:txBody>
+            <a:bodyPr vert="horz" wrap="square" lIns="91440" tIns="45720" rIns="91440" bIns="45720" numCol="1" anchor="t" anchorCtr="0" compatLnSpc="1">
+              <a:prstTxWarp prst="textNoShape">
+                <a:avLst/>
+              </a:prstTxWarp>
+            </a:bodyPr>
+            <a:lstStyle>
+              <a:lvl1pPr marL="342900" indent="-342900" algn="l" rtl="0" fontAlgn="base">
+                <a:lnSpc>
+                  <a:spcPct val="120000"/>
+                </a:lnSpc>
+                <a:spcBef>
+                  <a:spcPts val="648"/>
+                </a:spcBef>
+                <a:spcAft>
+                  <a:spcPts val="0"/>
+                </a:spcAft>
+                <a:buClrTx/>
+                <a:buSzPct val="75000"/>
+                <a:buFont typeface="Wingdings" pitchFamily="2" charset="2"/>
+                <a:buChar char="p"/>
+                <a:defRPr lang="zh-TW" altLang="en-US" sz="2000" b="1" dirty="0" smtClean="0">
+                  <a:solidFill>
+                    <a:schemeClr val="tx1">
+                      <a:lumMod val="75000"/>
+                      <a:lumOff val="25000"/>
+                    </a:schemeClr>
+                  </a:solidFill>
+                  <a:latin typeface="Calibri" panose="020F0502020204030204" pitchFamily="34" charset="0"/>
+                  <a:ea typeface="微軟正黑體" panose="020B0604030504040204" pitchFamily="34" charset="-120"/>
+                  <a:cs typeface="+mn-cs"/>
+                </a:defRPr>
+              </a:lvl1pPr>
+              <a:lvl2pPr marL="742950" indent="-285750" algn="l" rtl="0" fontAlgn="base">
+                <a:lnSpc>
+                  <a:spcPct val="120000"/>
+                </a:lnSpc>
+                <a:spcBef>
+                  <a:spcPts val="648"/>
+                </a:spcBef>
+                <a:spcAft>
+                  <a:spcPts val="0"/>
+                </a:spcAft>
+                <a:buClrTx/>
+                <a:buSzPct val="75000"/>
+                <a:buFont typeface="Wingdings" pitchFamily="2" charset="2"/>
+                <a:buChar char="n"/>
+                <a:defRPr lang="zh-TW" altLang="en-US" sz="2000" b="1" dirty="0" smtClean="0">
+                  <a:solidFill>
+                    <a:schemeClr val="tx1">
+                      <a:lumMod val="75000"/>
+                      <a:lumOff val="25000"/>
+                    </a:schemeClr>
+                  </a:solidFill>
+                  <a:latin typeface="Calibri" panose="020F0502020204030204" pitchFamily="34" charset="0"/>
+                  <a:ea typeface="微軟正黑體" panose="020B0604030504040204" pitchFamily="34" charset="-120"/>
+                  <a:cs typeface="+mn-cs"/>
+                </a:defRPr>
+              </a:lvl2pPr>
+              <a:lvl3pPr marL="1143000" indent="-228600" algn="l" rtl="0" fontAlgn="base">
+                <a:lnSpc>
+                  <a:spcPct val="120000"/>
+                </a:lnSpc>
+                <a:spcBef>
+                  <a:spcPts val="648"/>
+                </a:spcBef>
+                <a:spcAft>
+                  <a:spcPts val="0"/>
+                </a:spcAft>
+                <a:buClrTx/>
+                <a:buSzPct val="75000"/>
+                <a:buFont typeface="Wingdings" pitchFamily="2" charset="2"/>
+                <a:buChar char="p"/>
+                <a:defRPr lang="zh-TW" altLang="en-US" sz="2000" b="1" dirty="0" smtClean="0">
+                  <a:solidFill>
+                    <a:schemeClr val="tx1">
+                      <a:lumMod val="75000"/>
+                      <a:lumOff val="25000"/>
+                    </a:schemeClr>
+                  </a:solidFill>
+                  <a:latin typeface="Calibri" panose="020F0502020204030204" pitchFamily="34" charset="0"/>
+                  <a:ea typeface="微軟正黑體" panose="020B0604030504040204" pitchFamily="34" charset="-120"/>
+                  <a:cs typeface="+mn-cs"/>
+                </a:defRPr>
+              </a:lvl3pPr>
+              <a:lvl4pPr marL="1600200" indent="-228600" algn="l" rtl="0" fontAlgn="base">
+                <a:lnSpc>
+                  <a:spcPct val="110000"/>
+                </a:lnSpc>
+                <a:spcBef>
+                  <a:spcPct val="30000"/>
+                </a:spcBef>
+                <a:spcAft>
+                  <a:spcPct val="0"/>
+                </a:spcAft>
+                <a:buClr>
+                  <a:schemeClr val="tx1">
+                    <a:lumMod val="75000"/>
+                    <a:lumOff val="25000"/>
+                  </a:schemeClr>
+                </a:buClr>
+                <a:buFont typeface="Wingdings" pitchFamily="2" charset="2"/>
+                <a:buChar char="§"/>
+                <a:defRPr sz="1800" b="1">
+                  <a:solidFill>
+                    <a:schemeClr val="tx1">
+                      <a:lumMod val="75000"/>
+                      <a:lumOff val="25000"/>
+                    </a:schemeClr>
+                  </a:solidFill>
+                  <a:latin typeface="Calibri" panose="020F0502020204030204" pitchFamily="34" charset="0"/>
+                  <a:ea typeface="微軟正黑體" panose="020B0604030504040204" pitchFamily="34" charset="-120"/>
+                </a:defRPr>
+              </a:lvl4pPr>
+              <a:lvl5pPr marL="2057400" indent="-228600" algn="l" rtl="0" fontAlgn="base">
+                <a:lnSpc>
+                  <a:spcPct val="110000"/>
+                </a:lnSpc>
+                <a:spcBef>
+                  <a:spcPct val="30000"/>
+                </a:spcBef>
+                <a:spcAft>
+                  <a:spcPct val="0"/>
+                </a:spcAft>
+                <a:buClr>
+                  <a:schemeClr val="tx1">
+                    <a:lumMod val="75000"/>
+                    <a:lumOff val="25000"/>
+                  </a:schemeClr>
+                </a:buClr>
+                <a:buSzPct val="80000"/>
+                <a:buFont typeface="Wingdings" pitchFamily="2" charset="2"/>
+                <a:buChar char="§"/>
+                <a:defRPr sz="1800" b="1">
+                  <a:solidFill>
+                    <a:schemeClr val="tx1">
+                      <a:lumMod val="75000"/>
+                      <a:lumOff val="25000"/>
+                    </a:schemeClr>
+                  </a:solidFill>
+                  <a:latin typeface="Calibri" panose="020F0502020204030204" pitchFamily="34" charset="0"/>
+                  <a:ea typeface="微軟正黑體" panose="020B0604030504040204" pitchFamily="34" charset="-120"/>
+                </a:defRPr>
+              </a:lvl5pPr>
+              <a:lvl6pPr marL="2514600" indent="-228600" algn="l" rtl="0" fontAlgn="base">
+                <a:spcBef>
+                  <a:spcPct val="30000"/>
+                </a:spcBef>
+                <a:spcAft>
+                  <a:spcPct val="0"/>
+                </a:spcAft>
+                <a:buClr>
+                  <a:srgbClr val="FF9900"/>
+                </a:buClr>
+                <a:buSzPct val="80000"/>
+                <a:buFont typeface="Wingdings" pitchFamily="2" charset="2"/>
+                <a:buChar char="§"/>
+                <a:defRPr sz="1400">
+                  <a:solidFill>
+                    <a:schemeClr val="tx1"/>
+                  </a:solidFill>
+                  <a:latin typeface="+mn-lt"/>
+                </a:defRPr>
+              </a:lvl6pPr>
+              <a:lvl7pPr marL="2971800" indent="-228600" algn="l" rtl="0" fontAlgn="base">
+                <a:spcBef>
+                  <a:spcPct val="30000"/>
+                </a:spcBef>
+                <a:spcAft>
+                  <a:spcPct val="0"/>
+                </a:spcAft>
+                <a:buClr>
+                  <a:srgbClr val="FF9900"/>
+                </a:buClr>
+                <a:buSzPct val="80000"/>
+                <a:buFont typeface="Wingdings" pitchFamily="2" charset="2"/>
+                <a:buChar char="§"/>
+                <a:defRPr sz="1400">
+                  <a:solidFill>
+                    <a:schemeClr val="tx1"/>
+                  </a:solidFill>
+                  <a:latin typeface="+mn-lt"/>
+                </a:defRPr>
+              </a:lvl7pPr>
+              <a:lvl8pPr marL="3429000" indent="-228600" algn="l" rtl="0" fontAlgn="base">
+                <a:spcBef>
+                  <a:spcPct val="30000"/>
+                </a:spcBef>
+                <a:spcAft>
+                  <a:spcPct val="0"/>
+                </a:spcAft>
+                <a:buClr>
+                  <a:srgbClr val="FF9900"/>
+                </a:buClr>
+                <a:buSzPct val="80000"/>
+                <a:buFont typeface="Wingdings" pitchFamily="2" charset="2"/>
+                <a:buChar char="§"/>
+                <a:defRPr sz="1400">
+                  <a:solidFill>
+                    <a:schemeClr val="tx1"/>
+                  </a:solidFill>
+                  <a:latin typeface="+mn-lt"/>
+                </a:defRPr>
+              </a:lvl8pPr>
+              <a:lvl9pPr marL="3886200" indent="-228600" algn="l" rtl="0" fontAlgn="base">
+                <a:spcBef>
+                  <a:spcPct val="30000"/>
+                </a:spcBef>
+                <a:spcAft>
+                  <a:spcPct val="0"/>
+                </a:spcAft>
+                <a:buClr>
+                  <a:srgbClr val="FF9900"/>
+                </a:buClr>
+                <a:buSzPct val="80000"/>
+                <a:buFont typeface="Wingdings" pitchFamily="2" charset="2"/>
+                <a:buChar char="§"/>
+                <a:defRPr sz="1400">
+                  <a:solidFill>
+                    <a:schemeClr val="tx1"/>
+                  </a:solidFill>
+                  <a:latin typeface="+mn-lt"/>
+                </a:defRPr>
+              </a:lvl9pPr>
+            </a:lstStyle>
+            <a:p>
+              <a:r>
+                <a:rPr lang="zh-TW" altLang="en-US" sz="1600" kern="0" dirty="0" smtClean="0">
+                  <a:latin typeface="微軟正黑體" panose="020B0604030504040204" pitchFamily="34" charset="-120"/>
+                </a:rPr>
+                <a:t>北</a:t>
+              </a:r>
+              <a:r>
+                <a:rPr lang="zh-TW" altLang="en-US" sz="1600" kern="0" dirty="0" smtClean="0">
+                  <a:latin typeface="微軟正黑體" panose="020B0604030504040204" pitchFamily="34" charset="-120"/>
+                </a:rPr>
+                <a:t>新 </a:t>
+              </a:r>
+              <a:r>
+                <a:rPr lang="en-US" altLang="zh-TW" sz="1600" kern="0" dirty="0" smtClean="0">
+                  <a:latin typeface="微軟正黑體" panose="020B0604030504040204" pitchFamily="34" charset="-120"/>
+                </a:rPr>
+                <a:t>&amp;</a:t>
+              </a:r>
+              <a:r>
+                <a:rPr lang="zh-TW" altLang="en-US" sz="1600" kern="0" dirty="0" smtClean="0">
+                  <a:latin typeface="微軟正黑體" panose="020B0604030504040204" pitchFamily="34" charset="-120"/>
+                </a:rPr>
+                <a:t> 裕隆生活圈</a:t>
+              </a:r>
+              <a:endParaRPr lang="en-US" altLang="zh-TW" sz="1600" kern="0" dirty="0" smtClean="0">
+                <a:latin typeface="微軟正黑體" panose="020B0604030504040204" pitchFamily="34" charset="-120"/>
+              </a:endParaRPr>
+            </a:p>
+            <a:p>
+              <a:pPr marL="0" indent="0">
+                <a:buNone/>
+              </a:pPr>
+              <a:r>
+                <a:rPr lang="zh-TW" altLang="en-US" sz="1400" kern="0" dirty="0" smtClean="0">
+                  <a:latin typeface="微軟正黑體" panose="020B0604030504040204" pitchFamily="34" charset="-120"/>
+                </a:rPr>
+                <a:t>以大坪林站為核心，左臨瑠公圳，右面裕隆城，上接寶強路，下以寶橋路為分界</a:t>
+              </a:r>
+              <a:endParaRPr lang="en-US" altLang="zh-TW" sz="1400" kern="0" dirty="0" smtClean="0">
+                <a:latin typeface="微軟正黑體" panose="020B0604030504040204" pitchFamily="34" charset="-120"/>
+              </a:endParaRPr>
+            </a:p>
+            <a:p>
+              <a:pPr marL="0" indent="0">
+                <a:buNone/>
+              </a:pPr>
+              <a:r>
+                <a:rPr lang="zh-TW" altLang="en-US" sz="1400" kern="0" dirty="0" smtClean="0">
+                  <a:latin typeface="微軟正黑體" panose="020B0604030504040204" pitchFamily="34" charset="-120"/>
+                </a:rPr>
+                <a:t>鄰近</a:t>
+              </a:r>
+              <a:r>
+                <a:rPr lang="zh-TW" altLang="en-US" sz="1400" kern="0" dirty="0">
+                  <a:latin typeface="微軟正黑體" panose="020B0604030504040204" pitchFamily="34" charset="-120"/>
+                </a:rPr>
+                <a:t>家樂</a:t>
+              </a:r>
+              <a:r>
+                <a:rPr lang="zh-TW" altLang="en-US" sz="1400" kern="0" dirty="0" smtClean="0">
+                  <a:latin typeface="微軟正黑體" panose="020B0604030504040204" pitchFamily="34" charset="-120"/>
+                </a:rPr>
+                <a:t>福、特</a:t>
+              </a:r>
+              <a:r>
+                <a:rPr lang="zh-TW" altLang="en-US" sz="1400" kern="0" dirty="0">
+                  <a:latin typeface="微軟正黑體" panose="020B0604030504040204" pitchFamily="34" charset="-120"/>
+                </a:rPr>
+                <a:t>力</a:t>
+              </a:r>
+              <a:r>
+                <a:rPr lang="zh-TW" altLang="en-US" sz="1400" kern="0" dirty="0" smtClean="0">
+                  <a:latin typeface="微軟正黑體" panose="020B0604030504040204" pitchFamily="34" charset="-120"/>
+                </a:rPr>
+                <a:t>屋等賣場</a:t>
+              </a:r>
+              <a:endParaRPr lang="en-US" altLang="zh-TW" sz="1400" kern="0" dirty="0" smtClean="0">
+                <a:latin typeface="微軟正黑體" panose="020B0604030504040204" pitchFamily="34" charset="-120"/>
+              </a:endParaRPr>
+            </a:p>
+            <a:p>
+              <a:pPr marL="0" indent="0">
+                <a:buNone/>
+              </a:pPr>
+              <a:endParaRPr lang="zh-TW" altLang="en-US" sz="1400" kern="0" dirty="0">
+                <a:latin typeface="微軟正黑體" panose="020B0604030504040204" pitchFamily="34" charset="-120"/>
+              </a:endParaRPr>
+            </a:p>
+          </p:txBody>
+        </p:sp>
+        <p:cxnSp>
+          <p:nvCxnSpPr>
+            <p:cNvPr id="8" name="直線單箭頭接點 7"/>
+            <p:cNvCxnSpPr>
+              <a:stCxn id="7" idx="1"/>
+            </p:cNvCxnSpPr>
+            <p:nvPr/>
+          </p:nvCxnSpPr>
+          <p:spPr bwMode="auto">
+            <a:xfrm flipH="1">
+              <a:off x="6075997" y="2647780"/>
+              <a:ext cx="967770" cy="1029208"/>
+            </a:xfrm>
+            <a:prstGeom prst="straightConnector1">
+              <a:avLst/>
+            </a:prstGeom>
+            <a:grpFill/>
+            <a:ln w="38100" cap="flat" cmpd="sng" algn="ctr">
+              <a:solidFill>
+                <a:schemeClr val="tx1"/>
+              </a:solidFill>
+              <a:prstDash val="solid"/>
+              <a:round/>
+              <a:headEnd type="none" w="med" len="med"/>
+              <a:tailEnd type="arrow" w="med" len="med"/>
+            </a:ln>
+            <a:effectLst/>
+          </p:spPr>
+        </p:cxnSp>
+      </p:grpSp>
+      <p:sp>
+        <p:nvSpPr>
+          <p:cNvPr id="10" name="內容版面配置區 1"/>
+          <p:cNvSpPr txBox="1">
+            <a:spLocks/>
+          </p:cNvSpPr>
+          <p:nvPr/>
+        </p:nvSpPr>
+        <p:spPr bwMode="auto">
+          <a:xfrm>
+            <a:off x="5689631" y="2698291"/>
+            <a:ext cx="673947" cy="324994"/>
+          </a:xfrm>
+          <a:prstGeom prst="rect">
+            <a:avLst/>
+          </a:prstGeom>
+          <a:solidFill>
+            <a:schemeClr val="accent2">
+              <a:lumMod val="40000"/>
+              <a:lumOff val="60000"/>
+            </a:schemeClr>
+          </a:solidFill>
+          <a:ln w="38100">
+            <a:solidFill>
+              <a:schemeClr val="tx1"/>
+            </a:solidFill>
+            <a:miter lim="800000"/>
+            <a:headEnd/>
+            <a:tailEnd/>
+          </a:ln>
+          <a:effectLst/>
+        </p:spPr>
+        <p:txBody>
+          <a:bodyPr vert="horz" wrap="square" lIns="91440" tIns="45720" rIns="91440" bIns="45720" numCol="1" anchor="t" anchorCtr="0" compatLnSpc="1">
+            <a:prstTxWarp prst="textNoShape">
+              <a:avLst/>
+            </a:prstTxWarp>
+          </a:bodyPr>
+          <a:lstStyle>
+            <a:lvl1pPr marL="342900" indent="-342900" algn="l" rtl="0" fontAlgn="base">
+              <a:lnSpc>
+                <a:spcPct val="120000"/>
+              </a:lnSpc>
+              <a:spcBef>
+                <a:spcPts val="648"/>
+              </a:spcBef>
+              <a:spcAft>
+                <a:spcPts val="0"/>
+              </a:spcAft>
+              <a:buClrTx/>
+              <a:buSzPct val="75000"/>
+              <a:buFont typeface="Wingdings" pitchFamily="2" charset="2"/>
+              <a:buChar char="p"/>
+              <a:defRPr lang="zh-TW" altLang="en-US" sz="2000" b="1" dirty="0" smtClean="0">
+                <a:solidFill>
+                  <a:schemeClr val="tx1">
+                    <a:lumMod val="75000"/>
+                    <a:lumOff val="25000"/>
+                  </a:schemeClr>
+                </a:solidFill>
+                <a:latin typeface="Calibri" panose="020F0502020204030204" pitchFamily="34" charset="0"/>
+                <a:ea typeface="微軟正黑體" panose="020B0604030504040204" pitchFamily="34" charset="-120"/>
+                <a:cs typeface="+mn-cs"/>
+              </a:defRPr>
+            </a:lvl1pPr>
+            <a:lvl2pPr marL="742950" indent="-285750" algn="l" rtl="0" fontAlgn="base">
+              <a:lnSpc>
+                <a:spcPct val="120000"/>
+              </a:lnSpc>
+              <a:spcBef>
+                <a:spcPts val="648"/>
+              </a:spcBef>
+              <a:spcAft>
+                <a:spcPts val="0"/>
+              </a:spcAft>
+              <a:buClrTx/>
+              <a:buSzPct val="75000"/>
+              <a:buFont typeface="Wingdings" pitchFamily="2" charset="2"/>
+              <a:buChar char="n"/>
+              <a:defRPr lang="zh-TW" altLang="en-US" sz="2000" b="1" dirty="0" smtClean="0">
+                <a:solidFill>
+                  <a:schemeClr val="tx1">
+                    <a:lumMod val="75000"/>
+                    <a:lumOff val="25000"/>
+                  </a:schemeClr>
+                </a:solidFill>
+                <a:latin typeface="Calibri" panose="020F0502020204030204" pitchFamily="34" charset="0"/>
+                <a:ea typeface="微軟正黑體" panose="020B0604030504040204" pitchFamily="34" charset="-120"/>
+                <a:cs typeface="+mn-cs"/>
+              </a:defRPr>
+            </a:lvl2pPr>
+            <a:lvl3pPr marL="1143000" indent="-228600" algn="l" rtl="0" fontAlgn="base">
+              <a:lnSpc>
+                <a:spcPct val="120000"/>
+              </a:lnSpc>
+              <a:spcBef>
+                <a:spcPts val="648"/>
+              </a:spcBef>
+              <a:spcAft>
+                <a:spcPts val="0"/>
+              </a:spcAft>
+              <a:buClrTx/>
+              <a:buSzPct val="75000"/>
+              <a:buFont typeface="Wingdings" pitchFamily="2" charset="2"/>
+              <a:buChar char="p"/>
+              <a:defRPr lang="zh-TW" altLang="en-US" sz="2000" b="1" dirty="0" smtClean="0">
+                <a:solidFill>
+                  <a:schemeClr val="tx1">
+                    <a:lumMod val="75000"/>
+                    <a:lumOff val="25000"/>
+                  </a:schemeClr>
+                </a:solidFill>
+                <a:latin typeface="Calibri" panose="020F0502020204030204" pitchFamily="34" charset="0"/>
+                <a:ea typeface="微軟正黑體" panose="020B0604030504040204" pitchFamily="34" charset="-120"/>
+                <a:cs typeface="+mn-cs"/>
+              </a:defRPr>
+            </a:lvl3pPr>
+            <a:lvl4pPr marL="1600200" indent="-228600" algn="l" rtl="0" fontAlgn="base">
+              <a:lnSpc>
+                <a:spcPct val="110000"/>
+              </a:lnSpc>
+              <a:spcBef>
+                <a:spcPct val="30000"/>
+              </a:spcBef>
+              <a:spcAft>
+                <a:spcPct val="0"/>
+              </a:spcAft>
+              <a:buClr>
+                <a:schemeClr val="tx1">
+                  <a:lumMod val="75000"/>
+                  <a:lumOff val="25000"/>
+                </a:schemeClr>
+              </a:buClr>
+              <a:buFont typeface="Wingdings" pitchFamily="2" charset="2"/>
+              <a:buChar char="§"/>
+              <a:defRPr sz="1800" b="1">
+                <a:solidFill>
+                  <a:schemeClr val="tx1">
+                    <a:lumMod val="75000"/>
+                    <a:lumOff val="25000"/>
+                  </a:schemeClr>
+                </a:solidFill>
+                <a:latin typeface="Calibri" panose="020F0502020204030204" pitchFamily="34" charset="0"/>
+                <a:ea typeface="微軟正黑體" panose="020B0604030504040204" pitchFamily="34" charset="-120"/>
+              </a:defRPr>
+            </a:lvl4pPr>
+            <a:lvl5pPr marL="2057400" indent="-228600" algn="l" rtl="0" fontAlgn="base">
+              <a:lnSpc>
+                <a:spcPct val="110000"/>
+              </a:lnSpc>
+              <a:spcBef>
+                <a:spcPct val="30000"/>
+              </a:spcBef>
+              <a:spcAft>
+                <a:spcPct val="0"/>
+              </a:spcAft>
+              <a:buClr>
+                <a:schemeClr val="tx1">
+                  <a:lumMod val="75000"/>
+                  <a:lumOff val="25000"/>
+                </a:schemeClr>
+              </a:buClr>
+              <a:buSzPct val="80000"/>
+              <a:buFont typeface="Wingdings" pitchFamily="2" charset="2"/>
+              <a:buChar char="§"/>
+              <a:defRPr sz="1800" b="1">
+                <a:solidFill>
+                  <a:schemeClr val="tx1">
+                    <a:lumMod val="75000"/>
+                    <a:lumOff val="25000"/>
+                  </a:schemeClr>
+                </a:solidFill>
+                <a:latin typeface="Calibri" panose="020F0502020204030204" pitchFamily="34" charset="0"/>
+                <a:ea typeface="微軟正黑體" panose="020B0604030504040204" pitchFamily="34" charset="-120"/>
+              </a:defRPr>
+            </a:lvl5pPr>
+            <a:lvl6pPr marL="2514600" indent="-228600" algn="l" rtl="0" fontAlgn="base">
+              <a:spcBef>
+                <a:spcPct val="30000"/>
+              </a:spcBef>
+              <a:spcAft>
+                <a:spcPct val="0"/>
+              </a:spcAft>
+              <a:buClr>
+                <a:srgbClr val="FF9900"/>
+              </a:buClr>
+              <a:buSzPct val="80000"/>
+              <a:buFont typeface="Wingdings" pitchFamily="2" charset="2"/>
+              <a:buChar char="§"/>
+              <a:defRPr sz="1400">
+                <a:solidFill>
+                  <a:schemeClr val="tx1"/>
+                </a:solidFill>
+                <a:latin typeface="+mn-lt"/>
+              </a:defRPr>
+            </a:lvl6pPr>
+            <a:lvl7pPr marL="2971800" indent="-228600" algn="l" rtl="0" fontAlgn="base">
+              <a:spcBef>
+                <a:spcPct val="30000"/>
+              </a:spcBef>
+              <a:spcAft>
+                <a:spcPct val="0"/>
+              </a:spcAft>
+              <a:buClr>
+                <a:srgbClr val="FF9900"/>
+              </a:buClr>
+              <a:buSzPct val="80000"/>
+              <a:buFont typeface="Wingdings" pitchFamily="2" charset="2"/>
+              <a:buChar char="§"/>
+              <a:defRPr sz="1400">
+                <a:solidFill>
+                  <a:schemeClr val="tx1"/>
+                </a:solidFill>
+                <a:latin typeface="+mn-lt"/>
+              </a:defRPr>
+            </a:lvl7pPr>
+            <a:lvl8pPr marL="3429000" indent="-228600" algn="l" rtl="0" fontAlgn="base">
+              <a:spcBef>
+                <a:spcPct val="30000"/>
+              </a:spcBef>
+              <a:spcAft>
+                <a:spcPct val="0"/>
+              </a:spcAft>
+              <a:buClr>
+                <a:srgbClr val="FF9900"/>
+              </a:buClr>
+              <a:buSzPct val="80000"/>
+              <a:buFont typeface="Wingdings" pitchFamily="2" charset="2"/>
+              <a:buChar char="§"/>
+              <a:defRPr sz="1400">
+                <a:solidFill>
+                  <a:schemeClr val="tx1"/>
+                </a:solidFill>
+                <a:latin typeface="+mn-lt"/>
+              </a:defRPr>
+            </a:lvl8pPr>
+            <a:lvl9pPr marL="3886200" indent="-228600" algn="l" rtl="0" fontAlgn="base">
+              <a:spcBef>
+                <a:spcPct val="30000"/>
+              </a:spcBef>
+              <a:spcAft>
+                <a:spcPct val="0"/>
+              </a:spcAft>
+              <a:buClr>
+                <a:srgbClr val="FF9900"/>
+              </a:buClr>
+              <a:buSzPct val="80000"/>
+              <a:buFont typeface="Wingdings" pitchFamily="2" charset="2"/>
+              <a:buChar char="§"/>
+              <a:defRPr sz="1400">
+                <a:solidFill>
+                  <a:schemeClr val="tx1"/>
+                </a:solidFill>
+                <a:latin typeface="+mn-lt"/>
+              </a:defRPr>
+            </a:lvl9pPr>
+          </a:lstStyle>
+          <a:p>
+            <a:pPr marL="0" indent="0">
+              <a:buFont typeface="Wingdings" pitchFamily="2" charset="2"/>
+              <a:buNone/>
+            </a:pPr>
+            <a:r>
+              <a:rPr lang="zh-TW" altLang="en-US" sz="1200" kern="0" dirty="0" smtClean="0">
+                <a:latin typeface="標楷體" panose="03000509000000000000" pitchFamily="65" charset="-120"/>
+                <a:ea typeface="標楷體" panose="03000509000000000000" pitchFamily="65" charset="-120"/>
+              </a:rPr>
+              <a:t>裕隆城</a:t>
+            </a:r>
+            <a:endParaRPr lang="zh-TW" altLang="en-US" sz="1200" kern="0" dirty="0">
+              <a:latin typeface="標楷體" panose="03000509000000000000" pitchFamily="65" charset="-120"/>
+              <a:ea typeface="標楷體" panose="03000509000000000000" pitchFamily="65" charset="-120"/>
+            </a:endParaRPr>
+          </a:p>
+        </p:txBody>
+      </p:sp>
+      <p:grpSp>
+        <p:nvGrpSpPr>
+          <p:cNvPr id="13" name="群組 12"/>
+          <p:cNvGrpSpPr/>
+          <p:nvPr/>
+        </p:nvGrpSpPr>
+        <p:grpSpPr>
+          <a:xfrm>
+            <a:off x="5497287" y="4028190"/>
+            <a:ext cx="3646713" cy="2486612"/>
+            <a:chOff x="5883653" y="1618569"/>
+            <a:chExt cx="3646713" cy="3362653"/>
+          </a:xfrm>
+          <a:solidFill>
+            <a:schemeClr val="bg1"/>
+          </a:solidFill>
+        </p:grpSpPr>
+        <p:sp>
+          <p:nvSpPr>
+            <p:cNvPr id="14" name="內容版面配置區 1"/>
+            <p:cNvSpPr txBox="1">
+              <a:spLocks/>
+            </p:cNvSpPr>
+            <p:nvPr/>
+          </p:nvSpPr>
+          <p:spPr bwMode="auto">
+            <a:xfrm>
+              <a:off x="7043767" y="1618569"/>
+              <a:ext cx="2486599" cy="3362653"/>
+            </a:xfrm>
+            <a:prstGeom prst="rect">
+              <a:avLst/>
+            </a:prstGeom>
+            <a:grpFill/>
+            <a:ln w="38100">
+              <a:solidFill>
+                <a:schemeClr val="tx1"/>
+              </a:solidFill>
+              <a:miter lim="800000"/>
+              <a:headEnd/>
+              <a:tailEnd/>
+            </a:ln>
+            <a:effectLst/>
+          </p:spPr>
+          <p:txBody>
+            <a:bodyPr vert="horz" wrap="square" lIns="91440" tIns="45720" rIns="91440" bIns="45720" numCol="1" anchor="t" anchorCtr="0" compatLnSpc="1">
+              <a:prstTxWarp prst="textNoShape">
+                <a:avLst/>
+              </a:prstTxWarp>
+            </a:bodyPr>
+            <a:lstStyle>
+              <a:lvl1pPr marL="342900" indent="-342900" algn="l" rtl="0" fontAlgn="base">
+                <a:lnSpc>
+                  <a:spcPct val="120000"/>
+                </a:lnSpc>
+                <a:spcBef>
+                  <a:spcPts val="648"/>
+                </a:spcBef>
+                <a:spcAft>
+                  <a:spcPts val="0"/>
+                </a:spcAft>
+                <a:buClrTx/>
+                <a:buSzPct val="75000"/>
+                <a:buFont typeface="Wingdings" pitchFamily="2" charset="2"/>
+                <a:buChar char="p"/>
+                <a:defRPr lang="zh-TW" altLang="en-US" sz="2000" b="1" dirty="0" smtClean="0">
+                  <a:solidFill>
+                    <a:schemeClr val="tx1">
+                      <a:lumMod val="75000"/>
+                      <a:lumOff val="25000"/>
+                    </a:schemeClr>
+                  </a:solidFill>
+                  <a:latin typeface="Calibri" panose="020F0502020204030204" pitchFamily="34" charset="0"/>
+                  <a:ea typeface="微軟正黑體" panose="020B0604030504040204" pitchFamily="34" charset="-120"/>
+                  <a:cs typeface="+mn-cs"/>
+                </a:defRPr>
+              </a:lvl1pPr>
+              <a:lvl2pPr marL="742950" indent="-285750" algn="l" rtl="0" fontAlgn="base">
+                <a:lnSpc>
+                  <a:spcPct val="120000"/>
+                </a:lnSpc>
+                <a:spcBef>
+                  <a:spcPts val="648"/>
+                </a:spcBef>
+                <a:spcAft>
+                  <a:spcPts val="0"/>
+                </a:spcAft>
+                <a:buClrTx/>
+                <a:buSzPct val="75000"/>
+                <a:buFont typeface="Wingdings" pitchFamily="2" charset="2"/>
+                <a:buChar char="n"/>
+                <a:defRPr lang="zh-TW" altLang="en-US" sz="2000" b="1" dirty="0" smtClean="0">
+                  <a:solidFill>
+                    <a:schemeClr val="tx1">
+                      <a:lumMod val="75000"/>
+                      <a:lumOff val="25000"/>
+                    </a:schemeClr>
+                  </a:solidFill>
+                  <a:latin typeface="Calibri" panose="020F0502020204030204" pitchFamily="34" charset="0"/>
+                  <a:ea typeface="微軟正黑體" panose="020B0604030504040204" pitchFamily="34" charset="-120"/>
+                  <a:cs typeface="+mn-cs"/>
+                </a:defRPr>
+              </a:lvl2pPr>
+              <a:lvl3pPr marL="1143000" indent="-228600" algn="l" rtl="0" fontAlgn="base">
+                <a:lnSpc>
+                  <a:spcPct val="120000"/>
+                </a:lnSpc>
+                <a:spcBef>
+                  <a:spcPts val="648"/>
+                </a:spcBef>
+                <a:spcAft>
+                  <a:spcPts val="0"/>
+                </a:spcAft>
+                <a:buClrTx/>
+                <a:buSzPct val="75000"/>
+                <a:buFont typeface="Wingdings" pitchFamily="2" charset="2"/>
+                <a:buChar char="p"/>
+                <a:defRPr lang="zh-TW" altLang="en-US" sz="2000" b="1" dirty="0" smtClean="0">
+                  <a:solidFill>
+                    <a:schemeClr val="tx1">
+                      <a:lumMod val="75000"/>
+                      <a:lumOff val="25000"/>
+                    </a:schemeClr>
+                  </a:solidFill>
+                  <a:latin typeface="Calibri" panose="020F0502020204030204" pitchFamily="34" charset="0"/>
+                  <a:ea typeface="微軟正黑體" panose="020B0604030504040204" pitchFamily="34" charset="-120"/>
+                  <a:cs typeface="+mn-cs"/>
+                </a:defRPr>
+              </a:lvl3pPr>
+              <a:lvl4pPr marL="1600200" indent="-228600" algn="l" rtl="0" fontAlgn="base">
+                <a:lnSpc>
+                  <a:spcPct val="110000"/>
+                </a:lnSpc>
+                <a:spcBef>
+                  <a:spcPct val="30000"/>
+                </a:spcBef>
+                <a:spcAft>
+                  <a:spcPct val="0"/>
+                </a:spcAft>
+                <a:buClr>
+                  <a:schemeClr val="tx1">
+                    <a:lumMod val="75000"/>
+                    <a:lumOff val="25000"/>
+                  </a:schemeClr>
+                </a:buClr>
+                <a:buFont typeface="Wingdings" pitchFamily="2" charset="2"/>
+                <a:buChar char="§"/>
+                <a:defRPr sz="1800" b="1">
+                  <a:solidFill>
+                    <a:schemeClr val="tx1">
+                      <a:lumMod val="75000"/>
+                      <a:lumOff val="25000"/>
+                    </a:schemeClr>
+                  </a:solidFill>
+                  <a:latin typeface="Calibri" panose="020F0502020204030204" pitchFamily="34" charset="0"/>
+                  <a:ea typeface="微軟正黑體" panose="020B0604030504040204" pitchFamily="34" charset="-120"/>
+                </a:defRPr>
+              </a:lvl4pPr>
+              <a:lvl5pPr marL="2057400" indent="-228600" algn="l" rtl="0" fontAlgn="base">
+                <a:lnSpc>
+                  <a:spcPct val="110000"/>
+                </a:lnSpc>
+                <a:spcBef>
+                  <a:spcPct val="30000"/>
+                </a:spcBef>
+                <a:spcAft>
+                  <a:spcPct val="0"/>
+                </a:spcAft>
+                <a:buClr>
+                  <a:schemeClr val="tx1">
+                    <a:lumMod val="75000"/>
+                    <a:lumOff val="25000"/>
+                  </a:schemeClr>
+                </a:buClr>
+                <a:buSzPct val="80000"/>
+                <a:buFont typeface="Wingdings" pitchFamily="2" charset="2"/>
+                <a:buChar char="§"/>
+                <a:defRPr sz="1800" b="1">
+                  <a:solidFill>
+                    <a:schemeClr val="tx1">
+                      <a:lumMod val="75000"/>
+                      <a:lumOff val="25000"/>
+                    </a:schemeClr>
+                  </a:solidFill>
+                  <a:latin typeface="Calibri" panose="020F0502020204030204" pitchFamily="34" charset="0"/>
+                  <a:ea typeface="微軟正黑體" panose="020B0604030504040204" pitchFamily="34" charset="-120"/>
+                </a:defRPr>
+              </a:lvl5pPr>
+              <a:lvl6pPr marL="2514600" indent="-228600" algn="l" rtl="0" fontAlgn="base">
+                <a:spcBef>
+                  <a:spcPct val="30000"/>
+                </a:spcBef>
+                <a:spcAft>
+                  <a:spcPct val="0"/>
+                </a:spcAft>
+                <a:buClr>
+                  <a:srgbClr val="FF9900"/>
+                </a:buClr>
+                <a:buSzPct val="80000"/>
+                <a:buFont typeface="Wingdings" pitchFamily="2" charset="2"/>
+                <a:buChar char="§"/>
+                <a:defRPr sz="1400">
+                  <a:solidFill>
+                    <a:schemeClr val="tx1"/>
+                  </a:solidFill>
+                  <a:latin typeface="+mn-lt"/>
+                </a:defRPr>
+              </a:lvl6pPr>
+              <a:lvl7pPr marL="2971800" indent="-228600" algn="l" rtl="0" fontAlgn="base">
+                <a:spcBef>
+                  <a:spcPct val="30000"/>
+                </a:spcBef>
+                <a:spcAft>
+                  <a:spcPct val="0"/>
+                </a:spcAft>
+                <a:buClr>
+                  <a:srgbClr val="FF9900"/>
+                </a:buClr>
+                <a:buSzPct val="80000"/>
+                <a:buFont typeface="Wingdings" pitchFamily="2" charset="2"/>
+                <a:buChar char="§"/>
+                <a:defRPr sz="1400">
+                  <a:solidFill>
+                    <a:schemeClr val="tx1"/>
+                  </a:solidFill>
+                  <a:latin typeface="+mn-lt"/>
+                </a:defRPr>
+              </a:lvl7pPr>
+              <a:lvl8pPr marL="3429000" indent="-228600" algn="l" rtl="0" fontAlgn="base">
+                <a:spcBef>
+                  <a:spcPct val="30000"/>
+                </a:spcBef>
+                <a:spcAft>
+                  <a:spcPct val="0"/>
+                </a:spcAft>
+                <a:buClr>
+                  <a:srgbClr val="FF9900"/>
+                </a:buClr>
+                <a:buSzPct val="80000"/>
+                <a:buFont typeface="Wingdings" pitchFamily="2" charset="2"/>
+                <a:buChar char="§"/>
+                <a:defRPr sz="1400">
+                  <a:solidFill>
+                    <a:schemeClr val="tx1"/>
+                  </a:solidFill>
+                  <a:latin typeface="+mn-lt"/>
+                </a:defRPr>
+              </a:lvl8pPr>
+              <a:lvl9pPr marL="3886200" indent="-228600" algn="l" rtl="0" fontAlgn="base">
+                <a:spcBef>
+                  <a:spcPct val="30000"/>
+                </a:spcBef>
+                <a:spcAft>
+                  <a:spcPct val="0"/>
+                </a:spcAft>
+                <a:buClr>
+                  <a:srgbClr val="FF9900"/>
+                </a:buClr>
+                <a:buSzPct val="80000"/>
+                <a:buFont typeface="Wingdings" pitchFamily="2" charset="2"/>
+                <a:buChar char="§"/>
+                <a:defRPr sz="1400">
+                  <a:solidFill>
+                    <a:schemeClr val="tx1"/>
+                  </a:solidFill>
+                  <a:latin typeface="+mn-lt"/>
+                </a:defRPr>
+              </a:lvl9pPr>
+            </a:lstStyle>
+            <a:p>
+              <a:r>
+                <a:rPr lang="zh-TW" altLang="en-US" sz="1600" kern="0" dirty="0" smtClean="0">
+                  <a:latin typeface="微軟正黑體" panose="020B0604030504040204" pitchFamily="34" charset="-120"/>
+                </a:rPr>
+                <a:t>五峰 </a:t>
+              </a:r>
+              <a:r>
+                <a:rPr lang="en-US" altLang="zh-TW" sz="1600" kern="0" dirty="0" smtClean="0">
+                  <a:latin typeface="微軟正黑體" panose="020B0604030504040204" pitchFamily="34" charset="-120"/>
+                </a:rPr>
+                <a:t>&amp;</a:t>
+              </a:r>
+              <a:r>
+                <a:rPr lang="zh-TW" altLang="en-US" sz="1600" kern="0" dirty="0" smtClean="0">
+                  <a:latin typeface="微軟正黑體" panose="020B0604030504040204" pitchFamily="34" charset="-120"/>
+                </a:rPr>
+                <a:t> 行政園區</a:t>
+              </a:r>
+              <a:endParaRPr lang="en-US" altLang="zh-TW" sz="1600" kern="0" dirty="0" smtClean="0">
+                <a:latin typeface="微軟正黑體" panose="020B0604030504040204" pitchFamily="34" charset="-120"/>
+              </a:endParaRPr>
+            </a:p>
+            <a:p>
+              <a:pPr marL="0" indent="0">
+                <a:buNone/>
+              </a:pPr>
+              <a:r>
+                <a:rPr lang="zh-TW" altLang="en-US" sz="1400" kern="0" dirty="0" smtClean="0">
+                  <a:latin typeface="微軟正黑體" panose="020B0604030504040204" pitchFamily="34" charset="-120"/>
+                </a:rPr>
+                <a:t>五峰重劃區原為舊市區，本身交通方便，</a:t>
+              </a:r>
+              <a:r>
+                <a:rPr lang="en-US" altLang="zh-TW" sz="1400" kern="0" dirty="0" smtClean="0">
+                  <a:latin typeface="微軟正黑體" panose="020B0604030504040204" pitchFamily="34" charset="-120"/>
+                </a:rPr>
+                <a:t>2010</a:t>
+              </a:r>
+              <a:r>
+                <a:rPr lang="zh-TW" altLang="en-US" sz="1400" kern="0" dirty="0">
+                  <a:latin typeface="微軟正黑體" panose="020B0604030504040204" pitchFamily="34" charset="-120"/>
+                </a:rPr>
+                <a:t>年以來路區推出養心殿、美麗</a:t>
+              </a:r>
+              <a:r>
+                <a:rPr lang="zh-TW" altLang="en-US" sz="1400" kern="0" dirty="0" smtClean="0">
+                  <a:latin typeface="微軟正黑體" panose="020B0604030504040204" pitchFamily="34" charset="-120"/>
+                </a:rPr>
+                <a:t>殿等</a:t>
+              </a:r>
+              <a:endParaRPr lang="en-US" altLang="zh-TW" sz="1400" kern="0" dirty="0" smtClean="0">
+                <a:latin typeface="微軟正黑體" panose="020B0604030504040204" pitchFamily="34" charset="-120"/>
+              </a:endParaRPr>
+            </a:p>
+            <a:p>
+              <a:pPr marL="0" indent="0">
+                <a:buNone/>
+              </a:pPr>
+              <a:r>
+                <a:rPr lang="zh-TW" altLang="en-US" sz="1400" kern="0" dirty="0" smtClean="0">
+                  <a:latin typeface="微軟正黑體" panose="020B0604030504040204" pitchFamily="34" charset="-120"/>
+                </a:rPr>
+                <a:t>上方隔著中正路有惠國市場，生活機能佳</a:t>
+              </a:r>
+              <a:endParaRPr lang="en-US" altLang="zh-TW" sz="1400" kern="0" dirty="0" smtClean="0">
+                <a:latin typeface="微軟正黑體" panose="020B0604030504040204" pitchFamily="34" charset="-120"/>
+              </a:endParaRPr>
+            </a:p>
+            <a:p>
+              <a:pPr marL="0" indent="0">
+                <a:buNone/>
+              </a:pPr>
+              <a:r>
+                <a:rPr lang="zh-TW" altLang="en-US" sz="1400" kern="0" dirty="0" smtClean="0">
+                  <a:latin typeface="微軟正黑體" panose="020B0604030504040204" pitchFamily="34" charset="-120"/>
+                </a:rPr>
+                <a:t>下方新店行政園區於</a:t>
+              </a:r>
+              <a:r>
+                <a:rPr lang="en-US" altLang="zh-TW" sz="1400" kern="0" dirty="0" smtClean="0">
+                  <a:latin typeface="微軟正黑體" panose="020B0604030504040204" pitchFamily="34" charset="-120"/>
+                </a:rPr>
+                <a:t>2011</a:t>
+              </a:r>
+              <a:r>
+                <a:rPr lang="zh-TW" altLang="en-US" sz="1400" kern="0" dirty="0" smtClean="0">
+                  <a:latin typeface="微軟正黑體" panose="020B0604030504040204" pitchFamily="34" charset="-120"/>
+                </a:rPr>
+                <a:t>年通過，帶動附近房價</a:t>
+              </a:r>
+              <a:endParaRPr lang="zh-TW" altLang="en-US" sz="1400" kern="0" dirty="0">
+                <a:latin typeface="微軟正黑體" panose="020B0604030504040204" pitchFamily="34" charset="-120"/>
+              </a:endParaRPr>
+            </a:p>
+          </p:txBody>
+        </p:sp>
+        <p:cxnSp>
+          <p:nvCxnSpPr>
+            <p:cNvPr id="15" name="直線單箭頭接點 14"/>
+            <p:cNvCxnSpPr>
+              <a:stCxn id="14" idx="1"/>
+            </p:cNvCxnSpPr>
+            <p:nvPr/>
+          </p:nvCxnSpPr>
+          <p:spPr bwMode="auto">
+            <a:xfrm flipH="1" flipV="1">
+              <a:off x="5883653" y="2647783"/>
+              <a:ext cx="1160114" cy="652113"/>
+            </a:xfrm>
+            <a:prstGeom prst="straightConnector1">
+              <a:avLst/>
+            </a:prstGeom>
+            <a:grpFill/>
+            <a:ln w="38100" cap="flat" cmpd="sng" algn="ctr">
+              <a:solidFill>
+                <a:schemeClr val="tx1"/>
+              </a:solidFill>
+              <a:prstDash val="solid"/>
+              <a:round/>
+              <a:headEnd type="none" w="med" len="med"/>
+              <a:tailEnd type="arrow" w="med" len="med"/>
+            </a:ln>
+            <a:effectLst/>
+          </p:spPr>
+        </p:cxnSp>
+      </p:grpSp>
+      <p:sp>
+        <p:nvSpPr>
+          <p:cNvPr id="19" name="內容版面配置區 1"/>
+          <p:cNvSpPr txBox="1">
+            <a:spLocks/>
+          </p:cNvSpPr>
+          <p:nvPr/>
+        </p:nvSpPr>
+        <p:spPr bwMode="auto">
+          <a:xfrm>
+            <a:off x="5689631" y="3146118"/>
+            <a:ext cx="673947" cy="324994"/>
+          </a:xfrm>
+          <a:prstGeom prst="rect">
+            <a:avLst/>
+          </a:prstGeom>
+          <a:solidFill>
+            <a:schemeClr val="accent2">
+              <a:lumMod val="40000"/>
+              <a:lumOff val="60000"/>
+            </a:schemeClr>
+          </a:solidFill>
+          <a:ln w="38100">
+            <a:solidFill>
+              <a:schemeClr val="tx1"/>
+            </a:solidFill>
+            <a:miter lim="800000"/>
+            <a:headEnd/>
+            <a:tailEnd/>
+          </a:ln>
+          <a:effectLst/>
+        </p:spPr>
+        <p:txBody>
+          <a:bodyPr vert="horz" wrap="square" lIns="91440" tIns="45720" rIns="91440" bIns="45720" numCol="1" anchor="t" anchorCtr="0" compatLnSpc="1">
+            <a:prstTxWarp prst="textNoShape">
+              <a:avLst/>
+            </a:prstTxWarp>
+          </a:bodyPr>
+          <a:lstStyle>
+            <a:lvl1pPr marL="342900" indent="-342900" algn="l" rtl="0" fontAlgn="base">
+              <a:lnSpc>
+                <a:spcPct val="120000"/>
+              </a:lnSpc>
+              <a:spcBef>
+                <a:spcPts val="648"/>
+              </a:spcBef>
+              <a:spcAft>
+                <a:spcPts val="0"/>
+              </a:spcAft>
+              <a:buClrTx/>
+              <a:buSzPct val="75000"/>
+              <a:buFont typeface="Wingdings" pitchFamily="2" charset="2"/>
+              <a:buChar char="p"/>
+              <a:defRPr lang="zh-TW" altLang="en-US" sz="2000" b="1" dirty="0" smtClean="0">
+                <a:solidFill>
+                  <a:schemeClr val="tx1">
+                    <a:lumMod val="75000"/>
+                    <a:lumOff val="25000"/>
+                  </a:schemeClr>
+                </a:solidFill>
+                <a:latin typeface="Calibri" panose="020F0502020204030204" pitchFamily="34" charset="0"/>
+                <a:ea typeface="微軟正黑體" panose="020B0604030504040204" pitchFamily="34" charset="-120"/>
+                <a:cs typeface="+mn-cs"/>
+              </a:defRPr>
+            </a:lvl1pPr>
+            <a:lvl2pPr marL="742950" indent="-285750" algn="l" rtl="0" fontAlgn="base">
+              <a:lnSpc>
+                <a:spcPct val="120000"/>
+              </a:lnSpc>
+              <a:spcBef>
+                <a:spcPts val="648"/>
+              </a:spcBef>
+              <a:spcAft>
+                <a:spcPts val="0"/>
+              </a:spcAft>
+              <a:buClrTx/>
+              <a:buSzPct val="75000"/>
+              <a:buFont typeface="Wingdings" pitchFamily="2" charset="2"/>
+              <a:buChar char="n"/>
+              <a:defRPr lang="zh-TW" altLang="en-US" sz="2000" b="1" dirty="0" smtClean="0">
+                <a:solidFill>
+                  <a:schemeClr val="tx1">
+                    <a:lumMod val="75000"/>
+                    <a:lumOff val="25000"/>
+                  </a:schemeClr>
+                </a:solidFill>
+                <a:latin typeface="Calibri" panose="020F0502020204030204" pitchFamily="34" charset="0"/>
+                <a:ea typeface="微軟正黑體" panose="020B0604030504040204" pitchFamily="34" charset="-120"/>
+                <a:cs typeface="+mn-cs"/>
+              </a:defRPr>
+            </a:lvl2pPr>
+            <a:lvl3pPr marL="1143000" indent="-228600" algn="l" rtl="0" fontAlgn="base">
+              <a:lnSpc>
+                <a:spcPct val="120000"/>
+              </a:lnSpc>
+              <a:spcBef>
+                <a:spcPts val="648"/>
+              </a:spcBef>
+              <a:spcAft>
+                <a:spcPts val="0"/>
+              </a:spcAft>
+              <a:buClrTx/>
+              <a:buSzPct val="75000"/>
+              <a:buFont typeface="Wingdings" pitchFamily="2" charset="2"/>
+              <a:buChar char="p"/>
+              <a:defRPr lang="zh-TW" altLang="en-US" sz="2000" b="1" dirty="0" smtClean="0">
+                <a:solidFill>
+                  <a:schemeClr val="tx1">
+                    <a:lumMod val="75000"/>
+                    <a:lumOff val="25000"/>
+                  </a:schemeClr>
+                </a:solidFill>
+                <a:latin typeface="Calibri" panose="020F0502020204030204" pitchFamily="34" charset="0"/>
+                <a:ea typeface="微軟正黑體" panose="020B0604030504040204" pitchFamily="34" charset="-120"/>
+                <a:cs typeface="+mn-cs"/>
+              </a:defRPr>
+            </a:lvl3pPr>
+            <a:lvl4pPr marL="1600200" indent="-228600" algn="l" rtl="0" fontAlgn="base">
+              <a:lnSpc>
+                <a:spcPct val="110000"/>
+              </a:lnSpc>
+              <a:spcBef>
+                <a:spcPct val="30000"/>
+              </a:spcBef>
+              <a:spcAft>
+                <a:spcPct val="0"/>
+              </a:spcAft>
+              <a:buClr>
+                <a:schemeClr val="tx1">
+                  <a:lumMod val="75000"/>
+                  <a:lumOff val="25000"/>
+                </a:schemeClr>
+              </a:buClr>
+              <a:buFont typeface="Wingdings" pitchFamily="2" charset="2"/>
+              <a:buChar char="§"/>
+              <a:defRPr sz="1800" b="1">
+                <a:solidFill>
+                  <a:schemeClr val="tx1">
+                    <a:lumMod val="75000"/>
+                    <a:lumOff val="25000"/>
+                  </a:schemeClr>
+                </a:solidFill>
+                <a:latin typeface="Calibri" panose="020F0502020204030204" pitchFamily="34" charset="0"/>
+                <a:ea typeface="微軟正黑體" panose="020B0604030504040204" pitchFamily="34" charset="-120"/>
+              </a:defRPr>
+            </a:lvl4pPr>
+            <a:lvl5pPr marL="2057400" indent="-228600" algn="l" rtl="0" fontAlgn="base">
+              <a:lnSpc>
+                <a:spcPct val="110000"/>
+              </a:lnSpc>
+              <a:spcBef>
+                <a:spcPct val="30000"/>
+              </a:spcBef>
+              <a:spcAft>
+                <a:spcPct val="0"/>
+              </a:spcAft>
+              <a:buClr>
+                <a:schemeClr val="tx1">
+                  <a:lumMod val="75000"/>
+                  <a:lumOff val="25000"/>
+                </a:schemeClr>
+              </a:buClr>
+              <a:buSzPct val="80000"/>
+              <a:buFont typeface="Wingdings" pitchFamily="2" charset="2"/>
+              <a:buChar char="§"/>
+              <a:defRPr sz="1800" b="1">
+                <a:solidFill>
+                  <a:schemeClr val="tx1">
+                    <a:lumMod val="75000"/>
+                    <a:lumOff val="25000"/>
+                  </a:schemeClr>
+                </a:solidFill>
+                <a:latin typeface="Calibri" panose="020F0502020204030204" pitchFamily="34" charset="0"/>
+                <a:ea typeface="微軟正黑體" panose="020B0604030504040204" pitchFamily="34" charset="-120"/>
+              </a:defRPr>
+            </a:lvl5pPr>
+            <a:lvl6pPr marL="2514600" indent="-228600" algn="l" rtl="0" fontAlgn="base">
+              <a:spcBef>
+                <a:spcPct val="30000"/>
+              </a:spcBef>
+              <a:spcAft>
+                <a:spcPct val="0"/>
+              </a:spcAft>
+              <a:buClr>
+                <a:srgbClr val="FF9900"/>
+              </a:buClr>
+              <a:buSzPct val="80000"/>
+              <a:buFont typeface="Wingdings" pitchFamily="2" charset="2"/>
+              <a:buChar char="§"/>
+              <a:defRPr sz="1400">
+                <a:solidFill>
+                  <a:schemeClr val="tx1"/>
+                </a:solidFill>
+                <a:latin typeface="+mn-lt"/>
+              </a:defRPr>
+            </a:lvl6pPr>
+            <a:lvl7pPr marL="2971800" indent="-228600" algn="l" rtl="0" fontAlgn="base">
+              <a:spcBef>
+                <a:spcPct val="30000"/>
+              </a:spcBef>
+              <a:spcAft>
+                <a:spcPct val="0"/>
+              </a:spcAft>
+              <a:buClr>
+                <a:srgbClr val="FF9900"/>
+              </a:buClr>
+              <a:buSzPct val="80000"/>
+              <a:buFont typeface="Wingdings" pitchFamily="2" charset="2"/>
+              <a:buChar char="§"/>
+              <a:defRPr sz="1400">
+                <a:solidFill>
+                  <a:schemeClr val="tx1"/>
+                </a:solidFill>
+                <a:latin typeface="+mn-lt"/>
+              </a:defRPr>
+            </a:lvl7pPr>
+            <a:lvl8pPr marL="3429000" indent="-228600" algn="l" rtl="0" fontAlgn="base">
+              <a:spcBef>
+                <a:spcPct val="30000"/>
+              </a:spcBef>
+              <a:spcAft>
+                <a:spcPct val="0"/>
+              </a:spcAft>
+              <a:buClr>
+                <a:srgbClr val="FF9900"/>
+              </a:buClr>
+              <a:buSzPct val="80000"/>
+              <a:buFont typeface="Wingdings" pitchFamily="2" charset="2"/>
+              <a:buChar char="§"/>
+              <a:defRPr sz="1400">
+                <a:solidFill>
+                  <a:schemeClr val="tx1"/>
+                </a:solidFill>
+                <a:latin typeface="+mn-lt"/>
+              </a:defRPr>
+            </a:lvl8pPr>
+            <a:lvl9pPr marL="3886200" indent="-228600" algn="l" rtl="0" fontAlgn="base">
+              <a:spcBef>
+                <a:spcPct val="30000"/>
+              </a:spcBef>
+              <a:spcAft>
+                <a:spcPct val="0"/>
+              </a:spcAft>
+              <a:buClr>
+                <a:srgbClr val="FF9900"/>
+              </a:buClr>
+              <a:buSzPct val="80000"/>
+              <a:buFont typeface="Wingdings" pitchFamily="2" charset="2"/>
+              <a:buChar char="§"/>
+              <a:defRPr sz="1400">
+                <a:solidFill>
+                  <a:schemeClr val="tx1"/>
+                </a:solidFill>
+                <a:latin typeface="+mn-lt"/>
+              </a:defRPr>
+            </a:lvl9pPr>
+          </a:lstStyle>
+          <a:p>
+            <a:pPr marL="0" indent="0">
+              <a:buFont typeface="Wingdings" pitchFamily="2" charset="2"/>
+              <a:buNone/>
+            </a:pPr>
+            <a:r>
+              <a:rPr lang="zh-TW" altLang="en-US" sz="1200" kern="0" dirty="0">
+                <a:latin typeface="標楷體" panose="03000509000000000000" pitchFamily="65" charset="-120"/>
+                <a:ea typeface="標楷體" panose="03000509000000000000" pitchFamily="65" charset="-120"/>
+              </a:rPr>
+              <a:t>家樂福</a:t>
+            </a:r>
+            <a:endParaRPr lang="zh-TW" altLang="en-US" sz="1200" kern="0" dirty="0">
+              <a:latin typeface="標楷體" panose="03000509000000000000" pitchFamily="65" charset="-120"/>
+              <a:ea typeface="標楷體" panose="03000509000000000000" pitchFamily="65" charset="-120"/>
+            </a:endParaRPr>
+          </a:p>
+        </p:txBody>
+      </p:sp>
+      <p:sp>
+        <p:nvSpPr>
+          <p:cNvPr id="20" name="內容版面配置區 1"/>
+          <p:cNvSpPr txBox="1">
+            <a:spLocks/>
+          </p:cNvSpPr>
+          <p:nvPr/>
+        </p:nvSpPr>
+        <p:spPr bwMode="auto">
+          <a:xfrm>
+            <a:off x="4895458" y="4372815"/>
+            <a:ext cx="794173" cy="329442"/>
+          </a:xfrm>
+          <a:prstGeom prst="rect">
+            <a:avLst/>
+          </a:prstGeom>
+          <a:solidFill>
+            <a:schemeClr val="accent2">
+              <a:lumMod val="40000"/>
+              <a:lumOff val="60000"/>
+            </a:schemeClr>
+          </a:solidFill>
+          <a:ln w="38100">
+            <a:solidFill>
+              <a:schemeClr val="tx1"/>
+            </a:solidFill>
+            <a:miter lim="800000"/>
+            <a:headEnd/>
+            <a:tailEnd/>
+          </a:ln>
+          <a:effectLst/>
+        </p:spPr>
+        <p:txBody>
+          <a:bodyPr vert="horz" wrap="square" lIns="91440" tIns="45720" rIns="91440" bIns="45720" numCol="1" anchor="t" anchorCtr="0" compatLnSpc="1">
+            <a:prstTxWarp prst="textNoShape">
+              <a:avLst/>
+            </a:prstTxWarp>
+          </a:bodyPr>
+          <a:lstStyle>
+            <a:lvl1pPr marL="342900" indent="-342900" algn="l" rtl="0" fontAlgn="base">
+              <a:lnSpc>
+                <a:spcPct val="120000"/>
+              </a:lnSpc>
+              <a:spcBef>
+                <a:spcPts val="648"/>
+              </a:spcBef>
+              <a:spcAft>
+                <a:spcPts val="0"/>
+              </a:spcAft>
+              <a:buClrTx/>
+              <a:buSzPct val="75000"/>
+              <a:buFont typeface="Wingdings" pitchFamily="2" charset="2"/>
+              <a:buChar char="p"/>
+              <a:defRPr lang="zh-TW" altLang="en-US" sz="2000" b="1" dirty="0" smtClean="0">
+                <a:solidFill>
+                  <a:schemeClr val="tx1">
+                    <a:lumMod val="75000"/>
+                    <a:lumOff val="25000"/>
+                  </a:schemeClr>
+                </a:solidFill>
+                <a:latin typeface="Calibri" panose="020F0502020204030204" pitchFamily="34" charset="0"/>
+                <a:ea typeface="微軟正黑體" panose="020B0604030504040204" pitchFamily="34" charset="-120"/>
+                <a:cs typeface="+mn-cs"/>
+              </a:defRPr>
+            </a:lvl1pPr>
+            <a:lvl2pPr marL="742950" indent="-285750" algn="l" rtl="0" fontAlgn="base">
+              <a:lnSpc>
+                <a:spcPct val="120000"/>
+              </a:lnSpc>
+              <a:spcBef>
+                <a:spcPts val="648"/>
+              </a:spcBef>
+              <a:spcAft>
+                <a:spcPts val="0"/>
+              </a:spcAft>
+              <a:buClrTx/>
+              <a:buSzPct val="75000"/>
+              <a:buFont typeface="Wingdings" pitchFamily="2" charset="2"/>
+              <a:buChar char="n"/>
+              <a:defRPr lang="zh-TW" altLang="en-US" sz="2000" b="1" dirty="0" smtClean="0">
+                <a:solidFill>
+                  <a:schemeClr val="tx1">
+                    <a:lumMod val="75000"/>
+                    <a:lumOff val="25000"/>
+                  </a:schemeClr>
+                </a:solidFill>
+                <a:latin typeface="Calibri" panose="020F0502020204030204" pitchFamily="34" charset="0"/>
+                <a:ea typeface="微軟正黑體" panose="020B0604030504040204" pitchFamily="34" charset="-120"/>
+                <a:cs typeface="+mn-cs"/>
+              </a:defRPr>
+            </a:lvl2pPr>
+            <a:lvl3pPr marL="1143000" indent="-228600" algn="l" rtl="0" fontAlgn="base">
+              <a:lnSpc>
+                <a:spcPct val="120000"/>
+              </a:lnSpc>
+              <a:spcBef>
+                <a:spcPts val="648"/>
+              </a:spcBef>
+              <a:spcAft>
+                <a:spcPts val="0"/>
+              </a:spcAft>
+              <a:buClrTx/>
+              <a:buSzPct val="75000"/>
+              <a:buFont typeface="Wingdings" pitchFamily="2" charset="2"/>
+              <a:buChar char="p"/>
+              <a:defRPr lang="zh-TW" altLang="en-US" sz="2000" b="1" dirty="0" smtClean="0">
+                <a:solidFill>
+                  <a:schemeClr val="tx1">
+                    <a:lumMod val="75000"/>
+                    <a:lumOff val="25000"/>
+                  </a:schemeClr>
+                </a:solidFill>
+                <a:latin typeface="Calibri" panose="020F0502020204030204" pitchFamily="34" charset="0"/>
+                <a:ea typeface="微軟正黑體" panose="020B0604030504040204" pitchFamily="34" charset="-120"/>
+                <a:cs typeface="+mn-cs"/>
+              </a:defRPr>
+            </a:lvl3pPr>
+            <a:lvl4pPr marL="1600200" indent="-228600" algn="l" rtl="0" fontAlgn="base">
+              <a:lnSpc>
+                <a:spcPct val="110000"/>
+              </a:lnSpc>
+              <a:spcBef>
+                <a:spcPct val="30000"/>
+              </a:spcBef>
+              <a:spcAft>
+                <a:spcPct val="0"/>
+              </a:spcAft>
+              <a:buClr>
+                <a:schemeClr val="tx1">
+                  <a:lumMod val="75000"/>
+                  <a:lumOff val="25000"/>
+                </a:schemeClr>
+              </a:buClr>
+              <a:buFont typeface="Wingdings" pitchFamily="2" charset="2"/>
+              <a:buChar char="§"/>
+              <a:defRPr sz="1800" b="1">
+                <a:solidFill>
+                  <a:schemeClr val="tx1">
+                    <a:lumMod val="75000"/>
+                    <a:lumOff val="25000"/>
+                  </a:schemeClr>
+                </a:solidFill>
+                <a:latin typeface="Calibri" panose="020F0502020204030204" pitchFamily="34" charset="0"/>
+                <a:ea typeface="微軟正黑體" panose="020B0604030504040204" pitchFamily="34" charset="-120"/>
+              </a:defRPr>
+            </a:lvl4pPr>
+            <a:lvl5pPr marL="2057400" indent="-228600" algn="l" rtl="0" fontAlgn="base">
+              <a:lnSpc>
+                <a:spcPct val="110000"/>
+              </a:lnSpc>
+              <a:spcBef>
+                <a:spcPct val="30000"/>
+              </a:spcBef>
+              <a:spcAft>
+                <a:spcPct val="0"/>
+              </a:spcAft>
+              <a:buClr>
+                <a:schemeClr val="tx1">
+                  <a:lumMod val="75000"/>
+                  <a:lumOff val="25000"/>
+                </a:schemeClr>
+              </a:buClr>
+              <a:buSzPct val="80000"/>
+              <a:buFont typeface="Wingdings" pitchFamily="2" charset="2"/>
+              <a:buChar char="§"/>
+              <a:defRPr sz="1800" b="1">
+                <a:solidFill>
+                  <a:schemeClr val="tx1">
+                    <a:lumMod val="75000"/>
+                    <a:lumOff val="25000"/>
+                  </a:schemeClr>
+                </a:solidFill>
+                <a:latin typeface="Calibri" panose="020F0502020204030204" pitchFamily="34" charset="0"/>
+                <a:ea typeface="微軟正黑體" panose="020B0604030504040204" pitchFamily="34" charset="-120"/>
+              </a:defRPr>
+            </a:lvl5pPr>
+            <a:lvl6pPr marL="2514600" indent="-228600" algn="l" rtl="0" fontAlgn="base">
+              <a:spcBef>
+                <a:spcPct val="30000"/>
+              </a:spcBef>
+              <a:spcAft>
+                <a:spcPct val="0"/>
+              </a:spcAft>
+              <a:buClr>
+                <a:srgbClr val="FF9900"/>
+              </a:buClr>
+              <a:buSzPct val="80000"/>
+              <a:buFont typeface="Wingdings" pitchFamily="2" charset="2"/>
+              <a:buChar char="§"/>
+              <a:defRPr sz="1400">
+                <a:solidFill>
+                  <a:schemeClr val="tx1"/>
+                </a:solidFill>
+                <a:latin typeface="+mn-lt"/>
+              </a:defRPr>
+            </a:lvl6pPr>
+            <a:lvl7pPr marL="2971800" indent="-228600" algn="l" rtl="0" fontAlgn="base">
+              <a:spcBef>
+                <a:spcPct val="30000"/>
+              </a:spcBef>
+              <a:spcAft>
+                <a:spcPct val="0"/>
+              </a:spcAft>
+              <a:buClr>
+                <a:srgbClr val="FF9900"/>
+              </a:buClr>
+              <a:buSzPct val="80000"/>
+              <a:buFont typeface="Wingdings" pitchFamily="2" charset="2"/>
+              <a:buChar char="§"/>
+              <a:defRPr sz="1400">
+                <a:solidFill>
+                  <a:schemeClr val="tx1"/>
+                </a:solidFill>
+                <a:latin typeface="+mn-lt"/>
+              </a:defRPr>
+            </a:lvl7pPr>
+            <a:lvl8pPr marL="3429000" indent="-228600" algn="l" rtl="0" fontAlgn="base">
+              <a:spcBef>
+                <a:spcPct val="30000"/>
+              </a:spcBef>
+              <a:spcAft>
+                <a:spcPct val="0"/>
+              </a:spcAft>
+              <a:buClr>
+                <a:srgbClr val="FF9900"/>
+              </a:buClr>
+              <a:buSzPct val="80000"/>
+              <a:buFont typeface="Wingdings" pitchFamily="2" charset="2"/>
+              <a:buChar char="§"/>
+              <a:defRPr sz="1400">
+                <a:solidFill>
+                  <a:schemeClr val="tx1"/>
+                </a:solidFill>
+                <a:latin typeface="+mn-lt"/>
+              </a:defRPr>
+            </a:lvl8pPr>
+            <a:lvl9pPr marL="3886200" indent="-228600" algn="l" rtl="0" fontAlgn="base">
+              <a:spcBef>
+                <a:spcPct val="30000"/>
+              </a:spcBef>
+              <a:spcAft>
+                <a:spcPct val="0"/>
+              </a:spcAft>
+              <a:buClr>
+                <a:srgbClr val="FF9900"/>
+              </a:buClr>
+              <a:buSzPct val="80000"/>
+              <a:buFont typeface="Wingdings" pitchFamily="2" charset="2"/>
+              <a:buChar char="§"/>
+              <a:defRPr sz="1400">
+                <a:solidFill>
+                  <a:schemeClr val="tx1"/>
+                </a:solidFill>
+                <a:latin typeface="+mn-lt"/>
+              </a:defRPr>
+            </a:lvl9pPr>
+          </a:lstStyle>
+          <a:p>
+            <a:pPr marL="0" indent="0">
+              <a:buFont typeface="Wingdings" pitchFamily="2" charset="2"/>
+              <a:buNone/>
+            </a:pPr>
+            <a:r>
+              <a:rPr lang="zh-TW" altLang="en-US" sz="1200" kern="0" dirty="0" smtClean="0">
+                <a:latin typeface="標楷體" panose="03000509000000000000" pitchFamily="65" charset="-120"/>
+                <a:ea typeface="標楷體" panose="03000509000000000000" pitchFamily="65" charset="-120"/>
+              </a:rPr>
+              <a:t>行政</a:t>
+            </a:r>
+            <a:r>
+              <a:rPr lang="zh-TW" altLang="en-US" sz="1200" kern="0" dirty="0">
+                <a:latin typeface="標楷體" panose="03000509000000000000" pitchFamily="65" charset="-120"/>
+                <a:ea typeface="標楷體" panose="03000509000000000000" pitchFamily="65" charset="-120"/>
+              </a:rPr>
+              <a:t>園區</a:t>
+            </a:r>
+            <a:endParaRPr lang="zh-TW" altLang="en-US" sz="1200" kern="0" dirty="0">
+              <a:latin typeface="標楷體" panose="03000509000000000000" pitchFamily="65" charset="-120"/>
+              <a:ea typeface="標楷體" panose="03000509000000000000" pitchFamily="65" charset="-120"/>
+            </a:endParaRPr>
+          </a:p>
+        </p:txBody>
+      </p:sp>
+      <p:grpSp>
+        <p:nvGrpSpPr>
+          <p:cNvPr id="22" name="群組 21"/>
+          <p:cNvGrpSpPr/>
+          <p:nvPr/>
+        </p:nvGrpSpPr>
+        <p:grpSpPr>
+          <a:xfrm>
+            <a:off x="300786" y="3023286"/>
+            <a:ext cx="2486599" cy="3028936"/>
+            <a:chOff x="7043767" y="700472"/>
+            <a:chExt cx="2486599" cy="3206764"/>
+          </a:xfrm>
+          <a:solidFill>
+            <a:schemeClr val="bg1"/>
+          </a:solidFill>
+        </p:grpSpPr>
+        <p:sp>
+          <p:nvSpPr>
+            <p:cNvPr id="23" name="內容版面配置區 1"/>
+            <p:cNvSpPr txBox="1">
+              <a:spLocks/>
+            </p:cNvSpPr>
+            <p:nvPr/>
+          </p:nvSpPr>
+          <p:spPr bwMode="auto">
+            <a:xfrm>
+              <a:off x="7043767" y="1618570"/>
+              <a:ext cx="2486599" cy="2288666"/>
+            </a:xfrm>
+            <a:prstGeom prst="rect">
+              <a:avLst/>
+            </a:prstGeom>
+            <a:grpFill/>
+            <a:ln w="38100">
+              <a:solidFill>
+                <a:schemeClr val="tx1"/>
+              </a:solidFill>
+              <a:miter lim="800000"/>
+              <a:headEnd/>
+              <a:tailEnd/>
+            </a:ln>
+            <a:effectLst/>
+          </p:spPr>
+          <p:txBody>
+            <a:bodyPr vert="horz" wrap="square" lIns="91440" tIns="45720" rIns="91440" bIns="45720" numCol="1" anchor="t" anchorCtr="0" compatLnSpc="1">
+              <a:prstTxWarp prst="textNoShape">
+                <a:avLst/>
+              </a:prstTxWarp>
+            </a:bodyPr>
+            <a:lstStyle>
+              <a:lvl1pPr marL="342900" indent="-342900" algn="l" rtl="0" fontAlgn="base">
+                <a:lnSpc>
+                  <a:spcPct val="120000"/>
+                </a:lnSpc>
+                <a:spcBef>
+                  <a:spcPts val="648"/>
+                </a:spcBef>
+                <a:spcAft>
+                  <a:spcPts val="0"/>
+                </a:spcAft>
+                <a:buClrTx/>
+                <a:buSzPct val="75000"/>
+                <a:buFont typeface="Wingdings" pitchFamily="2" charset="2"/>
+                <a:buChar char="p"/>
+                <a:defRPr lang="zh-TW" altLang="en-US" sz="2000" b="1" dirty="0" smtClean="0">
+                  <a:solidFill>
+                    <a:schemeClr val="tx1">
+                      <a:lumMod val="75000"/>
+                      <a:lumOff val="25000"/>
+                    </a:schemeClr>
+                  </a:solidFill>
+                  <a:latin typeface="Calibri" panose="020F0502020204030204" pitchFamily="34" charset="0"/>
+                  <a:ea typeface="微軟正黑體" panose="020B0604030504040204" pitchFamily="34" charset="-120"/>
+                  <a:cs typeface="+mn-cs"/>
+                </a:defRPr>
+              </a:lvl1pPr>
+              <a:lvl2pPr marL="742950" indent="-285750" algn="l" rtl="0" fontAlgn="base">
+                <a:lnSpc>
+                  <a:spcPct val="120000"/>
+                </a:lnSpc>
+                <a:spcBef>
+                  <a:spcPts val="648"/>
+                </a:spcBef>
+                <a:spcAft>
+                  <a:spcPts val="0"/>
+                </a:spcAft>
+                <a:buClrTx/>
+                <a:buSzPct val="75000"/>
+                <a:buFont typeface="Wingdings" pitchFamily="2" charset="2"/>
+                <a:buChar char="n"/>
+                <a:defRPr lang="zh-TW" altLang="en-US" sz="2000" b="1" dirty="0" smtClean="0">
+                  <a:solidFill>
+                    <a:schemeClr val="tx1">
+                      <a:lumMod val="75000"/>
+                      <a:lumOff val="25000"/>
+                    </a:schemeClr>
+                  </a:solidFill>
+                  <a:latin typeface="Calibri" panose="020F0502020204030204" pitchFamily="34" charset="0"/>
+                  <a:ea typeface="微軟正黑體" panose="020B0604030504040204" pitchFamily="34" charset="-120"/>
+                  <a:cs typeface="+mn-cs"/>
+                </a:defRPr>
+              </a:lvl2pPr>
+              <a:lvl3pPr marL="1143000" indent="-228600" algn="l" rtl="0" fontAlgn="base">
+                <a:lnSpc>
+                  <a:spcPct val="120000"/>
+                </a:lnSpc>
+                <a:spcBef>
+                  <a:spcPts val="648"/>
+                </a:spcBef>
+                <a:spcAft>
+                  <a:spcPts val="0"/>
+                </a:spcAft>
+                <a:buClrTx/>
+                <a:buSzPct val="75000"/>
+                <a:buFont typeface="Wingdings" pitchFamily="2" charset="2"/>
+                <a:buChar char="p"/>
+                <a:defRPr lang="zh-TW" altLang="en-US" sz="2000" b="1" dirty="0" smtClean="0">
+                  <a:solidFill>
+                    <a:schemeClr val="tx1">
+                      <a:lumMod val="75000"/>
+                      <a:lumOff val="25000"/>
+                    </a:schemeClr>
+                  </a:solidFill>
+                  <a:latin typeface="Calibri" panose="020F0502020204030204" pitchFamily="34" charset="0"/>
+                  <a:ea typeface="微軟正黑體" panose="020B0604030504040204" pitchFamily="34" charset="-120"/>
+                  <a:cs typeface="+mn-cs"/>
+                </a:defRPr>
+              </a:lvl3pPr>
+              <a:lvl4pPr marL="1600200" indent="-228600" algn="l" rtl="0" fontAlgn="base">
+                <a:lnSpc>
+                  <a:spcPct val="110000"/>
+                </a:lnSpc>
+                <a:spcBef>
+                  <a:spcPct val="30000"/>
+                </a:spcBef>
+                <a:spcAft>
+                  <a:spcPct val="0"/>
+                </a:spcAft>
+                <a:buClr>
+                  <a:schemeClr val="tx1">
+                    <a:lumMod val="75000"/>
+                    <a:lumOff val="25000"/>
+                  </a:schemeClr>
+                </a:buClr>
+                <a:buFont typeface="Wingdings" pitchFamily="2" charset="2"/>
+                <a:buChar char="§"/>
+                <a:defRPr sz="1800" b="1">
+                  <a:solidFill>
+                    <a:schemeClr val="tx1">
+                      <a:lumMod val="75000"/>
+                      <a:lumOff val="25000"/>
+                    </a:schemeClr>
+                  </a:solidFill>
+                  <a:latin typeface="Calibri" panose="020F0502020204030204" pitchFamily="34" charset="0"/>
+                  <a:ea typeface="微軟正黑體" panose="020B0604030504040204" pitchFamily="34" charset="-120"/>
+                </a:defRPr>
+              </a:lvl4pPr>
+              <a:lvl5pPr marL="2057400" indent="-228600" algn="l" rtl="0" fontAlgn="base">
+                <a:lnSpc>
+                  <a:spcPct val="110000"/>
+                </a:lnSpc>
+                <a:spcBef>
+                  <a:spcPct val="30000"/>
+                </a:spcBef>
+                <a:spcAft>
+                  <a:spcPct val="0"/>
+                </a:spcAft>
+                <a:buClr>
+                  <a:schemeClr val="tx1">
+                    <a:lumMod val="75000"/>
+                    <a:lumOff val="25000"/>
+                  </a:schemeClr>
+                </a:buClr>
+                <a:buSzPct val="80000"/>
+                <a:buFont typeface="Wingdings" pitchFamily="2" charset="2"/>
+                <a:buChar char="§"/>
+                <a:defRPr sz="1800" b="1">
+                  <a:solidFill>
+                    <a:schemeClr val="tx1">
+                      <a:lumMod val="75000"/>
+                      <a:lumOff val="25000"/>
+                    </a:schemeClr>
+                  </a:solidFill>
+                  <a:latin typeface="Calibri" panose="020F0502020204030204" pitchFamily="34" charset="0"/>
+                  <a:ea typeface="微軟正黑體" panose="020B0604030504040204" pitchFamily="34" charset="-120"/>
+                </a:defRPr>
+              </a:lvl5pPr>
+              <a:lvl6pPr marL="2514600" indent="-228600" algn="l" rtl="0" fontAlgn="base">
+                <a:spcBef>
+                  <a:spcPct val="30000"/>
+                </a:spcBef>
+                <a:spcAft>
+                  <a:spcPct val="0"/>
+                </a:spcAft>
+                <a:buClr>
+                  <a:srgbClr val="FF9900"/>
+                </a:buClr>
+                <a:buSzPct val="80000"/>
+                <a:buFont typeface="Wingdings" pitchFamily="2" charset="2"/>
+                <a:buChar char="§"/>
+                <a:defRPr sz="1400">
+                  <a:solidFill>
+                    <a:schemeClr val="tx1"/>
+                  </a:solidFill>
+                  <a:latin typeface="+mn-lt"/>
+                </a:defRPr>
+              </a:lvl6pPr>
+              <a:lvl7pPr marL="2971800" indent="-228600" algn="l" rtl="0" fontAlgn="base">
+                <a:spcBef>
+                  <a:spcPct val="30000"/>
+                </a:spcBef>
+                <a:spcAft>
+                  <a:spcPct val="0"/>
+                </a:spcAft>
+                <a:buClr>
+                  <a:srgbClr val="FF9900"/>
+                </a:buClr>
+                <a:buSzPct val="80000"/>
+                <a:buFont typeface="Wingdings" pitchFamily="2" charset="2"/>
+                <a:buChar char="§"/>
+                <a:defRPr sz="1400">
+                  <a:solidFill>
+                    <a:schemeClr val="tx1"/>
+                  </a:solidFill>
+                  <a:latin typeface="+mn-lt"/>
+                </a:defRPr>
+              </a:lvl7pPr>
+              <a:lvl8pPr marL="3429000" indent="-228600" algn="l" rtl="0" fontAlgn="base">
+                <a:spcBef>
+                  <a:spcPct val="30000"/>
+                </a:spcBef>
+                <a:spcAft>
+                  <a:spcPct val="0"/>
+                </a:spcAft>
+                <a:buClr>
+                  <a:srgbClr val="FF9900"/>
+                </a:buClr>
+                <a:buSzPct val="80000"/>
+                <a:buFont typeface="Wingdings" pitchFamily="2" charset="2"/>
+                <a:buChar char="§"/>
+                <a:defRPr sz="1400">
+                  <a:solidFill>
+                    <a:schemeClr val="tx1"/>
+                  </a:solidFill>
+                  <a:latin typeface="+mn-lt"/>
+                </a:defRPr>
+              </a:lvl8pPr>
+              <a:lvl9pPr marL="3886200" indent="-228600" algn="l" rtl="0" fontAlgn="base">
+                <a:spcBef>
+                  <a:spcPct val="30000"/>
+                </a:spcBef>
+                <a:spcAft>
+                  <a:spcPct val="0"/>
+                </a:spcAft>
+                <a:buClr>
+                  <a:srgbClr val="FF9900"/>
+                </a:buClr>
+                <a:buSzPct val="80000"/>
+                <a:buFont typeface="Wingdings" pitchFamily="2" charset="2"/>
+                <a:buChar char="§"/>
+                <a:defRPr sz="1400">
+                  <a:solidFill>
+                    <a:schemeClr val="tx1"/>
+                  </a:solidFill>
+                  <a:latin typeface="+mn-lt"/>
+                </a:defRPr>
+              </a:lvl9pPr>
+            </a:lstStyle>
+            <a:p>
+              <a:r>
+                <a:rPr lang="zh-TW" altLang="en-US" sz="1600" kern="0" dirty="0" smtClean="0">
+                  <a:latin typeface="微軟正黑體" panose="020B0604030504040204" pitchFamily="34" charset="-120"/>
+                </a:rPr>
+                <a:t>中央新</a:t>
+              </a:r>
+              <a:r>
+                <a:rPr lang="zh-TW" altLang="en-US" sz="1600" kern="0" dirty="0">
+                  <a:latin typeface="微軟正黑體" panose="020B0604030504040204" pitchFamily="34" charset="-120"/>
+                </a:rPr>
+                <a:t>村</a:t>
+              </a:r>
+              <a:r>
+                <a:rPr lang="zh-TW" altLang="en-US" sz="1600" kern="0" dirty="0" smtClean="0">
+                  <a:latin typeface="微軟正黑體" panose="020B0604030504040204" pitchFamily="34" charset="-120"/>
+                </a:rPr>
+                <a:t> </a:t>
+              </a:r>
+              <a:r>
+                <a:rPr lang="en-US" altLang="zh-TW" sz="1600" kern="0" dirty="0" smtClean="0">
+                  <a:latin typeface="微軟正黑體" panose="020B0604030504040204" pitchFamily="34" charset="-120"/>
+                </a:rPr>
+                <a:t>&amp;</a:t>
+              </a:r>
+              <a:r>
+                <a:rPr lang="zh-TW" altLang="en-US" sz="1600" kern="0" dirty="0" smtClean="0">
+                  <a:latin typeface="微軟正黑體" panose="020B0604030504040204" pitchFamily="34" charset="-120"/>
+                </a:rPr>
+                <a:t> 湯泉</a:t>
+              </a:r>
+              <a:endParaRPr lang="en-US" altLang="zh-TW" sz="1600" kern="0" dirty="0" smtClean="0">
+                <a:latin typeface="微軟正黑體" panose="020B0604030504040204" pitchFamily="34" charset="-120"/>
+              </a:endParaRPr>
+            </a:p>
+            <a:p>
+              <a:pPr marL="0" indent="0">
+                <a:buNone/>
+              </a:pPr>
+              <a:r>
+                <a:rPr lang="zh-TW" altLang="en-US" sz="1400" kern="0" dirty="0">
+                  <a:latin typeface="微軟正黑體" panose="020B0604030504040204" pitchFamily="34" charset="-120"/>
+                </a:rPr>
+                <a:t>中央新村是以前的國代特區</a:t>
+              </a:r>
+              <a:r>
+                <a:rPr lang="zh-TW" altLang="en-US" sz="1400" kern="0" dirty="0" smtClean="0">
+                  <a:latin typeface="微軟正黑體" panose="020B0604030504040204" pitchFamily="34" charset="-120"/>
+                </a:rPr>
+                <a:t>，以透</a:t>
+              </a:r>
+              <a:r>
+                <a:rPr lang="zh-TW" altLang="en-US" sz="1400" kern="0" dirty="0">
+                  <a:latin typeface="微軟正黑體" panose="020B0604030504040204" pitchFamily="34" charset="-120"/>
+                </a:rPr>
+                <a:t>天別墅，新建案為小型</a:t>
+              </a:r>
+              <a:r>
+                <a:rPr lang="zh-TW" altLang="en-US" sz="1400" kern="0" dirty="0" smtClean="0">
+                  <a:latin typeface="微軟正黑體" panose="020B0604030504040204" pitchFamily="34" charset="-120"/>
+                </a:rPr>
+                <a:t>華廈</a:t>
+              </a:r>
+              <a:endParaRPr lang="en-US" altLang="zh-TW" sz="1400" kern="0" dirty="0" smtClean="0">
+                <a:latin typeface="微軟正黑體" panose="020B0604030504040204" pitchFamily="34" charset="-120"/>
+              </a:endParaRPr>
+            </a:p>
+            <a:p>
+              <a:pPr marL="0" indent="0">
+                <a:buNone/>
+              </a:pPr>
+              <a:r>
+                <a:rPr lang="zh-TW" altLang="en-US" sz="1400" kern="0" dirty="0" smtClean="0">
+                  <a:latin typeface="微軟正黑體" panose="020B0604030504040204" pitchFamily="34" charset="-120"/>
+                </a:rPr>
+                <a:t>湯泉美地則是很多來自</a:t>
+              </a:r>
+              <a:r>
+                <a:rPr lang="zh-TW" altLang="en-US" sz="1400" kern="0" dirty="0">
+                  <a:latin typeface="微軟正黑體" panose="020B0604030504040204" pitchFamily="34" charset="-120"/>
+                </a:rPr>
+                <a:t>北市、台商及退休</a:t>
+              </a:r>
+              <a:r>
+                <a:rPr lang="zh-TW" altLang="en-US" sz="1400" kern="0" dirty="0" smtClean="0">
+                  <a:latin typeface="微軟正黑體" panose="020B0604030504040204" pitchFamily="34" charset="-120"/>
+                </a:rPr>
+                <a:t>將領溝屋，鄰近河畔</a:t>
+              </a:r>
+              <a:endParaRPr lang="zh-TW" altLang="en-US" sz="1400" kern="0" dirty="0">
+                <a:latin typeface="微軟正黑體" panose="020B0604030504040204" pitchFamily="34" charset="-120"/>
+              </a:endParaRPr>
+            </a:p>
+          </p:txBody>
+        </p:sp>
+        <p:cxnSp>
+          <p:nvCxnSpPr>
+            <p:cNvPr id="24" name="直線單箭頭接點 23"/>
+            <p:cNvCxnSpPr>
+              <a:stCxn id="23" idx="0"/>
+            </p:cNvCxnSpPr>
+            <p:nvPr/>
+          </p:nvCxnSpPr>
+          <p:spPr bwMode="auto">
+            <a:xfrm flipV="1">
+              <a:off x="8287067" y="700472"/>
+              <a:ext cx="763685" cy="918098"/>
+            </a:xfrm>
+            <a:prstGeom prst="straightConnector1">
+              <a:avLst/>
+            </a:prstGeom>
+            <a:grpFill/>
+            <a:ln w="38100" cap="flat" cmpd="sng" algn="ctr">
+              <a:solidFill>
+                <a:schemeClr val="tx1"/>
+              </a:solidFill>
+              <a:prstDash val="solid"/>
+              <a:round/>
+              <a:headEnd type="none" w="med" len="med"/>
+              <a:tailEnd type="arrow" w="med" len="med"/>
+            </a:ln>
+            <a:effectLst/>
+          </p:spPr>
+        </p:cxnSp>
+      </p:grpSp>
+      <p:pic>
+        <p:nvPicPr>
+          <p:cNvPr id="28" name="圖片 27"/>
+          <p:cNvPicPr>
+            <a:picLocks noChangeAspect="1"/>
+          </p:cNvPicPr>
+          <p:nvPr/>
+        </p:nvPicPr>
+        <p:blipFill>
+          <a:blip r:embed="rId4"/>
+          <a:stretch>
+            <a:fillRect/>
+          </a:stretch>
+        </p:blipFill>
+        <p:spPr>
+          <a:xfrm>
+            <a:off x="4006629" y="5933669"/>
+            <a:ext cx="2650772" cy="301224"/>
           </a:xfrm>
           <a:prstGeom prst="rect">
             <a:avLst/>
@@ -11056,6 +15437,14 @@
               <a:rPr lang="zh-TW" altLang="en-US" dirty="0" smtClean="0"/>
               <a:t>新店郊區</a:t>
             </a:r>
+            <a:r>
+              <a:rPr lang="zh-TW" altLang="en-US" dirty="0"/>
+              <a:t>──村里</a:t>
+            </a:r>
+            <a:r>
+              <a:rPr lang="zh-TW" altLang="en-US" dirty="0" smtClean="0"/>
+              <a:t>收入</a:t>
+            </a:r>
             <a:endParaRPr lang="zh-TW" altLang="en-US" dirty="0"/>
           </a:p>
         </p:txBody>
@@ -11075,7 +15464,7 @@
           <a:bodyPr/>
           <a:lstStyle/>
           <a:p>
-            <a:endParaRPr lang="zh-TW" altLang="en-US"/>
+            <a:endParaRPr lang="zh-TW" altLang="en-US" dirty="0"/>
           </a:p>
         </p:txBody>
       </p:sp>
@@ -11119,8 +15508,8 @@
         </p:blipFill>
         <p:spPr>
           <a:xfrm>
-            <a:off x="2401084" y="1849004"/>
-            <a:ext cx="4333092" cy="4320887"/>
+            <a:off x="2113869" y="1525373"/>
+            <a:ext cx="4916262" cy="4902414"/>
           </a:xfrm>
           <a:prstGeom prst="rect">
             <a:avLst/>
@@ -11129,74 +15518,13 @@
       </p:pic>
       <p:sp>
         <p:nvSpPr>
-          <p:cNvPr id="6" name="橢圓 5"/>
-          <p:cNvSpPr/>
-          <p:nvPr/>
-        </p:nvSpPr>
-        <p:spPr bwMode="auto">
-          <a:xfrm>
-            <a:off x="4572000" y="1849004"/>
-            <a:ext cx="2059709" cy="1753178"/>
-          </a:xfrm>
-          <a:prstGeom prst="ellipse">
-            <a:avLst/>
-          </a:prstGeom>
-          <a:noFill/>
-          <a:ln w="38100" cap="flat" cmpd="sng" algn="ctr">
-            <a:solidFill>
-              <a:srgbClr val="FF0000"/>
-            </a:solidFill>
-            <a:prstDash val="solid"/>
-            <a:round/>
-            <a:headEnd type="none" w="med" len="med"/>
-            <a:tailEnd type="none" w="med" len="med"/>
-          </a:ln>
-          <a:effectLst/>
-        </p:spPr>
-        <p:txBody>
-          <a:bodyPr vert="horz" wrap="square" lIns="91440" tIns="45720" rIns="91440" bIns="45720" numCol="1" rtlCol="0" anchor="ctr" anchorCtr="0" compatLnSpc="1">
-            <a:prstTxWarp prst="textNoShape">
-              <a:avLst/>
-            </a:prstTxWarp>
-          </a:bodyPr>
-          <a:lstStyle/>
-          <a:p>
-            <a:pPr marL="0" marR="0" indent="0" algn="ctr" defTabSz="914400" rtl="0" eaLnBrk="0" fontAlgn="base" latinLnBrk="0" hangingPunct="0">
-              <a:lnSpc>
-                <a:spcPct val="100000"/>
-              </a:lnSpc>
-              <a:spcBef>
-                <a:spcPct val="0"/>
-              </a:spcBef>
-              <a:spcAft>
-                <a:spcPct val="0"/>
-              </a:spcAft>
-              <a:buClrTx/>
-              <a:buSzTx/>
-              <a:buFontTx/>
-              <a:buNone/>
-              <a:tabLst/>
-            </a:pPr>
-            <a:endParaRPr kumimoji="0" lang="zh-TW" altLang="en-US" sz="1400" b="1" i="0" u="none" strike="noStrike" cap="none" normalizeH="0" baseline="0" dirty="0" smtClean="0">
-              <a:ln>
-                <a:noFill/>
-              </a:ln>
-              <a:effectLst/>
-              <a:latin typeface="Calibri" pitchFamily="34" charset="0"/>
-              <a:ea typeface="微軟正黑體" pitchFamily="34" charset="-120"/>
-            </a:endParaRPr>
-          </a:p>
-        </p:txBody>
-      </p:sp>
-      <p:sp>
-        <p:nvSpPr>
           <p:cNvPr id="7" name="橢圓 6"/>
           <p:cNvSpPr/>
           <p:nvPr/>
         </p:nvSpPr>
         <p:spPr bwMode="auto">
           <a:xfrm>
-            <a:off x="4978400" y="5006108"/>
+            <a:off x="4964576" y="5164406"/>
             <a:ext cx="1450109" cy="1163783"/>
           </a:xfrm>
           <a:prstGeom prst="ellipse">
@@ -11249,6 +15577,1360 @@
           </a:p>
         </p:txBody>
       </p:sp>
+      <p:grpSp>
+        <p:nvGrpSpPr>
+          <p:cNvPr id="8" name="群組 7"/>
+          <p:cNvGrpSpPr/>
+          <p:nvPr/>
+        </p:nvGrpSpPr>
+        <p:grpSpPr>
+          <a:xfrm>
+            <a:off x="5689631" y="1176134"/>
+            <a:ext cx="3454369" cy="1806552"/>
+            <a:chOff x="6075997" y="1618570"/>
+            <a:chExt cx="3454369" cy="2443006"/>
+          </a:xfrm>
+          <a:solidFill>
+            <a:schemeClr val="bg1"/>
+          </a:solidFill>
+        </p:grpSpPr>
+        <p:sp>
+          <p:nvSpPr>
+            <p:cNvPr id="9" name="內容版面配置區 1"/>
+            <p:cNvSpPr txBox="1">
+              <a:spLocks/>
+            </p:cNvSpPr>
+            <p:nvPr/>
+          </p:nvSpPr>
+          <p:spPr bwMode="auto">
+            <a:xfrm>
+              <a:off x="7043767" y="1618570"/>
+              <a:ext cx="2486599" cy="2443006"/>
+            </a:xfrm>
+            <a:prstGeom prst="rect">
+              <a:avLst/>
+            </a:prstGeom>
+            <a:grpFill/>
+            <a:ln w="38100">
+              <a:solidFill>
+                <a:schemeClr val="tx1"/>
+              </a:solidFill>
+              <a:miter lim="800000"/>
+              <a:headEnd/>
+              <a:tailEnd/>
+            </a:ln>
+            <a:effectLst/>
+          </p:spPr>
+          <p:txBody>
+            <a:bodyPr vert="horz" wrap="square" lIns="91440" tIns="45720" rIns="91440" bIns="45720" numCol="1" anchor="t" anchorCtr="0" compatLnSpc="1">
+              <a:prstTxWarp prst="textNoShape">
+                <a:avLst/>
+              </a:prstTxWarp>
+            </a:bodyPr>
+            <a:lstStyle>
+              <a:lvl1pPr marL="342900" indent="-342900" algn="l" rtl="0" fontAlgn="base">
+                <a:lnSpc>
+                  <a:spcPct val="120000"/>
+                </a:lnSpc>
+                <a:spcBef>
+                  <a:spcPts val="648"/>
+                </a:spcBef>
+                <a:spcAft>
+                  <a:spcPts val="0"/>
+                </a:spcAft>
+                <a:buClrTx/>
+                <a:buSzPct val="75000"/>
+                <a:buFont typeface="Wingdings" pitchFamily="2" charset="2"/>
+                <a:buChar char="p"/>
+                <a:defRPr lang="zh-TW" altLang="en-US" sz="2000" b="1" dirty="0" smtClean="0">
+                  <a:solidFill>
+                    <a:schemeClr val="tx1">
+                      <a:lumMod val="75000"/>
+                      <a:lumOff val="25000"/>
+                    </a:schemeClr>
+                  </a:solidFill>
+                  <a:latin typeface="Calibri" panose="020F0502020204030204" pitchFamily="34" charset="0"/>
+                  <a:ea typeface="微軟正黑體" panose="020B0604030504040204" pitchFamily="34" charset="-120"/>
+                  <a:cs typeface="+mn-cs"/>
+                </a:defRPr>
+              </a:lvl1pPr>
+              <a:lvl2pPr marL="742950" indent="-285750" algn="l" rtl="0" fontAlgn="base">
+                <a:lnSpc>
+                  <a:spcPct val="120000"/>
+                </a:lnSpc>
+                <a:spcBef>
+                  <a:spcPts val="648"/>
+                </a:spcBef>
+                <a:spcAft>
+                  <a:spcPts val="0"/>
+                </a:spcAft>
+                <a:buClrTx/>
+                <a:buSzPct val="75000"/>
+                <a:buFont typeface="Wingdings" pitchFamily="2" charset="2"/>
+                <a:buChar char="n"/>
+                <a:defRPr lang="zh-TW" altLang="en-US" sz="2000" b="1" dirty="0" smtClean="0">
+                  <a:solidFill>
+                    <a:schemeClr val="tx1">
+                      <a:lumMod val="75000"/>
+                      <a:lumOff val="25000"/>
+                    </a:schemeClr>
+                  </a:solidFill>
+                  <a:latin typeface="Calibri" panose="020F0502020204030204" pitchFamily="34" charset="0"/>
+                  <a:ea typeface="微軟正黑體" panose="020B0604030504040204" pitchFamily="34" charset="-120"/>
+                  <a:cs typeface="+mn-cs"/>
+                </a:defRPr>
+              </a:lvl2pPr>
+              <a:lvl3pPr marL="1143000" indent="-228600" algn="l" rtl="0" fontAlgn="base">
+                <a:lnSpc>
+                  <a:spcPct val="120000"/>
+                </a:lnSpc>
+                <a:spcBef>
+                  <a:spcPts val="648"/>
+                </a:spcBef>
+                <a:spcAft>
+                  <a:spcPts val="0"/>
+                </a:spcAft>
+                <a:buClrTx/>
+                <a:buSzPct val="75000"/>
+                <a:buFont typeface="Wingdings" pitchFamily="2" charset="2"/>
+                <a:buChar char="p"/>
+                <a:defRPr lang="zh-TW" altLang="en-US" sz="2000" b="1" dirty="0" smtClean="0">
+                  <a:solidFill>
+                    <a:schemeClr val="tx1">
+                      <a:lumMod val="75000"/>
+                      <a:lumOff val="25000"/>
+                    </a:schemeClr>
+                  </a:solidFill>
+                  <a:latin typeface="Calibri" panose="020F0502020204030204" pitchFamily="34" charset="0"/>
+                  <a:ea typeface="微軟正黑體" panose="020B0604030504040204" pitchFamily="34" charset="-120"/>
+                  <a:cs typeface="+mn-cs"/>
+                </a:defRPr>
+              </a:lvl3pPr>
+              <a:lvl4pPr marL="1600200" indent="-228600" algn="l" rtl="0" fontAlgn="base">
+                <a:lnSpc>
+                  <a:spcPct val="110000"/>
+                </a:lnSpc>
+                <a:spcBef>
+                  <a:spcPct val="30000"/>
+                </a:spcBef>
+                <a:spcAft>
+                  <a:spcPct val="0"/>
+                </a:spcAft>
+                <a:buClr>
+                  <a:schemeClr val="tx1">
+                    <a:lumMod val="75000"/>
+                    <a:lumOff val="25000"/>
+                  </a:schemeClr>
+                </a:buClr>
+                <a:buFont typeface="Wingdings" pitchFamily="2" charset="2"/>
+                <a:buChar char="§"/>
+                <a:defRPr sz="1800" b="1">
+                  <a:solidFill>
+                    <a:schemeClr val="tx1">
+                      <a:lumMod val="75000"/>
+                      <a:lumOff val="25000"/>
+                    </a:schemeClr>
+                  </a:solidFill>
+                  <a:latin typeface="Calibri" panose="020F0502020204030204" pitchFamily="34" charset="0"/>
+                  <a:ea typeface="微軟正黑體" panose="020B0604030504040204" pitchFamily="34" charset="-120"/>
+                </a:defRPr>
+              </a:lvl4pPr>
+              <a:lvl5pPr marL="2057400" indent="-228600" algn="l" rtl="0" fontAlgn="base">
+                <a:lnSpc>
+                  <a:spcPct val="110000"/>
+                </a:lnSpc>
+                <a:spcBef>
+                  <a:spcPct val="30000"/>
+                </a:spcBef>
+                <a:spcAft>
+                  <a:spcPct val="0"/>
+                </a:spcAft>
+                <a:buClr>
+                  <a:schemeClr val="tx1">
+                    <a:lumMod val="75000"/>
+                    <a:lumOff val="25000"/>
+                  </a:schemeClr>
+                </a:buClr>
+                <a:buSzPct val="80000"/>
+                <a:buFont typeface="Wingdings" pitchFamily="2" charset="2"/>
+                <a:buChar char="§"/>
+                <a:defRPr sz="1800" b="1">
+                  <a:solidFill>
+                    <a:schemeClr val="tx1">
+                      <a:lumMod val="75000"/>
+                      <a:lumOff val="25000"/>
+                    </a:schemeClr>
+                  </a:solidFill>
+                  <a:latin typeface="Calibri" panose="020F0502020204030204" pitchFamily="34" charset="0"/>
+                  <a:ea typeface="微軟正黑體" panose="020B0604030504040204" pitchFamily="34" charset="-120"/>
+                </a:defRPr>
+              </a:lvl5pPr>
+              <a:lvl6pPr marL="2514600" indent="-228600" algn="l" rtl="0" fontAlgn="base">
+                <a:spcBef>
+                  <a:spcPct val="30000"/>
+                </a:spcBef>
+                <a:spcAft>
+                  <a:spcPct val="0"/>
+                </a:spcAft>
+                <a:buClr>
+                  <a:srgbClr val="FF9900"/>
+                </a:buClr>
+                <a:buSzPct val="80000"/>
+                <a:buFont typeface="Wingdings" pitchFamily="2" charset="2"/>
+                <a:buChar char="§"/>
+                <a:defRPr sz="1400">
+                  <a:solidFill>
+                    <a:schemeClr val="tx1"/>
+                  </a:solidFill>
+                  <a:latin typeface="+mn-lt"/>
+                </a:defRPr>
+              </a:lvl6pPr>
+              <a:lvl7pPr marL="2971800" indent="-228600" algn="l" rtl="0" fontAlgn="base">
+                <a:spcBef>
+                  <a:spcPct val="30000"/>
+                </a:spcBef>
+                <a:spcAft>
+                  <a:spcPct val="0"/>
+                </a:spcAft>
+                <a:buClr>
+                  <a:srgbClr val="FF9900"/>
+                </a:buClr>
+                <a:buSzPct val="80000"/>
+                <a:buFont typeface="Wingdings" pitchFamily="2" charset="2"/>
+                <a:buChar char="§"/>
+                <a:defRPr sz="1400">
+                  <a:solidFill>
+                    <a:schemeClr val="tx1"/>
+                  </a:solidFill>
+                  <a:latin typeface="+mn-lt"/>
+                </a:defRPr>
+              </a:lvl7pPr>
+              <a:lvl8pPr marL="3429000" indent="-228600" algn="l" rtl="0" fontAlgn="base">
+                <a:spcBef>
+                  <a:spcPct val="30000"/>
+                </a:spcBef>
+                <a:spcAft>
+                  <a:spcPct val="0"/>
+                </a:spcAft>
+                <a:buClr>
+                  <a:srgbClr val="FF9900"/>
+                </a:buClr>
+                <a:buSzPct val="80000"/>
+                <a:buFont typeface="Wingdings" pitchFamily="2" charset="2"/>
+                <a:buChar char="§"/>
+                <a:defRPr sz="1400">
+                  <a:solidFill>
+                    <a:schemeClr val="tx1"/>
+                  </a:solidFill>
+                  <a:latin typeface="+mn-lt"/>
+                </a:defRPr>
+              </a:lvl8pPr>
+              <a:lvl9pPr marL="3886200" indent="-228600" algn="l" rtl="0" fontAlgn="base">
+                <a:spcBef>
+                  <a:spcPct val="30000"/>
+                </a:spcBef>
+                <a:spcAft>
+                  <a:spcPct val="0"/>
+                </a:spcAft>
+                <a:buClr>
+                  <a:srgbClr val="FF9900"/>
+                </a:buClr>
+                <a:buSzPct val="80000"/>
+                <a:buFont typeface="Wingdings" pitchFamily="2" charset="2"/>
+                <a:buChar char="§"/>
+                <a:defRPr sz="1400">
+                  <a:solidFill>
+                    <a:schemeClr val="tx1"/>
+                  </a:solidFill>
+                  <a:latin typeface="+mn-lt"/>
+                </a:defRPr>
+              </a:lvl9pPr>
+            </a:lstStyle>
+            <a:p>
+              <a:r>
+                <a:rPr lang="zh-TW" altLang="en-US" sz="1600" kern="0" dirty="0" smtClean="0">
+                  <a:latin typeface="微軟正黑體" panose="020B0604030504040204" pitchFamily="34" charset="-120"/>
+                </a:rPr>
+                <a:t>安坑市區</a:t>
+              </a:r>
+              <a:endParaRPr lang="en-US" altLang="zh-TW" sz="1600" kern="0" dirty="0" smtClean="0">
+                <a:latin typeface="微軟正黑體" panose="020B0604030504040204" pitchFamily="34" charset="-120"/>
+              </a:endParaRPr>
+            </a:p>
+            <a:p>
+              <a:pPr marL="0" indent="0">
+                <a:buNone/>
+              </a:pPr>
+              <a:r>
+                <a:rPr lang="zh-TW" altLang="en-US" sz="1400" kern="0" dirty="0" smtClean="0">
+                  <a:latin typeface="微軟正黑體" panose="020B0604030504040204" pitchFamily="34" charset="-120"/>
+                </a:rPr>
+                <a:t>公崙里：年平均收入</a:t>
+              </a:r>
+              <a:r>
+                <a:rPr lang="en-US" altLang="zh-TW" sz="1400" kern="0" dirty="0" smtClean="0">
+                  <a:latin typeface="微軟正黑體" panose="020B0604030504040204" pitchFamily="34" charset="-120"/>
+                </a:rPr>
+                <a:t>92</a:t>
+              </a:r>
+              <a:r>
+                <a:rPr lang="zh-TW" altLang="en-US" sz="1400" kern="0" dirty="0" smtClean="0">
+                  <a:latin typeface="微軟正黑體" panose="020B0604030504040204" pitchFamily="34" charset="-120"/>
+                </a:rPr>
+                <a:t>萬</a:t>
+              </a:r>
+              <a:endParaRPr lang="en-US" altLang="zh-TW" sz="1400" kern="0" dirty="0" smtClean="0">
+                <a:latin typeface="微軟正黑體" panose="020B0604030504040204" pitchFamily="34" charset="-120"/>
+              </a:endParaRPr>
+            </a:p>
+            <a:p>
+              <a:pPr marL="0" indent="0">
+                <a:buNone/>
+              </a:pPr>
+              <a:r>
+                <a:rPr lang="zh-TW" altLang="en-US" sz="1400" kern="0" dirty="0" smtClean="0">
+                  <a:latin typeface="微軟正黑體" panose="020B0604030504040204" pitchFamily="34" charset="-120"/>
+                </a:rPr>
+                <a:t>安</a:t>
+              </a:r>
+              <a:r>
+                <a:rPr lang="zh-TW" altLang="en-US" sz="1400" kern="0" dirty="0">
+                  <a:latin typeface="微軟正黑體" panose="020B0604030504040204" pitchFamily="34" charset="-120"/>
+                </a:rPr>
+                <a:t>昌</a:t>
+              </a:r>
+              <a:r>
+                <a:rPr lang="zh-TW" altLang="en-US" sz="1400" kern="0" dirty="0" smtClean="0">
+                  <a:latin typeface="微軟正黑體" panose="020B0604030504040204" pitchFamily="34" charset="-120"/>
+                </a:rPr>
+                <a:t>里</a:t>
+              </a:r>
+              <a:r>
+                <a:rPr lang="zh-TW" altLang="en-US" sz="1400" kern="0" dirty="0">
+                  <a:latin typeface="微軟正黑體" panose="020B0604030504040204" pitchFamily="34" charset="-120"/>
+                </a:rPr>
+                <a:t>：年平均收入</a:t>
+              </a:r>
+              <a:r>
+                <a:rPr lang="en-US" altLang="zh-TW" sz="1400" kern="0" dirty="0" smtClean="0">
+                  <a:latin typeface="微軟正黑體" panose="020B0604030504040204" pitchFamily="34" charset="-120"/>
+                </a:rPr>
+                <a:t>90</a:t>
+              </a:r>
+              <a:r>
+                <a:rPr lang="zh-TW" altLang="en-US" sz="1400" kern="0" dirty="0" smtClean="0">
+                  <a:latin typeface="微軟正黑體" panose="020B0604030504040204" pitchFamily="34" charset="-120"/>
+                </a:rPr>
+                <a:t>萬</a:t>
+              </a:r>
+              <a:endParaRPr lang="en-US" altLang="zh-TW" sz="1400" kern="0" dirty="0" smtClean="0">
+                <a:latin typeface="微軟正黑體" panose="020B0604030504040204" pitchFamily="34" charset="-120"/>
+              </a:endParaRPr>
+            </a:p>
+            <a:p>
+              <a:pPr marL="0" indent="0">
+                <a:buNone/>
+              </a:pPr>
+              <a:r>
+                <a:rPr lang="zh-TW" altLang="en-US" sz="1400" kern="0" dirty="0" smtClean="0">
+                  <a:latin typeface="微軟正黑體" panose="020B0604030504040204" pitchFamily="34" charset="-120"/>
+                </a:rPr>
+                <a:t>德</a:t>
+              </a:r>
+              <a:r>
+                <a:rPr lang="zh-TW" altLang="en-US" sz="1400" kern="0" dirty="0">
+                  <a:latin typeface="微軟正黑體" panose="020B0604030504040204" pitchFamily="34" charset="-120"/>
+                </a:rPr>
+                <a:t>安</a:t>
+              </a:r>
+              <a:r>
+                <a:rPr lang="zh-TW" altLang="en-US" sz="1400" kern="0" dirty="0" smtClean="0">
+                  <a:latin typeface="微軟正黑體" panose="020B0604030504040204" pitchFamily="34" charset="-120"/>
+                </a:rPr>
+                <a:t>里</a:t>
+              </a:r>
+              <a:r>
+                <a:rPr lang="zh-TW" altLang="en-US" sz="1400" kern="0" dirty="0">
+                  <a:latin typeface="微軟正黑體" panose="020B0604030504040204" pitchFamily="34" charset="-120"/>
+                </a:rPr>
+                <a:t>：年平均</a:t>
+              </a:r>
+              <a:r>
+                <a:rPr lang="zh-TW" altLang="en-US" sz="1400" kern="0" dirty="0" smtClean="0">
+                  <a:latin typeface="微軟正黑體" panose="020B0604030504040204" pitchFamily="34" charset="-120"/>
+                </a:rPr>
+                <a:t>收入</a:t>
+              </a:r>
+              <a:r>
+                <a:rPr lang="en-US" altLang="zh-TW" sz="1400" kern="0" dirty="0" smtClean="0">
+                  <a:latin typeface="微軟正黑體" panose="020B0604030504040204" pitchFamily="34" charset="-120"/>
+                </a:rPr>
+                <a:t>79</a:t>
+              </a:r>
+              <a:r>
+                <a:rPr lang="zh-TW" altLang="en-US" sz="1400" kern="0" dirty="0" smtClean="0">
+                  <a:latin typeface="微軟正黑體" panose="020B0604030504040204" pitchFamily="34" charset="-120"/>
+                </a:rPr>
+                <a:t>萬</a:t>
+              </a:r>
+              <a:endParaRPr lang="zh-TW" altLang="en-US" sz="1400" kern="0" dirty="0">
+                <a:latin typeface="微軟正黑體" panose="020B0604030504040204" pitchFamily="34" charset="-120"/>
+              </a:endParaRPr>
+            </a:p>
+            <a:p>
+              <a:pPr marL="0" indent="0">
+                <a:buNone/>
+              </a:pPr>
+              <a:endParaRPr lang="zh-TW" altLang="en-US" sz="1400" kern="0" dirty="0">
+                <a:latin typeface="微軟正黑體" panose="020B0604030504040204" pitchFamily="34" charset="-120"/>
+              </a:endParaRPr>
+            </a:p>
+          </p:txBody>
+        </p:sp>
+        <p:cxnSp>
+          <p:nvCxnSpPr>
+            <p:cNvPr id="10" name="直線單箭頭接點 9"/>
+            <p:cNvCxnSpPr>
+              <a:stCxn id="9" idx="1"/>
+            </p:cNvCxnSpPr>
+            <p:nvPr/>
+          </p:nvCxnSpPr>
+          <p:spPr bwMode="auto">
+            <a:xfrm flipH="1">
+              <a:off x="6075997" y="2840073"/>
+              <a:ext cx="967770" cy="836915"/>
+            </a:xfrm>
+            <a:prstGeom prst="straightConnector1">
+              <a:avLst/>
+            </a:prstGeom>
+            <a:grpFill/>
+            <a:ln w="38100" cap="flat" cmpd="sng" algn="ctr">
+              <a:solidFill>
+                <a:schemeClr val="tx1"/>
+              </a:solidFill>
+              <a:prstDash val="solid"/>
+              <a:round/>
+              <a:headEnd type="none" w="med" len="med"/>
+              <a:tailEnd type="arrow" w="med" len="med"/>
+            </a:ln>
+            <a:effectLst/>
+          </p:spPr>
+        </p:cxnSp>
+      </p:grpSp>
+      <p:grpSp>
+        <p:nvGrpSpPr>
+          <p:cNvPr id="12" name="群組 11"/>
+          <p:cNvGrpSpPr/>
+          <p:nvPr/>
+        </p:nvGrpSpPr>
+        <p:grpSpPr>
+          <a:xfrm>
+            <a:off x="647513" y="1872820"/>
+            <a:ext cx="3140716" cy="2153999"/>
+            <a:chOff x="7043767" y="1618570"/>
+            <a:chExt cx="3140716" cy="2912860"/>
+          </a:xfrm>
+          <a:solidFill>
+            <a:schemeClr val="bg1"/>
+          </a:solidFill>
+        </p:grpSpPr>
+        <p:sp>
+          <p:nvSpPr>
+            <p:cNvPr id="13" name="內容版面配置區 1"/>
+            <p:cNvSpPr txBox="1">
+              <a:spLocks/>
+            </p:cNvSpPr>
+            <p:nvPr/>
+          </p:nvSpPr>
+          <p:spPr bwMode="auto">
+            <a:xfrm>
+              <a:off x="7043767" y="1618570"/>
+              <a:ext cx="2486599" cy="2472447"/>
+            </a:xfrm>
+            <a:prstGeom prst="rect">
+              <a:avLst/>
+            </a:prstGeom>
+            <a:grpFill/>
+            <a:ln w="38100">
+              <a:solidFill>
+                <a:schemeClr val="tx1"/>
+              </a:solidFill>
+              <a:miter lim="800000"/>
+              <a:headEnd/>
+              <a:tailEnd/>
+            </a:ln>
+            <a:effectLst/>
+          </p:spPr>
+          <p:txBody>
+            <a:bodyPr vert="horz" wrap="square" lIns="91440" tIns="45720" rIns="91440" bIns="45720" numCol="1" anchor="t" anchorCtr="0" compatLnSpc="1">
+              <a:prstTxWarp prst="textNoShape">
+                <a:avLst/>
+              </a:prstTxWarp>
+            </a:bodyPr>
+            <a:lstStyle>
+              <a:lvl1pPr marL="342900" indent="-342900" algn="l" rtl="0" fontAlgn="base">
+                <a:lnSpc>
+                  <a:spcPct val="120000"/>
+                </a:lnSpc>
+                <a:spcBef>
+                  <a:spcPts val="648"/>
+                </a:spcBef>
+                <a:spcAft>
+                  <a:spcPts val="0"/>
+                </a:spcAft>
+                <a:buClrTx/>
+                <a:buSzPct val="75000"/>
+                <a:buFont typeface="Wingdings" pitchFamily="2" charset="2"/>
+                <a:buChar char="p"/>
+                <a:defRPr lang="zh-TW" altLang="en-US" sz="2000" b="1" dirty="0" smtClean="0">
+                  <a:solidFill>
+                    <a:schemeClr val="tx1">
+                      <a:lumMod val="75000"/>
+                      <a:lumOff val="25000"/>
+                    </a:schemeClr>
+                  </a:solidFill>
+                  <a:latin typeface="Calibri" panose="020F0502020204030204" pitchFamily="34" charset="0"/>
+                  <a:ea typeface="微軟正黑體" panose="020B0604030504040204" pitchFamily="34" charset="-120"/>
+                  <a:cs typeface="+mn-cs"/>
+                </a:defRPr>
+              </a:lvl1pPr>
+              <a:lvl2pPr marL="742950" indent="-285750" algn="l" rtl="0" fontAlgn="base">
+                <a:lnSpc>
+                  <a:spcPct val="120000"/>
+                </a:lnSpc>
+                <a:spcBef>
+                  <a:spcPts val="648"/>
+                </a:spcBef>
+                <a:spcAft>
+                  <a:spcPts val="0"/>
+                </a:spcAft>
+                <a:buClrTx/>
+                <a:buSzPct val="75000"/>
+                <a:buFont typeface="Wingdings" pitchFamily="2" charset="2"/>
+                <a:buChar char="n"/>
+                <a:defRPr lang="zh-TW" altLang="en-US" sz="2000" b="1" dirty="0" smtClean="0">
+                  <a:solidFill>
+                    <a:schemeClr val="tx1">
+                      <a:lumMod val="75000"/>
+                      <a:lumOff val="25000"/>
+                    </a:schemeClr>
+                  </a:solidFill>
+                  <a:latin typeface="Calibri" panose="020F0502020204030204" pitchFamily="34" charset="0"/>
+                  <a:ea typeface="微軟正黑體" panose="020B0604030504040204" pitchFamily="34" charset="-120"/>
+                  <a:cs typeface="+mn-cs"/>
+                </a:defRPr>
+              </a:lvl2pPr>
+              <a:lvl3pPr marL="1143000" indent="-228600" algn="l" rtl="0" fontAlgn="base">
+                <a:lnSpc>
+                  <a:spcPct val="120000"/>
+                </a:lnSpc>
+                <a:spcBef>
+                  <a:spcPts val="648"/>
+                </a:spcBef>
+                <a:spcAft>
+                  <a:spcPts val="0"/>
+                </a:spcAft>
+                <a:buClrTx/>
+                <a:buSzPct val="75000"/>
+                <a:buFont typeface="Wingdings" pitchFamily="2" charset="2"/>
+                <a:buChar char="p"/>
+                <a:defRPr lang="zh-TW" altLang="en-US" sz="2000" b="1" dirty="0" smtClean="0">
+                  <a:solidFill>
+                    <a:schemeClr val="tx1">
+                      <a:lumMod val="75000"/>
+                      <a:lumOff val="25000"/>
+                    </a:schemeClr>
+                  </a:solidFill>
+                  <a:latin typeface="Calibri" panose="020F0502020204030204" pitchFamily="34" charset="0"/>
+                  <a:ea typeface="微軟正黑體" panose="020B0604030504040204" pitchFamily="34" charset="-120"/>
+                  <a:cs typeface="+mn-cs"/>
+                </a:defRPr>
+              </a:lvl3pPr>
+              <a:lvl4pPr marL="1600200" indent="-228600" algn="l" rtl="0" fontAlgn="base">
+                <a:lnSpc>
+                  <a:spcPct val="110000"/>
+                </a:lnSpc>
+                <a:spcBef>
+                  <a:spcPct val="30000"/>
+                </a:spcBef>
+                <a:spcAft>
+                  <a:spcPct val="0"/>
+                </a:spcAft>
+                <a:buClr>
+                  <a:schemeClr val="tx1">
+                    <a:lumMod val="75000"/>
+                    <a:lumOff val="25000"/>
+                  </a:schemeClr>
+                </a:buClr>
+                <a:buFont typeface="Wingdings" pitchFamily="2" charset="2"/>
+                <a:buChar char="§"/>
+                <a:defRPr sz="1800" b="1">
+                  <a:solidFill>
+                    <a:schemeClr val="tx1">
+                      <a:lumMod val="75000"/>
+                      <a:lumOff val="25000"/>
+                    </a:schemeClr>
+                  </a:solidFill>
+                  <a:latin typeface="Calibri" panose="020F0502020204030204" pitchFamily="34" charset="0"/>
+                  <a:ea typeface="微軟正黑體" panose="020B0604030504040204" pitchFamily="34" charset="-120"/>
+                </a:defRPr>
+              </a:lvl4pPr>
+              <a:lvl5pPr marL="2057400" indent="-228600" algn="l" rtl="0" fontAlgn="base">
+                <a:lnSpc>
+                  <a:spcPct val="110000"/>
+                </a:lnSpc>
+                <a:spcBef>
+                  <a:spcPct val="30000"/>
+                </a:spcBef>
+                <a:spcAft>
+                  <a:spcPct val="0"/>
+                </a:spcAft>
+                <a:buClr>
+                  <a:schemeClr val="tx1">
+                    <a:lumMod val="75000"/>
+                    <a:lumOff val="25000"/>
+                  </a:schemeClr>
+                </a:buClr>
+                <a:buSzPct val="80000"/>
+                <a:buFont typeface="Wingdings" pitchFamily="2" charset="2"/>
+                <a:buChar char="§"/>
+                <a:defRPr sz="1800" b="1">
+                  <a:solidFill>
+                    <a:schemeClr val="tx1">
+                      <a:lumMod val="75000"/>
+                      <a:lumOff val="25000"/>
+                    </a:schemeClr>
+                  </a:solidFill>
+                  <a:latin typeface="Calibri" panose="020F0502020204030204" pitchFamily="34" charset="0"/>
+                  <a:ea typeface="微軟正黑體" panose="020B0604030504040204" pitchFamily="34" charset="-120"/>
+                </a:defRPr>
+              </a:lvl5pPr>
+              <a:lvl6pPr marL="2514600" indent="-228600" algn="l" rtl="0" fontAlgn="base">
+                <a:spcBef>
+                  <a:spcPct val="30000"/>
+                </a:spcBef>
+                <a:spcAft>
+                  <a:spcPct val="0"/>
+                </a:spcAft>
+                <a:buClr>
+                  <a:srgbClr val="FF9900"/>
+                </a:buClr>
+                <a:buSzPct val="80000"/>
+                <a:buFont typeface="Wingdings" pitchFamily="2" charset="2"/>
+                <a:buChar char="§"/>
+                <a:defRPr sz="1400">
+                  <a:solidFill>
+                    <a:schemeClr val="tx1"/>
+                  </a:solidFill>
+                  <a:latin typeface="+mn-lt"/>
+                </a:defRPr>
+              </a:lvl6pPr>
+              <a:lvl7pPr marL="2971800" indent="-228600" algn="l" rtl="0" fontAlgn="base">
+                <a:spcBef>
+                  <a:spcPct val="30000"/>
+                </a:spcBef>
+                <a:spcAft>
+                  <a:spcPct val="0"/>
+                </a:spcAft>
+                <a:buClr>
+                  <a:srgbClr val="FF9900"/>
+                </a:buClr>
+                <a:buSzPct val="80000"/>
+                <a:buFont typeface="Wingdings" pitchFamily="2" charset="2"/>
+                <a:buChar char="§"/>
+                <a:defRPr sz="1400">
+                  <a:solidFill>
+                    <a:schemeClr val="tx1"/>
+                  </a:solidFill>
+                  <a:latin typeface="+mn-lt"/>
+                </a:defRPr>
+              </a:lvl7pPr>
+              <a:lvl8pPr marL="3429000" indent="-228600" algn="l" rtl="0" fontAlgn="base">
+                <a:spcBef>
+                  <a:spcPct val="30000"/>
+                </a:spcBef>
+                <a:spcAft>
+                  <a:spcPct val="0"/>
+                </a:spcAft>
+                <a:buClr>
+                  <a:srgbClr val="FF9900"/>
+                </a:buClr>
+                <a:buSzPct val="80000"/>
+                <a:buFont typeface="Wingdings" pitchFamily="2" charset="2"/>
+                <a:buChar char="§"/>
+                <a:defRPr sz="1400">
+                  <a:solidFill>
+                    <a:schemeClr val="tx1"/>
+                  </a:solidFill>
+                  <a:latin typeface="+mn-lt"/>
+                </a:defRPr>
+              </a:lvl8pPr>
+              <a:lvl9pPr marL="3886200" indent="-228600" algn="l" rtl="0" fontAlgn="base">
+                <a:spcBef>
+                  <a:spcPct val="30000"/>
+                </a:spcBef>
+                <a:spcAft>
+                  <a:spcPct val="0"/>
+                </a:spcAft>
+                <a:buClr>
+                  <a:srgbClr val="FF9900"/>
+                </a:buClr>
+                <a:buSzPct val="80000"/>
+                <a:buFont typeface="Wingdings" pitchFamily="2" charset="2"/>
+                <a:buChar char="§"/>
+                <a:defRPr sz="1400">
+                  <a:solidFill>
+                    <a:schemeClr val="tx1"/>
+                  </a:solidFill>
+                  <a:latin typeface="+mn-lt"/>
+                </a:defRPr>
+              </a:lvl9pPr>
+            </a:lstStyle>
+            <a:p>
+              <a:r>
+                <a:rPr lang="zh-TW" altLang="en-US" sz="1600" kern="0" dirty="0" smtClean="0">
+                  <a:latin typeface="微軟正黑體" panose="020B0604030504040204" pitchFamily="34" charset="-120"/>
+                </a:rPr>
+                <a:t>玫瑰</a:t>
+              </a:r>
+              <a:r>
+                <a:rPr lang="zh-TW" altLang="en-US" sz="1600" kern="0" dirty="0">
+                  <a:latin typeface="微軟正黑體" panose="020B0604030504040204" pitchFamily="34" charset="-120"/>
+                </a:rPr>
+                <a:t>城</a:t>
+              </a:r>
+              <a:endParaRPr lang="en-US" altLang="zh-TW" sz="1600" kern="0" dirty="0" smtClean="0">
+                <a:latin typeface="微軟正黑體" panose="020B0604030504040204" pitchFamily="34" charset="-120"/>
+              </a:endParaRPr>
+            </a:p>
+            <a:p>
+              <a:pPr marL="0" indent="0">
+                <a:buNone/>
+              </a:pPr>
+              <a:r>
+                <a:rPr lang="zh-TW" altLang="en-US" sz="1400" kern="0" dirty="0">
+                  <a:latin typeface="微軟正黑體" panose="020B0604030504040204" pitchFamily="34" charset="-120"/>
+                </a:rPr>
+                <a:t>玫瑰</a:t>
+              </a:r>
+              <a:r>
+                <a:rPr lang="zh-TW" altLang="en-US" sz="1400" kern="0" dirty="0" smtClean="0">
+                  <a:latin typeface="微軟正黑體" panose="020B0604030504040204" pitchFamily="34" charset="-120"/>
+                </a:rPr>
+                <a:t>里：年平均收入</a:t>
+              </a:r>
+              <a:r>
+                <a:rPr lang="en-US" altLang="zh-TW" sz="1400" kern="0" dirty="0" smtClean="0">
+                  <a:latin typeface="微軟正黑體" panose="020B0604030504040204" pitchFamily="34" charset="-120"/>
+                </a:rPr>
+                <a:t>73</a:t>
+              </a:r>
+              <a:r>
+                <a:rPr lang="zh-TW" altLang="en-US" sz="1400" kern="0" dirty="0" smtClean="0">
+                  <a:latin typeface="微軟正黑體" panose="020B0604030504040204" pitchFamily="34" charset="-120"/>
+                </a:rPr>
+                <a:t>萬</a:t>
+              </a:r>
+              <a:endParaRPr lang="en-US" altLang="zh-TW" sz="1400" kern="0" dirty="0" smtClean="0">
+                <a:latin typeface="微軟正黑體" panose="020B0604030504040204" pitchFamily="34" charset="-120"/>
+              </a:endParaRPr>
+            </a:p>
+            <a:p>
+              <a:pPr marL="0" indent="0">
+                <a:buNone/>
+              </a:pPr>
+              <a:r>
+                <a:rPr lang="zh-TW" altLang="en-US" sz="1400" kern="0" dirty="0">
+                  <a:latin typeface="微軟正黑體" panose="020B0604030504040204" pitchFamily="34" charset="-120"/>
+                </a:rPr>
+                <a:t>吉祥</a:t>
+              </a:r>
+              <a:r>
+                <a:rPr lang="zh-TW" altLang="en-US" sz="1400" kern="0" dirty="0" smtClean="0">
+                  <a:latin typeface="微軟正黑體" panose="020B0604030504040204" pitchFamily="34" charset="-120"/>
+                </a:rPr>
+                <a:t>里</a:t>
+              </a:r>
+              <a:r>
+                <a:rPr lang="zh-TW" altLang="en-US" sz="1400" kern="0" dirty="0">
+                  <a:latin typeface="微軟正黑體" panose="020B0604030504040204" pitchFamily="34" charset="-120"/>
+                </a:rPr>
+                <a:t>：年平均收入</a:t>
+              </a:r>
+              <a:r>
+                <a:rPr lang="en-US" altLang="zh-TW" sz="1400" kern="0" dirty="0" smtClean="0">
+                  <a:latin typeface="微軟正黑體" panose="020B0604030504040204" pitchFamily="34" charset="-120"/>
+                </a:rPr>
+                <a:t>91</a:t>
+              </a:r>
+              <a:r>
+                <a:rPr lang="zh-TW" altLang="en-US" sz="1400" kern="0" dirty="0" smtClean="0">
+                  <a:latin typeface="微軟正黑體" panose="020B0604030504040204" pitchFamily="34" charset="-120"/>
+                </a:rPr>
+                <a:t>萬</a:t>
+              </a:r>
+              <a:endParaRPr lang="en-US" altLang="zh-TW" sz="1400" kern="0" dirty="0" smtClean="0">
+                <a:latin typeface="微軟正黑體" panose="020B0604030504040204" pitchFamily="34" charset="-120"/>
+              </a:endParaRPr>
+            </a:p>
+            <a:p>
+              <a:pPr marL="0" indent="0">
+                <a:buNone/>
+              </a:pPr>
+              <a:r>
+                <a:rPr lang="zh-TW" altLang="en-US" sz="1400" kern="0" dirty="0" smtClean="0">
+                  <a:latin typeface="微軟正黑體" panose="020B0604030504040204" pitchFamily="34" charset="-120"/>
+                </a:rPr>
+                <a:t>小</a:t>
+              </a:r>
+              <a:r>
+                <a:rPr lang="zh-TW" altLang="en-US" sz="1400" kern="0" dirty="0">
+                  <a:latin typeface="微軟正黑體" panose="020B0604030504040204" pitchFamily="34" charset="-120"/>
+                </a:rPr>
+                <a:t>城</a:t>
+              </a:r>
+              <a:r>
+                <a:rPr lang="zh-TW" altLang="en-US" sz="1400" kern="0" dirty="0" smtClean="0">
+                  <a:latin typeface="微軟正黑體" panose="020B0604030504040204" pitchFamily="34" charset="-120"/>
+                </a:rPr>
+                <a:t>里</a:t>
+              </a:r>
+              <a:r>
+                <a:rPr lang="zh-TW" altLang="en-US" sz="1400" kern="0" dirty="0">
+                  <a:latin typeface="微軟正黑體" panose="020B0604030504040204" pitchFamily="34" charset="-120"/>
+                </a:rPr>
+                <a:t>：年平均</a:t>
+              </a:r>
+              <a:r>
+                <a:rPr lang="zh-TW" altLang="en-US" sz="1400" kern="0" dirty="0" smtClean="0">
+                  <a:latin typeface="微軟正黑體" panose="020B0604030504040204" pitchFamily="34" charset="-120"/>
+                </a:rPr>
+                <a:t>收入</a:t>
+              </a:r>
+              <a:r>
+                <a:rPr lang="en-US" altLang="zh-TW" sz="1400" kern="0" dirty="0" smtClean="0">
+                  <a:latin typeface="微軟正黑體" panose="020B0604030504040204" pitchFamily="34" charset="-120"/>
+                </a:rPr>
+                <a:t>101</a:t>
+              </a:r>
+              <a:r>
+                <a:rPr lang="zh-TW" altLang="en-US" sz="1400" kern="0" dirty="0" smtClean="0">
+                  <a:latin typeface="微軟正黑體" panose="020B0604030504040204" pitchFamily="34" charset="-120"/>
+                </a:rPr>
+                <a:t>萬</a:t>
+              </a:r>
+              <a:endParaRPr lang="en-US" altLang="zh-TW" sz="1400" kern="0" dirty="0" smtClean="0">
+                <a:latin typeface="微軟正黑體" panose="020B0604030504040204" pitchFamily="34" charset="-120"/>
+              </a:endParaRPr>
+            </a:p>
+            <a:p>
+              <a:pPr marL="0" indent="0">
+                <a:buNone/>
+              </a:pPr>
+              <a:r>
+                <a:rPr lang="zh-TW" altLang="en-US" sz="1400" kern="0" dirty="0" smtClean="0">
+                  <a:latin typeface="微軟正黑體" panose="020B0604030504040204" pitchFamily="34" charset="-120"/>
+                </a:rPr>
+                <a:t>達</a:t>
+              </a:r>
+              <a:r>
+                <a:rPr lang="zh-TW" altLang="en-US" sz="1400" kern="0" dirty="0">
+                  <a:latin typeface="微軟正黑體" panose="020B0604030504040204" pitchFamily="34" charset="-120"/>
+                </a:rPr>
+                <a:t>觀</a:t>
+              </a:r>
+              <a:r>
+                <a:rPr lang="zh-TW" altLang="en-US" sz="1400" kern="0" dirty="0" smtClean="0">
+                  <a:latin typeface="微軟正黑體" panose="020B0604030504040204" pitchFamily="34" charset="-120"/>
+                </a:rPr>
+                <a:t>里</a:t>
+              </a:r>
+              <a:r>
+                <a:rPr lang="zh-TW" altLang="en-US" sz="1400" kern="0" dirty="0">
+                  <a:latin typeface="微軟正黑體" panose="020B0604030504040204" pitchFamily="34" charset="-120"/>
+                </a:rPr>
+                <a:t>：年平均</a:t>
+              </a:r>
+              <a:r>
+                <a:rPr lang="zh-TW" altLang="en-US" sz="1400" kern="0" dirty="0" smtClean="0">
+                  <a:latin typeface="微軟正黑體" panose="020B0604030504040204" pitchFamily="34" charset="-120"/>
+                </a:rPr>
+                <a:t>收入</a:t>
+              </a:r>
+              <a:r>
+                <a:rPr lang="en-US" altLang="zh-TW" sz="1400" kern="0" dirty="0" smtClean="0">
+                  <a:latin typeface="微軟正黑體" panose="020B0604030504040204" pitchFamily="34" charset="-120"/>
+                </a:rPr>
+                <a:t>98</a:t>
+              </a:r>
+              <a:r>
+                <a:rPr lang="zh-TW" altLang="en-US" sz="1400" kern="0" dirty="0" smtClean="0">
+                  <a:latin typeface="微軟正黑體" panose="020B0604030504040204" pitchFamily="34" charset="-120"/>
+                </a:rPr>
+                <a:t>萬</a:t>
+              </a:r>
+              <a:endParaRPr lang="en-US" altLang="zh-TW" sz="1400" kern="0" dirty="0">
+                <a:latin typeface="微軟正黑體" panose="020B0604030504040204" pitchFamily="34" charset="-120"/>
+              </a:endParaRPr>
+            </a:p>
+            <a:p>
+              <a:pPr marL="0" indent="0">
+                <a:buNone/>
+              </a:pPr>
+              <a:endParaRPr lang="zh-TW" altLang="en-US" sz="1400" kern="0" dirty="0">
+                <a:latin typeface="微軟正黑體" panose="020B0604030504040204" pitchFamily="34" charset="-120"/>
+              </a:endParaRPr>
+            </a:p>
+            <a:p>
+              <a:pPr marL="0" indent="0">
+                <a:buNone/>
+              </a:pPr>
+              <a:endParaRPr lang="zh-TW" altLang="en-US" sz="1400" kern="0" dirty="0">
+                <a:latin typeface="微軟正黑體" panose="020B0604030504040204" pitchFamily="34" charset="-120"/>
+              </a:endParaRPr>
+            </a:p>
+          </p:txBody>
+        </p:sp>
+        <p:cxnSp>
+          <p:nvCxnSpPr>
+            <p:cNvPr id="14" name="直線單箭頭接點 13"/>
+            <p:cNvCxnSpPr>
+              <a:stCxn id="13" idx="3"/>
+            </p:cNvCxnSpPr>
+            <p:nvPr/>
+          </p:nvCxnSpPr>
+          <p:spPr bwMode="auto">
+            <a:xfrm>
+              <a:off x="9530366" y="2854794"/>
+              <a:ext cx="654117" cy="1676636"/>
+            </a:xfrm>
+            <a:prstGeom prst="straightConnector1">
+              <a:avLst/>
+            </a:prstGeom>
+            <a:grpFill/>
+            <a:ln w="38100" cap="flat" cmpd="sng" algn="ctr">
+              <a:solidFill>
+                <a:schemeClr val="tx1"/>
+              </a:solidFill>
+              <a:prstDash val="solid"/>
+              <a:round/>
+              <a:headEnd type="none" w="med" len="med"/>
+              <a:tailEnd type="arrow" w="med" len="med"/>
+            </a:ln>
+            <a:effectLst/>
+          </p:spPr>
+        </p:cxnSp>
+      </p:grpSp>
+      <p:grpSp>
+        <p:nvGrpSpPr>
+          <p:cNvPr id="19" name="群組 18"/>
+          <p:cNvGrpSpPr/>
+          <p:nvPr/>
+        </p:nvGrpSpPr>
+        <p:grpSpPr>
+          <a:xfrm>
+            <a:off x="5689630" y="3758452"/>
+            <a:ext cx="3461657" cy="2032747"/>
+            <a:chOff x="5945369" y="3125892"/>
+            <a:chExt cx="3461657" cy="2748890"/>
+          </a:xfrm>
+          <a:solidFill>
+            <a:schemeClr val="bg1"/>
+          </a:solidFill>
+        </p:grpSpPr>
+        <p:sp>
+          <p:nvSpPr>
+            <p:cNvPr id="20" name="內容版面配置區 1"/>
+            <p:cNvSpPr txBox="1">
+              <a:spLocks/>
+            </p:cNvSpPr>
+            <p:nvPr/>
+          </p:nvSpPr>
+          <p:spPr bwMode="auto">
+            <a:xfrm>
+              <a:off x="6920427" y="3125892"/>
+              <a:ext cx="2486599" cy="2748890"/>
+            </a:xfrm>
+            <a:prstGeom prst="rect">
+              <a:avLst/>
+            </a:prstGeom>
+            <a:grpFill/>
+            <a:ln w="38100">
+              <a:solidFill>
+                <a:schemeClr val="tx1"/>
+              </a:solidFill>
+              <a:miter lim="800000"/>
+              <a:headEnd/>
+              <a:tailEnd/>
+            </a:ln>
+            <a:effectLst/>
+          </p:spPr>
+          <p:txBody>
+            <a:bodyPr vert="horz" wrap="square" lIns="91440" tIns="45720" rIns="91440" bIns="45720" numCol="1" anchor="t" anchorCtr="0" compatLnSpc="1">
+              <a:prstTxWarp prst="textNoShape">
+                <a:avLst/>
+              </a:prstTxWarp>
+            </a:bodyPr>
+            <a:lstStyle>
+              <a:lvl1pPr marL="342900" indent="-342900" algn="l" rtl="0" fontAlgn="base">
+                <a:lnSpc>
+                  <a:spcPct val="120000"/>
+                </a:lnSpc>
+                <a:spcBef>
+                  <a:spcPts val="648"/>
+                </a:spcBef>
+                <a:spcAft>
+                  <a:spcPts val="0"/>
+                </a:spcAft>
+                <a:buClrTx/>
+                <a:buSzPct val="75000"/>
+                <a:buFont typeface="Wingdings" pitchFamily="2" charset="2"/>
+                <a:buChar char="p"/>
+                <a:defRPr lang="zh-TW" altLang="en-US" sz="2000" b="1" dirty="0" smtClean="0">
+                  <a:solidFill>
+                    <a:schemeClr val="tx1">
+                      <a:lumMod val="75000"/>
+                      <a:lumOff val="25000"/>
+                    </a:schemeClr>
+                  </a:solidFill>
+                  <a:latin typeface="Calibri" panose="020F0502020204030204" pitchFamily="34" charset="0"/>
+                  <a:ea typeface="微軟正黑體" panose="020B0604030504040204" pitchFamily="34" charset="-120"/>
+                  <a:cs typeface="+mn-cs"/>
+                </a:defRPr>
+              </a:lvl1pPr>
+              <a:lvl2pPr marL="742950" indent="-285750" algn="l" rtl="0" fontAlgn="base">
+                <a:lnSpc>
+                  <a:spcPct val="120000"/>
+                </a:lnSpc>
+                <a:spcBef>
+                  <a:spcPts val="648"/>
+                </a:spcBef>
+                <a:spcAft>
+                  <a:spcPts val="0"/>
+                </a:spcAft>
+                <a:buClrTx/>
+                <a:buSzPct val="75000"/>
+                <a:buFont typeface="Wingdings" pitchFamily="2" charset="2"/>
+                <a:buChar char="n"/>
+                <a:defRPr lang="zh-TW" altLang="en-US" sz="2000" b="1" dirty="0" smtClean="0">
+                  <a:solidFill>
+                    <a:schemeClr val="tx1">
+                      <a:lumMod val="75000"/>
+                      <a:lumOff val="25000"/>
+                    </a:schemeClr>
+                  </a:solidFill>
+                  <a:latin typeface="Calibri" panose="020F0502020204030204" pitchFamily="34" charset="0"/>
+                  <a:ea typeface="微軟正黑體" panose="020B0604030504040204" pitchFamily="34" charset="-120"/>
+                  <a:cs typeface="+mn-cs"/>
+                </a:defRPr>
+              </a:lvl2pPr>
+              <a:lvl3pPr marL="1143000" indent="-228600" algn="l" rtl="0" fontAlgn="base">
+                <a:lnSpc>
+                  <a:spcPct val="120000"/>
+                </a:lnSpc>
+                <a:spcBef>
+                  <a:spcPts val="648"/>
+                </a:spcBef>
+                <a:spcAft>
+                  <a:spcPts val="0"/>
+                </a:spcAft>
+                <a:buClrTx/>
+                <a:buSzPct val="75000"/>
+                <a:buFont typeface="Wingdings" pitchFamily="2" charset="2"/>
+                <a:buChar char="p"/>
+                <a:defRPr lang="zh-TW" altLang="en-US" sz="2000" b="1" dirty="0" smtClean="0">
+                  <a:solidFill>
+                    <a:schemeClr val="tx1">
+                      <a:lumMod val="75000"/>
+                      <a:lumOff val="25000"/>
+                    </a:schemeClr>
+                  </a:solidFill>
+                  <a:latin typeface="Calibri" panose="020F0502020204030204" pitchFamily="34" charset="0"/>
+                  <a:ea typeface="微軟正黑體" panose="020B0604030504040204" pitchFamily="34" charset="-120"/>
+                  <a:cs typeface="+mn-cs"/>
+                </a:defRPr>
+              </a:lvl3pPr>
+              <a:lvl4pPr marL="1600200" indent="-228600" algn="l" rtl="0" fontAlgn="base">
+                <a:lnSpc>
+                  <a:spcPct val="110000"/>
+                </a:lnSpc>
+                <a:spcBef>
+                  <a:spcPct val="30000"/>
+                </a:spcBef>
+                <a:spcAft>
+                  <a:spcPct val="0"/>
+                </a:spcAft>
+                <a:buClr>
+                  <a:schemeClr val="tx1">
+                    <a:lumMod val="75000"/>
+                    <a:lumOff val="25000"/>
+                  </a:schemeClr>
+                </a:buClr>
+                <a:buFont typeface="Wingdings" pitchFamily="2" charset="2"/>
+                <a:buChar char="§"/>
+                <a:defRPr sz="1800" b="1">
+                  <a:solidFill>
+                    <a:schemeClr val="tx1">
+                      <a:lumMod val="75000"/>
+                      <a:lumOff val="25000"/>
+                    </a:schemeClr>
+                  </a:solidFill>
+                  <a:latin typeface="Calibri" panose="020F0502020204030204" pitchFamily="34" charset="0"/>
+                  <a:ea typeface="微軟正黑體" panose="020B0604030504040204" pitchFamily="34" charset="-120"/>
+                </a:defRPr>
+              </a:lvl4pPr>
+              <a:lvl5pPr marL="2057400" indent="-228600" algn="l" rtl="0" fontAlgn="base">
+                <a:lnSpc>
+                  <a:spcPct val="110000"/>
+                </a:lnSpc>
+                <a:spcBef>
+                  <a:spcPct val="30000"/>
+                </a:spcBef>
+                <a:spcAft>
+                  <a:spcPct val="0"/>
+                </a:spcAft>
+                <a:buClr>
+                  <a:schemeClr val="tx1">
+                    <a:lumMod val="75000"/>
+                    <a:lumOff val="25000"/>
+                  </a:schemeClr>
+                </a:buClr>
+                <a:buSzPct val="80000"/>
+                <a:buFont typeface="Wingdings" pitchFamily="2" charset="2"/>
+                <a:buChar char="§"/>
+                <a:defRPr sz="1800" b="1">
+                  <a:solidFill>
+                    <a:schemeClr val="tx1">
+                      <a:lumMod val="75000"/>
+                      <a:lumOff val="25000"/>
+                    </a:schemeClr>
+                  </a:solidFill>
+                  <a:latin typeface="Calibri" panose="020F0502020204030204" pitchFamily="34" charset="0"/>
+                  <a:ea typeface="微軟正黑體" panose="020B0604030504040204" pitchFamily="34" charset="-120"/>
+                </a:defRPr>
+              </a:lvl5pPr>
+              <a:lvl6pPr marL="2514600" indent="-228600" algn="l" rtl="0" fontAlgn="base">
+                <a:spcBef>
+                  <a:spcPct val="30000"/>
+                </a:spcBef>
+                <a:spcAft>
+                  <a:spcPct val="0"/>
+                </a:spcAft>
+                <a:buClr>
+                  <a:srgbClr val="FF9900"/>
+                </a:buClr>
+                <a:buSzPct val="80000"/>
+                <a:buFont typeface="Wingdings" pitchFamily="2" charset="2"/>
+                <a:buChar char="§"/>
+                <a:defRPr sz="1400">
+                  <a:solidFill>
+                    <a:schemeClr val="tx1"/>
+                  </a:solidFill>
+                  <a:latin typeface="+mn-lt"/>
+                </a:defRPr>
+              </a:lvl6pPr>
+              <a:lvl7pPr marL="2971800" indent="-228600" algn="l" rtl="0" fontAlgn="base">
+                <a:spcBef>
+                  <a:spcPct val="30000"/>
+                </a:spcBef>
+                <a:spcAft>
+                  <a:spcPct val="0"/>
+                </a:spcAft>
+                <a:buClr>
+                  <a:srgbClr val="FF9900"/>
+                </a:buClr>
+                <a:buSzPct val="80000"/>
+                <a:buFont typeface="Wingdings" pitchFamily="2" charset="2"/>
+                <a:buChar char="§"/>
+                <a:defRPr sz="1400">
+                  <a:solidFill>
+                    <a:schemeClr val="tx1"/>
+                  </a:solidFill>
+                  <a:latin typeface="+mn-lt"/>
+                </a:defRPr>
+              </a:lvl7pPr>
+              <a:lvl8pPr marL="3429000" indent="-228600" algn="l" rtl="0" fontAlgn="base">
+                <a:spcBef>
+                  <a:spcPct val="30000"/>
+                </a:spcBef>
+                <a:spcAft>
+                  <a:spcPct val="0"/>
+                </a:spcAft>
+                <a:buClr>
+                  <a:srgbClr val="FF9900"/>
+                </a:buClr>
+                <a:buSzPct val="80000"/>
+                <a:buFont typeface="Wingdings" pitchFamily="2" charset="2"/>
+                <a:buChar char="§"/>
+                <a:defRPr sz="1400">
+                  <a:solidFill>
+                    <a:schemeClr val="tx1"/>
+                  </a:solidFill>
+                  <a:latin typeface="+mn-lt"/>
+                </a:defRPr>
+              </a:lvl8pPr>
+              <a:lvl9pPr marL="3886200" indent="-228600" algn="l" rtl="0" fontAlgn="base">
+                <a:spcBef>
+                  <a:spcPct val="30000"/>
+                </a:spcBef>
+                <a:spcAft>
+                  <a:spcPct val="0"/>
+                </a:spcAft>
+                <a:buClr>
+                  <a:srgbClr val="FF9900"/>
+                </a:buClr>
+                <a:buSzPct val="80000"/>
+                <a:buFont typeface="Wingdings" pitchFamily="2" charset="2"/>
+                <a:buChar char="§"/>
+                <a:defRPr sz="1400">
+                  <a:solidFill>
+                    <a:schemeClr val="tx1"/>
+                  </a:solidFill>
+                  <a:latin typeface="+mn-lt"/>
+                </a:defRPr>
+              </a:lvl9pPr>
+            </a:lstStyle>
+            <a:p>
+              <a:r>
+                <a:rPr lang="zh-TW" altLang="en-US" sz="1600" kern="0" dirty="0" smtClean="0">
+                  <a:latin typeface="微軟正黑體" panose="020B0604030504040204" pitchFamily="34" charset="-120"/>
+                </a:rPr>
+                <a:t>華</a:t>
+              </a:r>
+              <a:r>
+                <a:rPr lang="zh-TW" altLang="en-US" sz="1600" kern="0" dirty="0">
+                  <a:latin typeface="微軟正黑體" panose="020B0604030504040204" pitchFamily="34" charset="-120"/>
+                </a:rPr>
+                <a:t>城</a:t>
+              </a:r>
+              <a:endParaRPr lang="en-US" altLang="zh-TW" sz="1600" kern="0" dirty="0" smtClean="0">
+                <a:latin typeface="微軟正黑體" panose="020B0604030504040204" pitchFamily="34" charset="-120"/>
+              </a:endParaRPr>
+            </a:p>
+            <a:p>
+              <a:pPr marL="0" indent="0">
+                <a:buNone/>
+              </a:pPr>
+              <a:r>
+                <a:rPr lang="zh-TW" altLang="en-US" sz="1400" kern="0" dirty="0" smtClean="0">
+                  <a:latin typeface="微軟正黑體" panose="020B0604030504040204" pitchFamily="34" charset="-120"/>
+                </a:rPr>
+                <a:t>華</a:t>
+              </a:r>
+              <a:r>
+                <a:rPr lang="zh-TW" altLang="en-US" sz="1400" kern="0" dirty="0">
+                  <a:latin typeface="微軟正黑體" panose="020B0604030504040204" pitchFamily="34" charset="-120"/>
+                </a:rPr>
+                <a:t>城</a:t>
+              </a:r>
+              <a:r>
+                <a:rPr lang="zh-TW" altLang="en-US" sz="1400" kern="0" dirty="0" smtClean="0">
+                  <a:latin typeface="微軟正黑體" panose="020B0604030504040204" pitchFamily="34" charset="-120"/>
+                </a:rPr>
+                <a:t>里：年平均收入</a:t>
+              </a:r>
+              <a:r>
+                <a:rPr lang="en-US" altLang="zh-TW" sz="1400" kern="0" dirty="0" smtClean="0">
+                  <a:latin typeface="微軟正黑體" panose="020B0604030504040204" pitchFamily="34" charset="-120"/>
+                </a:rPr>
+                <a:t>367</a:t>
+              </a:r>
+              <a:r>
+                <a:rPr lang="zh-TW" altLang="en-US" sz="1400" kern="0" dirty="0" smtClean="0">
+                  <a:latin typeface="微軟正黑體" panose="020B0604030504040204" pitchFamily="34" charset="-120"/>
+                </a:rPr>
+                <a:t>萬</a:t>
+              </a:r>
+              <a:endParaRPr lang="en-US" altLang="zh-TW" sz="1400" kern="0" dirty="0" smtClean="0">
+                <a:latin typeface="微軟正黑體" panose="020B0604030504040204" pitchFamily="34" charset="-120"/>
+              </a:endParaRPr>
+            </a:p>
+            <a:p>
+              <a:pPr marL="0" indent="0">
+                <a:buNone/>
+              </a:pPr>
+              <a:endParaRPr lang="en-US" altLang="zh-TW" sz="1400" kern="0" dirty="0">
+                <a:latin typeface="微軟正黑體" panose="020B0604030504040204" pitchFamily="34" charset="-120"/>
+              </a:endParaRPr>
+            </a:p>
+            <a:p>
+              <a:pPr marL="0" indent="0">
+                <a:buNone/>
+              </a:pPr>
+              <a:r>
+                <a:rPr lang="zh-TW" altLang="en-US" sz="1400" kern="0" dirty="0" smtClean="0">
+                  <a:latin typeface="微軟正黑體" panose="020B0604030504040204" pitchFamily="34" charset="-120"/>
+                </a:rPr>
+                <a:t>華城里下方為台北著名私立中學康橋中學，居住此地的居民年收入高</a:t>
+              </a:r>
+              <a:endParaRPr lang="en-US" altLang="zh-TW" sz="1400" kern="0" dirty="0" smtClean="0">
+                <a:latin typeface="微軟正黑體" panose="020B0604030504040204" pitchFamily="34" charset="-120"/>
+              </a:endParaRPr>
+            </a:p>
+            <a:p>
+              <a:pPr marL="0" indent="0">
+                <a:buNone/>
+              </a:pPr>
+              <a:endParaRPr lang="zh-TW" altLang="en-US" sz="1400" kern="0" dirty="0">
+                <a:latin typeface="微軟正黑體" panose="020B0604030504040204" pitchFamily="34" charset="-120"/>
+              </a:endParaRPr>
+            </a:p>
+          </p:txBody>
+        </p:sp>
+        <p:cxnSp>
+          <p:nvCxnSpPr>
+            <p:cNvPr id="21" name="直線單箭頭接點 20"/>
+            <p:cNvCxnSpPr>
+              <a:stCxn id="20" idx="1"/>
+            </p:cNvCxnSpPr>
+            <p:nvPr/>
+          </p:nvCxnSpPr>
+          <p:spPr bwMode="auto">
+            <a:xfrm flipH="1">
+              <a:off x="5945369" y="4500338"/>
+              <a:ext cx="975058" cy="911418"/>
+            </a:xfrm>
+            <a:prstGeom prst="straightConnector1">
+              <a:avLst/>
+            </a:prstGeom>
+            <a:grpFill/>
+            <a:ln w="38100" cap="flat" cmpd="sng" algn="ctr">
+              <a:solidFill>
+                <a:schemeClr val="tx1"/>
+              </a:solidFill>
+              <a:prstDash val="solid"/>
+              <a:round/>
+              <a:headEnd type="none" w="med" len="med"/>
+              <a:tailEnd type="arrow" w="med" len="med"/>
+            </a:ln>
+            <a:effectLst/>
+          </p:spPr>
+        </p:cxnSp>
+      </p:grpSp>
+      <p:pic>
+        <p:nvPicPr>
+          <p:cNvPr id="27" name="圖片 26"/>
+          <p:cNvPicPr>
+            <a:picLocks noChangeAspect="1"/>
+          </p:cNvPicPr>
+          <p:nvPr/>
+        </p:nvPicPr>
+        <p:blipFill>
+          <a:blip r:embed="rId3"/>
+          <a:stretch>
+            <a:fillRect/>
+          </a:stretch>
+        </p:blipFill>
+        <p:spPr>
+          <a:xfrm>
+            <a:off x="2063801" y="6138789"/>
+            <a:ext cx="2650772" cy="301224"/>
+          </a:xfrm>
+          <a:prstGeom prst="rect">
+            <a:avLst/>
+          </a:prstGeom>
+        </p:spPr>
+      </p:pic>
     </p:spTree>
     <p:extLst>
       <p:ext uri="{BB962C8B-B14F-4D97-AF65-F5344CB8AC3E}">
@@ -11270,6 +16952,304 @@
 </file>
 
 <file path=ppt/slides/slide17.xml><?xml version="1.0" encoding="utf-8"?>
+<p:sld xmlns:a="http://schemas.openxmlformats.org/drawingml/2006/main" xmlns:r="http://schemas.openxmlformats.org/officeDocument/2006/relationships" xmlns:p="http://schemas.openxmlformats.org/presentationml/2006/main">
+  <p:cSld>
+    <p:spTree>
+      <p:nvGrpSpPr>
+        <p:cNvPr id="1" name=""/>
+        <p:cNvGrpSpPr/>
+        <p:nvPr/>
+      </p:nvGrpSpPr>
+      <p:grpSpPr>
+        <a:xfrm>
+          <a:off x="0" y="0"/>
+          <a:ext cx="0" cy="0"/>
+          <a:chOff x="0" y="0"/>
+          <a:chExt cx="0" cy="0"/>
+        </a:xfrm>
+      </p:grpSpPr>
+      <p:sp>
+        <p:nvSpPr>
+          <p:cNvPr id="2" name="內容版面配置區 1"/>
+          <p:cNvSpPr>
+            <a:spLocks noGrp="1"/>
+          </p:cNvSpPr>
+          <p:nvPr>
+            <p:ph idx="1"/>
+          </p:nvPr>
+        </p:nvSpPr>
+        <p:spPr/>
+        <p:txBody>
+          <a:bodyPr/>
+          <a:lstStyle/>
+          <a:p>
+            <a:pPr>
+              <a:lnSpc>
+                <a:spcPct val="120000"/>
+              </a:lnSpc>
+              <a:spcBef>
+                <a:spcPts val="648"/>
+              </a:spcBef>
+              <a:spcAft>
+                <a:spcPts val="0"/>
+              </a:spcAft>
+              <a:buSzPct val="75000"/>
+              <a:buFont typeface="Wingdings" pitchFamily="2" charset="2"/>
+              <a:buChar char="p"/>
+            </a:pPr>
+            <a:r>
+              <a:rPr lang="zh-TW" altLang="en-US" sz="2400" b="1" dirty="0"/>
+              <a:t>結合經緯度與</a:t>
+            </a:r>
+            <a:r>
+              <a:rPr lang="en-US" altLang="zh-TW" sz="2400" b="1" dirty="0"/>
+              <a:t>GIS</a:t>
+            </a:r>
+            <a:r>
+              <a:rPr lang="zh-TW" altLang="en-US" sz="2400" b="1" dirty="0"/>
+              <a:t>分析，提許以下空間特徵：</a:t>
+            </a:r>
+            <a:endParaRPr lang="en-US" altLang="zh-TW" sz="2400" b="1" dirty="0"/>
+          </a:p>
+          <a:p>
+            <a:pPr marL="742950" lvl="2" indent="-342900">
+              <a:lnSpc>
+                <a:spcPct val="120000"/>
+              </a:lnSpc>
+              <a:spcBef>
+                <a:spcPts val="648"/>
+              </a:spcBef>
+              <a:spcAft>
+                <a:spcPts val="0"/>
+              </a:spcAft>
+              <a:buClrTx/>
+              <a:buFont typeface="Wingdings" pitchFamily="2" charset="2"/>
+              <a:buChar char="p"/>
+            </a:pPr>
+            <a:r>
+              <a:rPr lang="zh-TW" altLang="en-US" sz="2000" b="1" dirty="0">
+                <a:cs typeface="+mn-cs"/>
+              </a:rPr>
+              <a:t>捷運步行距離，根據人的心理感受，以</a:t>
+            </a:r>
+            <a:r>
+              <a:rPr lang="en-US" altLang="zh-TW" sz="2000" b="1" dirty="0">
+                <a:cs typeface="+mn-cs"/>
+              </a:rPr>
+              <a:t>0.5</a:t>
+            </a:r>
+            <a:r>
+              <a:rPr lang="zh-TW" altLang="en-US" sz="2000" b="1" dirty="0">
+                <a:cs typeface="+mn-cs"/>
+              </a:rPr>
+              <a:t>公里、</a:t>
+            </a:r>
+            <a:r>
+              <a:rPr lang="en-US" altLang="zh-TW" sz="2000" b="1" dirty="0">
+                <a:cs typeface="+mn-cs"/>
+              </a:rPr>
+              <a:t>1</a:t>
+            </a:r>
+            <a:r>
+              <a:rPr lang="zh-TW" altLang="en-US" sz="2000" b="1" dirty="0">
+                <a:cs typeface="+mn-cs"/>
+              </a:rPr>
+              <a:t>公里與</a:t>
+            </a:r>
+            <a:r>
+              <a:rPr lang="en-US" altLang="zh-TW" sz="2000" b="1" dirty="0">
+                <a:cs typeface="+mn-cs"/>
+              </a:rPr>
+              <a:t>2</a:t>
+            </a:r>
+            <a:r>
+              <a:rPr lang="zh-TW" altLang="en-US" sz="2000" b="1" dirty="0">
+                <a:cs typeface="+mn-cs"/>
+              </a:rPr>
+              <a:t>公里為間隔，代表人們對於「離捷運近」、「步行可至」與「步行最大距離」的界線</a:t>
+            </a:r>
+            <a:endParaRPr lang="en-US" altLang="zh-TW" sz="2000" b="1" dirty="0">
+              <a:cs typeface="+mn-cs"/>
+            </a:endParaRPr>
+          </a:p>
+          <a:p>
+            <a:pPr marL="742950" lvl="2" indent="-342900">
+              <a:lnSpc>
+                <a:spcPct val="120000"/>
+              </a:lnSpc>
+              <a:spcBef>
+                <a:spcPts val="648"/>
+              </a:spcBef>
+              <a:spcAft>
+                <a:spcPts val="0"/>
+              </a:spcAft>
+              <a:buClrTx/>
+              <a:buFont typeface="Wingdings" pitchFamily="2" charset="2"/>
+              <a:buChar char="p"/>
+            </a:pPr>
+            <a:r>
+              <a:rPr lang="zh-TW" altLang="en-US" sz="2000" b="1" dirty="0">
+                <a:cs typeface="+mn-cs"/>
+              </a:rPr>
+              <a:t>主要幹道結合了交通便利性、生活機能、商圈發展等的因素，在捷運步行距離外，為</a:t>
+            </a:r>
+            <a:r>
+              <a:rPr lang="zh-TW" altLang="en-US" sz="2000" b="1" dirty="0" smtClean="0">
+                <a:cs typeface="+mn-cs"/>
+              </a:rPr>
+              <a:t>市區分析提供另一種</a:t>
+            </a:r>
+            <a:r>
+              <a:rPr lang="zh-TW" altLang="en-US" sz="2000" b="1" dirty="0">
+                <a:cs typeface="+mn-cs"/>
+              </a:rPr>
+              <a:t>空間</a:t>
+            </a:r>
+            <a:r>
+              <a:rPr lang="zh-TW" altLang="en-US" sz="2000" b="1" dirty="0" smtClean="0">
+                <a:cs typeface="+mn-cs"/>
+              </a:rPr>
+              <a:t>指標</a:t>
+            </a:r>
+            <a:endParaRPr lang="en-US" altLang="zh-TW" sz="2000" b="1" dirty="0" smtClean="0">
+              <a:cs typeface="+mn-cs"/>
+            </a:endParaRPr>
+          </a:p>
+          <a:p>
+            <a:pPr marL="742950" lvl="2" indent="-342900">
+              <a:lnSpc>
+                <a:spcPct val="120000"/>
+              </a:lnSpc>
+              <a:spcBef>
+                <a:spcPts val="648"/>
+              </a:spcBef>
+              <a:spcAft>
+                <a:spcPts val="0"/>
+              </a:spcAft>
+              <a:buClrTx/>
+              <a:buFont typeface="Wingdings" pitchFamily="2" charset="2"/>
+              <a:buChar char="p"/>
+            </a:pPr>
+            <a:r>
+              <a:rPr lang="zh-TW" altLang="en-US" sz="2000" b="1" dirty="0">
+                <a:cs typeface="+mn-cs"/>
+              </a:rPr>
+              <a:t>考量地區發展，篩選出當時重要建</a:t>
+            </a:r>
+            <a:r>
+              <a:rPr lang="zh-TW" altLang="en-US" sz="2000" b="1" dirty="0" smtClean="0">
+                <a:cs typeface="+mn-cs"/>
+              </a:rPr>
+              <a:t>案與生活圈</a:t>
+            </a:r>
+            <a:endParaRPr lang="en-US" altLang="zh-TW" sz="2000" b="1" dirty="0" smtClean="0">
+              <a:cs typeface="+mn-cs"/>
+            </a:endParaRPr>
+          </a:p>
+          <a:p>
+            <a:pPr marL="742950" lvl="2" indent="-342900">
+              <a:lnSpc>
+                <a:spcPct val="120000"/>
+              </a:lnSpc>
+              <a:spcBef>
+                <a:spcPts val="648"/>
+              </a:spcBef>
+              <a:spcAft>
+                <a:spcPts val="0"/>
+              </a:spcAft>
+              <a:buClrTx/>
+              <a:buFont typeface="Wingdings" pitchFamily="2" charset="2"/>
+              <a:buChar char="p"/>
+            </a:pPr>
+            <a:r>
+              <a:rPr lang="zh-TW" altLang="en-US" sz="2000" b="1" dirty="0" smtClean="0">
+                <a:cs typeface="+mn-cs"/>
+              </a:rPr>
+              <a:t>各村里年所得有所差異，收入的差異會直接影響其購買能力，同時若以居住考量，同質性高者亦容易形成特定社區，進而影響房價</a:t>
+            </a:r>
+            <a:endParaRPr lang="en-US" altLang="zh-TW" sz="2000" b="1" dirty="0">
+              <a:cs typeface="+mn-cs"/>
+            </a:endParaRPr>
+          </a:p>
+          <a:p>
+            <a:endParaRPr lang="en-US" altLang="zh-TW" sz="2400" dirty="0"/>
+          </a:p>
+          <a:p>
+            <a:endParaRPr lang="en-US" altLang="zh-TW" sz="2400" dirty="0"/>
+          </a:p>
+          <a:p>
+            <a:endParaRPr lang="zh-TW" altLang="en-US" sz="2400" dirty="0"/>
+          </a:p>
+        </p:txBody>
+      </p:sp>
+      <p:sp>
+        <p:nvSpPr>
+          <p:cNvPr id="3" name="標題 2"/>
+          <p:cNvSpPr>
+            <a:spLocks noGrp="1"/>
+          </p:cNvSpPr>
+          <p:nvPr>
+            <p:ph type="title"/>
+          </p:nvPr>
+        </p:nvSpPr>
+        <p:spPr/>
+        <p:txBody>
+          <a:bodyPr/>
+          <a:lstStyle/>
+          <a:p>
+            <a:r>
+              <a:rPr lang="zh-TW" altLang="en-US" dirty="0" smtClean="0"/>
+              <a:t>小結</a:t>
+            </a:r>
+            <a:endParaRPr lang="zh-TW" altLang="en-US" dirty="0"/>
+          </a:p>
+        </p:txBody>
+      </p:sp>
+      <p:sp>
+        <p:nvSpPr>
+          <p:cNvPr id="4" name="投影片編號版面配置區 3"/>
+          <p:cNvSpPr>
+            <a:spLocks noGrp="1"/>
+          </p:cNvSpPr>
+          <p:nvPr>
+            <p:ph type="sldNum" sz="quarter" idx="4"/>
+          </p:nvPr>
+        </p:nvSpPr>
+        <p:spPr/>
+        <p:txBody>
+          <a:bodyPr/>
+          <a:lstStyle/>
+          <a:p>
+            <a:fld id="{31CFB70C-68FF-486D-858C-B44EB4793726}" type="slidenum">
+              <a:rPr lang="zh-TW" altLang="en-US" smtClean="0"/>
+              <a:pPr/>
+              <a:t>17</a:t>
+            </a:fld>
+            <a:endParaRPr lang="zh-TW" altLang="en-US"/>
+          </a:p>
+        </p:txBody>
+      </p:sp>
+    </p:spTree>
+    <p:extLst>
+      <p:ext uri="{BB962C8B-B14F-4D97-AF65-F5344CB8AC3E}">
+        <p14:creationId xmlns:p14="http://schemas.microsoft.com/office/powerpoint/2010/main" val="2899271206"/>
+      </p:ext>
+    </p:extLst>
+  </p:cSld>
+  <p:clrMapOvr>
+    <a:masterClrMapping/>
+  </p:clrMapOvr>
+  <p:timing>
+    <p:tnLst>
+      <p:par>
+        <p:cTn id="1" dur="indefinite" restart="never" nodeType="tmRoot"/>
+      </p:par>
+    </p:tnLst>
+  </p:timing>
+</p:sld>
+</file>
+
+<file path=ppt/slides/slide18.xml><?xml version="1.0" encoding="utf-8"?>
 <p:sld xmlns:a="http://schemas.openxmlformats.org/drawingml/2006/main" xmlns:r="http://schemas.openxmlformats.org/officeDocument/2006/relationships" xmlns:p="http://schemas.openxmlformats.org/presentationml/2006/main">
   <p:cSld>
     <p:spTree>
@@ -11348,7 +17328,7 @@
             <a:fld id="{31CFB70C-68FF-486D-858C-B44EB4793726}" type="slidenum">
               <a:rPr lang="zh-TW" altLang="en-US" smtClean="0"/>
               <a:pPr/>
-              <a:t>17</a:t>
+              <a:t>18</a:t>
             </a:fld>
             <a:endParaRPr lang="zh-TW" altLang="en-US"/>
           </a:p>
@@ -11382,7 +17362,7 @@
 </p:sld>
 </file>
 
-<file path=ppt/slides/slide18.xml><?xml version="1.0" encoding="utf-8"?>
+<file path=ppt/slides/slide19.xml><?xml version="1.0" encoding="utf-8"?>
 <p:sld xmlns:a="http://schemas.openxmlformats.org/drawingml/2006/main" xmlns:r="http://schemas.openxmlformats.org/officeDocument/2006/relationships" xmlns:p="http://schemas.openxmlformats.org/presentationml/2006/main">
   <p:cSld>
     <p:spTree>
@@ -11440,7 +17420,7 @@
             <a:fld id="{31CFB70C-68FF-486D-858C-B44EB4793726}" type="slidenum">
               <a:rPr lang="zh-TW" altLang="en-US" smtClean="0"/>
               <a:pPr/>
-              <a:t>18</a:t>
+              <a:t>19</a:t>
             </a:fld>
             <a:endParaRPr lang="zh-TW" altLang="en-US" dirty="0"/>
           </a:p>
@@ -11474,35 +17454,35 @@
                 <a:gridCol w="2263089">
                   <a:extLst>
                     <a:ext uri="{9D8B030D-6E8A-4147-A177-3AD203B41FA5}">
-                      <a16:colId xmlns:a16="http://schemas.microsoft.com/office/drawing/2014/main" xmlns="" val="1915389298"/>
+                      <a16:colId xmlns:a16="http://schemas.microsoft.com/office/drawing/2014/main" val="1915389298"/>
                     </a:ext>
                   </a:extLst>
                 </a:gridCol>
                 <a:gridCol w="2447079">
                   <a:extLst>
                     <a:ext uri="{9D8B030D-6E8A-4147-A177-3AD203B41FA5}">
-                      <a16:colId xmlns:a16="http://schemas.microsoft.com/office/drawing/2014/main" xmlns="" val="842970048"/>
+                      <a16:colId xmlns:a16="http://schemas.microsoft.com/office/drawing/2014/main" val="842970048"/>
                     </a:ext>
                   </a:extLst>
                 </a:gridCol>
                 <a:gridCol w="1122344">
                   <a:extLst>
                     <a:ext uri="{9D8B030D-6E8A-4147-A177-3AD203B41FA5}">
-                      <a16:colId xmlns:a16="http://schemas.microsoft.com/office/drawing/2014/main" xmlns="" val="442908185"/>
+                      <a16:colId xmlns:a16="http://schemas.microsoft.com/office/drawing/2014/main" val="442908185"/>
                     </a:ext>
                   </a:extLst>
                 </a:gridCol>
                 <a:gridCol w="1122344">
                   <a:extLst>
                     <a:ext uri="{9D8B030D-6E8A-4147-A177-3AD203B41FA5}">
-                      <a16:colId xmlns:a16="http://schemas.microsoft.com/office/drawing/2014/main" xmlns="" val="541932746"/>
+                      <a16:colId xmlns:a16="http://schemas.microsoft.com/office/drawing/2014/main" val="541932746"/>
                     </a:ext>
                   </a:extLst>
                 </a:gridCol>
                 <a:gridCol w="1122344">
                   <a:extLst>
                     <a:ext uri="{9D8B030D-6E8A-4147-A177-3AD203B41FA5}">
-                      <a16:colId xmlns:a16="http://schemas.microsoft.com/office/drawing/2014/main" xmlns="" val="3665659798"/>
+                      <a16:colId xmlns:a16="http://schemas.microsoft.com/office/drawing/2014/main" val="3665659798"/>
                     </a:ext>
                   </a:extLst>
                 </a:gridCol>
@@ -11648,7 +17628,7 @@
                 </a:tc>
                 <a:extLst>
                   <a:ext uri="{0D108BD9-81ED-4DB2-BD59-A6C34878D82A}">
-                    <a16:rowId xmlns:a16="http://schemas.microsoft.com/office/drawing/2014/main" xmlns="" val="3061616404"/>
+                    <a16:rowId xmlns:a16="http://schemas.microsoft.com/office/drawing/2014/main" val="3061616404"/>
                   </a:ext>
                 </a:extLst>
               </a:tr>
@@ -11775,7 +17755,7 @@
                 </a:tc>
                 <a:extLst>
                   <a:ext uri="{0D108BD9-81ED-4DB2-BD59-A6C34878D82A}">
-                    <a16:rowId xmlns:a16="http://schemas.microsoft.com/office/drawing/2014/main" xmlns="" val="2343975753"/>
+                    <a16:rowId xmlns:a16="http://schemas.microsoft.com/office/drawing/2014/main" val="2343975753"/>
                   </a:ext>
                 </a:extLst>
               </a:tr>
@@ -11902,7 +17882,7 @@
                 </a:tc>
                 <a:extLst>
                   <a:ext uri="{0D108BD9-81ED-4DB2-BD59-A6C34878D82A}">
-                    <a16:rowId xmlns:a16="http://schemas.microsoft.com/office/drawing/2014/main" xmlns="" val="1834756515"/>
+                    <a16:rowId xmlns:a16="http://schemas.microsoft.com/office/drawing/2014/main" val="1834756515"/>
                   </a:ext>
                 </a:extLst>
               </a:tr>
@@ -12029,7 +18009,7 @@
                 </a:tc>
                 <a:extLst>
                   <a:ext uri="{0D108BD9-81ED-4DB2-BD59-A6C34878D82A}">
-                    <a16:rowId xmlns:a16="http://schemas.microsoft.com/office/drawing/2014/main" xmlns="" val="1552121635"/>
+                    <a16:rowId xmlns:a16="http://schemas.microsoft.com/office/drawing/2014/main" val="1552121635"/>
                   </a:ext>
                 </a:extLst>
               </a:tr>
@@ -12156,7 +18136,7 @@
                 </a:tc>
                 <a:extLst>
                   <a:ext uri="{0D108BD9-81ED-4DB2-BD59-A6C34878D82A}">
-                    <a16:rowId xmlns:a16="http://schemas.microsoft.com/office/drawing/2014/main" xmlns="" val="909685763"/>
+                    <a16:rowId xmlns:a16="http://schemas.microsoft.com/office/drawing/2014/main" val="909685763"/>
                   </a:ext>
                 </a:extLst>
               </a:tr>
@@ -12283,7 +18263,7 @@
                 </a:tc>
                 <a:extLst>
                   <a:ext uri="{0D108BD9-81ED-4DB2-BD59-A6C34878D82A}">
-                    <a16:rowId xmlns:a16="http://schemas.microsoft.com/office/drawing/2014/main" xmlns="" val="3944872077"/>
+                    <a16:rowId xmlns:a16="http://schemas.microsoft.com/office/drawing/2014/main" val="3944872077"/>
                   </a:ext>
                 </a:extLst>
               </a:tr>
@@ -12422,7 +18402,7 @@
                 </a:tc>
                 <a:extLst>
                   <a:ext uri="{0D108BD9-81ED-4DB2-BD59-A6C34878D82A}">
-                    <a16:rowId xmlns:a16="http://schemas.microsoft.com/office/drawing/2014/main" xmlns="" val="501748322"/>
+                    <a16:rowId xmlns:a16="http://schemas.microsoft.com/office/drawing/2014/main" val="501748322"/>
                   </a:ext>
                 </a:extLst>
               </a:tr>
@@ -12561,7 +18541,7 @@
                 </a:tc>
                 <a:extLst>
                   <a:ext uri="{0D108BD9-81ED-4DB2-BD59-A6C34878D82A}">
-                    <a16:rowId xmlns:a16="http://schemas.microsoft.com/office/drawing/2014/main" xmlns="" val="2717597813"/>
+                    <a16:rowId xmlns:a16="http://schemas.microsoft.com/office/drawing/2014/main" val="2717597813"/>
                   </a:ext>
                 </a:extLst>
               </a:tr>
@@ -12682,7 +18662,7 @@
                 </a:tc>
                 <a:extLst>
                   <a:ext uri="{0D108BD9-81ED-4DB2-BD59-A6C34878D82A}">
-                    <a16:rowId xmlns:a16="http://schemas.microsoft.com/office/drawing/2014/main" xmlns="" val="2488706858"/>
+                    <a16:rowId xmlns:a16="http://schemas.microsoft.com/office/drawing/2014/main" val="2488706858"/>
                   </a:ext>
                 </a:extLst>
               </a:tr>
@@ -12827,7 +18807,7 @@
                 </a:tc>
                 <a:extLst>
                   <a:ext uri="{0D108BD9-81ED-4DB2-BD59-A6C34878D82A}">
-                    <a16:rowId xmlns:a16="http://schemas.microsoft.com/office/drawing/2014/main" xmlns="" val="1723301946"/>
+                    <a16:rowId xmlns:a16="http://schemas.microsoft.com/office/drawing/2014/main" val="1723301946"/>
                   </a:ext>
                 </a:extLst>
               </a:tr>
@@ -12948,7 +18928,7 @@
                 </a:tc>
                 <a:extLst>
                   <a:ext uri="{0D108BD9-81ED-4DB2-BD59-A6C34878D82A}">
-                    <a16:rowId xmlns:a16="http://schemas.microsoft.com/office/drawing/2014/main" xmlns="" val="3300292727"/>
+                    <a16:rowId xmlns:a16="http://schemas.microsoft.com/office/drawing/2014/main" val="3300292727"/>
                   </a:ext>
                 </a:extLst>
               </a:tr>
@@ -13093,7 +19073,7 @@
                 </a:tc>
                 <a:extLst>
                   <a:ext uri="{0D108BD9-81ED-4DB2-BD59-A6C34878D82A}">
-                    <a16:rowId xmlns:a16="http://schemas.microsoft.com/office/drawing/2014/main" xmlns="" val="2732794561"/>
+                    <a16:rowId xmlns:a16="http://schemas.microsoft.com/office/drawing/2014/main" val="2732794561"/>
                   </a:ext>
                 </a:extLst>
               </a:tr>
@@ -13238,7 +19218,7 @@
                 </a:tc>
                 <a:extLst>
                   <a:ext uri="{0D108BD9-81ED-4DB2-BD59-A6C34878D82A}">
-                    <a16:rowId xmlns:a16="http://schemas.microsoft.com/office/drawing/2014/main" xmlns="" val="1283671994"/>
+                    <a16:rowId xmlns:a16="http://schemas.microsoft.com/office/drawing/2014/main" val="1283671994"/>
                   </a:ext>
                 </a:extLst>
               </a:tr>
@@ -13274,28 +19254,28 @@
                 <a:gridCol w="3611558">
                   <a:extLst>
                     <a:ext uri="{9D8B030D-6E8A-4147-A177-3AD203B41FA5}">
-                      <a16:colId xmlns:a16="http://schemas.microsoft.com/office/drawing/2014/main" xmlns="" val="1466252484"/>
+                      <a16:colId xmlns:a16="http://schemas.microsoft.com/office/drawing/2014/main" val="1466252484"/>
                     </a:ext>
                   </a:extLst>
                 </a:gridCol>
                 <a:gridCol w="1488547">
                   <a:extLst>
                     <a:ext uri="{9D8B030D-6E8A-4147-A177-3AD203B41FA5}">
-                      <a16:colId xmlns:a16="http://schemas.microsoft.com/office/drawing/2014/main" xmlns="" val="473651495"/>
+                      <a16:colId xmlns:a16="http://schemas.microsoft.com/office/drawing/2014/main" val="473651495"/>
                     </a:ext>
                   </a:extLst>
                 </a:gridCol>
                 <a:gridCol w="1488547">
                   <a:extLst>
                     <a:ext uri="{9D8B030D-6E8A-4147-A177-3AD203B41FA5}">
-                      <a16:colId xmlns:a16="http://schemas.microsoft.com/office/drawing/2014/main" xmlns="" val="3447142832"/>
+                      <a16:colId xmlns:a16="http://schemas.microsoft.com/office/drawing/2014/main" val="3447142832"/>
                     </a:ext>
                   </a:extLst>
                 </a:gridCol>
                 <a:gridCol w="1488547">
                   <a:extLst>
                     <a:ext uri="{9D8B030D-6E8A-4147-A177-3AD203B41FA5}">
-                      <a16:colId xmlns:a16="http://schemas.microsoft.com/office/drawing/2014/main" xmlns="" val="548801"/>
+                      <a16:colId xmlns:a16="http://schemas.microsoft.com/office/drawing/2014/main" val="548801"/>
                     </a:ext>
                   </a:extLst>
                 </a:gridCol>
@@ -13423,7 +19403,7 @@
                 </a:tc>
                 <a:extLst>
                   <a:ext uri="{0D108BD9-81ED-4DB2-BD59-A6C34878D82A}">
-                    <a16:rowId xmlns:a16="http://schemas.microsoft.com/office/drawing/2014/main" xmlns="" val="2812542782"/>
+                    <a16:rowId xmlns:a16="http://schemas.microsoft.com/office/drawing/2014/main" val="2812542782"/>
                   </a:ext>
                 </a:extLst>
               </a:tr>
@@ -13526,7 +19506,7 @@
                 </a:tc>
                 <a:extLst>
                   <a:ext uri="{0D108BD9-81ED-4DB2-BD59-A6C34878D82A}">
-                    <a16:rowId xmlns:a16="http://schemas.microsoft.com/office/drawing/2014/main" xmlns="" val="3592861133"/>
+                    <a16:rowId xmlns:a16="http://schemas.microsoft.com/office/drawing/2014/main" val="3592861133"/>
                   </a:ext>
                 </a:extLst>
               </a:tr>
@@ -13629,7 +19609,7 @@
                 </a:tc>
                 <a:extLst>
                   <a:ext uri="{0D108BD9-81ED-4DB2-BD59-A6C34878D82A}">
-                    <a16:rowId xmlns:a16="http://schemas.microsoft.com/office/drawing/2014/main" xmlns="" val="2453645999"/>
+                    <a16:rowId xmlns:a16="http://schemas.microsoft.com/office/drawing/2014/main" val="2453645999"/>
                   </a:ext>
                 </a:extLst>
               </a:tr>
@@ -13732,7 +19712,7 @@
                 </a:tc>
                 <a:extLst>
                   <a:ext uri="{0D108BD9-81ED-4DB2-BD59-A6C34878D82A}">
-                    <a16:rowId xmlns:a16="http://schemas.microsoft.com/office/drawing/2014/main" xmlns="" val="3086464236"/>
+                    <a16:rowId xmlns:a16="http://schemas.microsoft.com/office/drawing/2014/main" val="3086464236"/>
                   </a:ext>
                 </a:extLst>
               </a:tr>
@@ -13835,7 +19815,7 @@
                 </a:tc>
                 <a:extLst>
                   <a:ext uri="{0D108BD9-81ED-4DB2-BD59-A6C34878D82A}">
-                    <a16:rowId xmlns:a16="http://schemas.microsoft.com/office/drawing/2014/main" xmlns="" val="735407741"/>
+                    <a16:rowId xmlns:a16="http://schemas.microsoft.com/office/drawing/2014/main" val="735407741"/>
                   </a:ext>
                 </a:extLst>
               </a:tr>
@@ -13847,739 +19827,6 @@
     <p:extLst>
       <p:ext uri="{BB962C8B-B14F-4D97-AF65-F5344CB8AC3E}">
         <p14:creationId xmlns:p14="http://schemas.microsoft.com/office/powerpoint/2010/main" val="3547683819"/>
-      </p:ext>
-    </p:extLst>
-  </p:cSld>
-  <p:clrMapOvr>
-    <a:masterClrMapping/>
-  </p:clrMapOvr>
-  <p:timing>
-    <p:tnLst>
-      <p:par>
-        <p:cTn id="1" dur="indefinite" restart="never" nodeType="tmRoot"/>
-      </p:par>
-    </p:tnLst>
-  </p:timing>
-</p:sld>
-</file>
-
-<file path=ppt/slides/slide19.xml><?xml version="1.0" encoding="utf-8"?>
-<p:sld xmlns:a="http://schemas.openxmlformats.org/drawingml/2006/main" xmlns:r="http://schemas.openxmlformats.org/officeDocument/2006/relationships" xmlns:p="http://schemas.openxmlformats.org/presentationml/2006/main">
-  <p:cSld>
-    <p:spTree>
-      <p:nvGrpSpPr>
-        <p:cNvPr id="1" name=""/>
-        <p:cNvGrpSpPr/>
-        <p:nvPr/>
-      </p:nvGrpSpPr>
-      <p:grpSpPr>
-        <a:xfrm>
-          <a:off x="0" y="0"/>
-          <a:ext cx="0" cy="0"/>
-          <a:chOff x="0" y="0"/>
-          <a:chExt cx="0" cy="0"/>
-        </a:xfrm>
-      </p:grpSpPr>
-      <p:sp>
-        <p:nvSpPr>
-          <p:cNvPr id="2" name="標題 1"/>
-          <p:cNvSpPr>
-            <a:spLocks noGrp="1"/>
-          </p:cNvSpPr>
-          <p:nvPr>
-            <p:ph type="title"/>
-          </p:nvPr>
-        </p:nvSpPr>
-        <p:spPr/>
-        <p:txBody>
-          <a:bodyPr/>
-          <a:lstStyle/>
-          <a:p>
-            <a:r>
-              <a:rPr lang="zh-TW" altLang="en-US" dirty="0" smtClean="0"/>
-              <a:t>模型</a:t>
-            </a:r>
-            <a:endParaRPr lang="zh-TW" altLang="en-US" dirty="0"/>
-          </a:p>
-        </p:txBody>
-      </p:sp>
-      <p:graphicFrame>
-        <p:nvGraphicFramePr>
-          <p:cNvPr id="5" name="內容版面配置區 4"/>
-          <p:cNvGraphicFramePr>
-            <a:graphicFrameLocks noGrp="1"/>
-          </p:cNvGraphicFramePr>
-          <p:nvPr>
-            <p:ph idx="1"/>
-            <p:extLst>
-              <p:ext uri="{D42A27DB-BD31-4B8C-83A1-F6EECF244321}">
-                <p14:modId xmlns:p14="http://schemas.microsoft.com/office/powerpoint/2010/main" val="435436592"/>
-              </p:ext>
-            </p:extLst>
-          </p:nvPr>
-        </p:nvGraphicFramePr>
-        <p:xfrm>
-          <a:off x="457200" y="2133599"/>
-          <a:ext cx="8077200" cy="3035604"/>
-        </p:xfrm>
-        <a:graphic>
-          <a:graphicData uri="http://schemas.openxmlformats.org/drawingml/2006/table">
-            <a:tbl>
-              <a:tblPr>
-                <a:tableStyleId>{8EC20E35-A176-4012-BC5E-935CFFF8708E}</a:tableStyleId>
-              </a:tblPr>
-              <a:tblGrid>
-                <a:gridCol w="3611559">
-                  <a:extLst>
-                    <a:ext uri="{9D8B030D-6E8A-4147-A177-3AD203B41FA5}">
-                      <a16:colId xmlns:a16="http://schemas.microsoft.com/office/drawing/2014/main" xmlns="" val="3383990313"/>
-                    </a:ext>
-                  </a:extLst>
-                </a:gridCol>
-                <a:gridCol w="1488547">
-                  <a:extLst>
-                    <a:ext uri="{9D8B030D-6E8A-4147-A177-3AD203B41FA5}">
-                      <a16:colId xmlns:a16="http://schemas.microsoft.com/office/drawing/2014/main" xmlns="" val="150751618"/>
-                    </a:ext>
-                  </a:extLst>
-                </a:gridCol>
-                <a:gridCol w="1488547">
-                  <a:extLst>
-                    <a:ext uri="{9D8B030D-6E8A-4147-A177-3AD203B41FA5}">
-                      <a16:colId xmlns:a16="http://schemas.microsoft.com/office/drawing/2014/main" xmlns="" val="1211091569"/>
-                    </a:ext>
-                  </a:extLst>
-                </a:gridCol>
-                <a:gridCol w="1488547">
-                  <a:extLst>
-                    <a:ext uri="{9D8B030D-6E8A-4147-A177-3AD203B41FA5}">
-                      <a16:colId xmlns:a16="http://schemas.microsoft.com/office/drawing/2014/main" xmlns="" val="995570669"/>
-                    </a:ext>
-                  </a:extLst>
-                </a:gridCol>
-              </a:tblGrid>
-              <a:tr h="384540">
-                <a:tc>
-                  <a:txBody>
-                    <a:bodyPr/>
-                    <a:lstStyle/>
-                    <a:p>
-                      <a:pPr algn="l" fontAlgn="ctr"/>
-                      <a:r>
-                        <a:rPr lang="zh-TW" altLang="en-US" sz="1600" u="none" strike="noStrike">
-                          <a:effectLst/>
-                        </a:rPr>
-                        <a:t>　</a:t>
-                      </a:r>
-                      <a:endParaRPr lang="zh-TW" altLang="en-US" sz="1600" b="0" i="0" u="none" strike="noStrike">
-                        <a:solidFill>
-                          <a:srgbClr val="000000"/>
-                        </a:solidFill>
-                        <a:effectLst/>
-                        <a:latin typeface="Calibri" panose="020F0502020204030204" pitchFamily="34" charset="0"/>
-                        <a:ea typeface="新細明體" panose="02020500000000000000" pitchFamily="18" charset="-120"/>
-                      </a:endParaRPr>
-                    </a:p>
-                  </a:txBody>
-                  <a:tcPr marL="6350" marR="6350" marT="6350" marB="0" anchor="ctr"/>
-                </a:tc>
-                <a:tc>
-                  <a:txBody>
-                    <a:bodyPr/>
-                    <a:lstStyle/>
-                    <a:p>
-                      <a:pPr algn="ctr" fontAlgn="ctr"/>
-                      <a:r>
-                        <a:rPr lang="en-US" sz="1600" u="none" strike="noStrike" dirty="0">
-                          <a:effectLst/>
-                        </a:rPr>
-                        <a:t>MAE</a:t>
-                      </a:r>
-                      <a:endParaRPr lang="en-US" sz="1600" b="0" i="0" u="none" strike="noStrike" dirty="0">
-                        <a:solidFill>
-                          <a:srgbClr val="000000"/>
-                        </a:solidFill>
-                        <a:effectLst/>
-                        <a:latin typeface="Calibri" panose="020F0502020204030204" pitchFamily="34" charset="0"/>
-                        <a:ea typeface="新細明體" panose="02020500000000000000" pitchFamily="18" charset="-120"/>
-                      </a:endParaRPr>
-                    </a:p>
-                  </a:txBody>
-                  <a:tcPr marL="6350" marR="6350" marT="6350" marB="0" anchor="ctr"/>
-                </a:tc>
-                <a:tc>
-                  <a:txBody>
-                    <a:bodyPr/>
-                    <a:lstStyle/>
-                    <a:p>
-                      <a:pPr algn="ctr" fontAlgn="ctr"/>
-                      <a:r>
-                        <a:rPr lang="en-US" sz="1600" u="none" strike="noStrike" dirty="0">
-                          <a:effectLst/>
-                        </a:rPr>
-                        <a:t>MSE</a:t>
-                      </a:r>
-                      <a:endParaRPr lang="en-US" sz="1600" b="0" i="0" u="none" strike="noStrike" dirty="0">
-                        <a:solidFill>
-                          <a:srgbClr val="000000"/>
-                        </a:solidFill>
-                        <a:effectLst/>
-                        <a:latin typeface="Calibri" panose="020F0502020204030204" pitchFamily="34" charset="0"/>
-                        <a:ea typeface="新細明體" panose="02020500000000000000" pitchFamily="18" charset="-120"/>
-                      </a:endParaRPr>
-                    </a:p>
-                  </a:txBody>
-                  <a:tcPr marL="6350" marR="6350" marT="6350" marB="0" anchor="ctr"/>
-                </a:tc>
-                <a:tc>
-                  <a:txBody>
-                    <a:bodyPr/>
-                    <a:lstStyle/>
-                    <a:p>
-                      <a:pPr algn="ctr" fontAlgn="ctr"/>
-                      <a:r>
-                        <a:rPr lang="en-US" sz="1600" u="none" strike="noStrike" dirty="0">
-                          <a:effectLst/>
-                        </a:rPr>
-                        <a:t>R2</a:t>
-                      </a:r>
-                      <a:endParaRPr lang="en-US" sz="1600" b="0" i="0" u="none" strike="noStrike" dirty="0">
-                        <a:solidFill>
-                          <a:srgbClr val="000000"/>
-                        </a:solidFill>
-                        <a:effectLst/>
-                        <a:latin typeface="Calibri" panose="020F0502020204030204" pitchFamily="34" charset="0"/>
-                        <a:ea typeface="新細明體" panose="02020500000000000000" pitchFamily="18" charset="-120"/>
-                      </a:endParaRPr>
-                    </a:p>
-                  </a:txBody>
-                  <a:tcPr marL="6350" marR="6350" marT="6350" marB="0" anchor="ctr"/>
-                </a:tc>
-                <a:extLst>
-                  <a:ext uri="{0D108BD9-81ED-4DB2-BD59-A6C34878D82A}">
-                    <a16:rowId xmlns:a16="http://schemas.microsoft.com/office/drawing/2014/main" xmlns="" val="3309820831"/>
-                  </a:ext>
-                </a:extLst>
-              </a:tr>
-              <a:tr h="662766">
-                <a:tc>
-                  <a:txBody>
-                    <a:bodyPr/>
-                    <a:lstStyle/>
-                    <a:p>
-                      <a:pPr algn="l" fontAlgn="ctr"/>
-                      <a:r>
-                        <a:rPr lang="en-US" sz="1600" u="none" strike="noStrike">
-                          <a:effectLst/>
-                        </a:rPr>
-                        <a:t>LinearRegression</a:t>
-                      </a:r>
-                      <a:endParaRPr lang="en-US" sz="1600" b="0" i="0" u="none" strike="noStrike">
-                        <a:solidFill>
-                          <a:srgbClr val="000000"/>
-                        </a:solidFill>
-                        <a:effectLst/>
-                        <a:latin typeface="Calibri" panose="020F0502020204030204" pitchFamily="34" charset="0"/>
-                        <a:ea typeface="新細明體" panose="02020500000000000000" pitchFamily="18" charset="-120"/>
-                      </a:endParaRPr>
-                    </a:p>
-                  </a:txBody>
-                  <a:tcPr marL="6350" marR="6350" marT="6350" marB="0" anchor="ctr"/>
-                </a:tc>
-                <a:tc>
-                  <a:txBody>
-                    <a:bodyPr/>
-                    <a:lstStyle/>
-                    <a:p>
-                      <a:pPr algn="l" fontAlgn="ctr"/>
-                      <a:r>
-                        <a:rPr lang="zh-TW" altLang="en-US" sz="1600" u="none" strike="noStrike">
-                          <a:effectLst/>
-                        </a:rPr>
-                        <a:t>           </a:t>
-                      </a:r>
-                      <a:r>
-                        <a:rPr lang="en-US" altLang="zh-TW" sz="1600" u="none" strike="noStrike">
-                          <a:effectLst/>
-                        </a:rPr>
-                        <a:t>5.225 </a:t>
-                      </a:r>
-                      <a:endParaRPr lang="en-US" altLang="zh-TW" sz="1600" b="0" i="0" u="none" strike="noStrike">
-                        <a:solidFill>
-                          <a:srgbClr val="000000"/>
-                        </a:solidFill>
-                        <a:effectLst/>
-                        <a:latin typeface="Calibri" panose="020F0502020204030204" pitchFamily="34" charset="0"/>
-                        <a:ea typeface="新細明體" panose="02020500000000000000" pitchFamily="18" charset="-120"/>
-                      </a:endParaRPr>
-                    </a:p>
-                  </a:txBody>
-                  <a:tcPr marL="6350" marR="6350" marT="6350" marB="0" anchor="ctr"/>
-                </a:tc>
-                <a:tc>
-                  <a:txBody>
-                    <a:bodyPr/>
-                    <a:lstStyle/>
-                    <a:p>
-                      <a:pPr algn="l" fontAlgn="ctr"/>
-                      <a:r>
-                        <a:rPr lang="zh-TW" altLang="en-US" sz="1600" u="none" strike="noStrike">
-                          <a:effectLst/>
-                        </a:rPr>
-                        <a:t>        </a:t>
-                      </a:r>
-                      <a:r>
-                        <a:rPr lang="en-US" altLang="zh-TW" sz="1600" u="none" strike="noStrike">
-                          <a:effectLst/>
-                        </a:rPr>
-                        <a:t>50.824 </a:t>
-                      </a:r>
-                      <a:endParaRPr lang="en-US" altLang="zh-TW" sz="1600" b="0" i="0" u="none" strike="noStrike">
-                        <a:solidFill>
-                          <a:srgbClr val="000000"/>
-                        </a:solidFill>
-                        <a:effectLst/>
-                        <a:latin typeface="Calibri" panose="020F0502020204030204" pitchFamily="34" charset="0"/>
-                        <a:ea typeface="新細明體" panose="02020500000000000000" pitchFamily="18" charset="-120"/>
-                      </a:endParaRPr>
-                    </a:p>
-                  </a:txBody>
-                  <a:tcPr marL="6350" marR="6350" marT="6350" marB="0" anchor="ctr"/>
-                </a:tc>
-                <a:tc>
-                  <a:txBody>
-                    <a:bodyPr/>
-                    <a:lstStyle/>
-                    <a:p>
-                      <a:pPr algn="l" fontAlgn="ctr"/>
-                      <a:r>
-                        <a:rPr lang="zh-TW" altLang="en-US" sz="1600" u="none" strike="noStrike">
-                          <a:effectLst/>
-                        </a:rPr>
-                        <a:t>           </a:t>
-                      </a:r>
-                      <a:r>
-                        <a:rPr lang="en-US" altLang="zh-TW" sz="1600" u="none" strike="noStrike">
-                          <a:effectLst/>
-                        </a:rPr>
-                        <a:t>0.695 </a:t>
-                      </a:r>
-                      <a:endParaRPr lang="en-US" altLang="zh-TW" sz="1600" b="0" i="0" u="none" strike="noStrike">
-                        <a:solidFill>
-                          <a:srgbClr val="000000"/>
-                        </a:solidFill>
-                        <a:effectLst/>
-                        <a:latin typeface="Calibri" panose="020F0502020204030204" pitchFamily="34" charset="0"/>
-                        <a:ea typeface="新細明體" panose="02020500000000000000" pitchFamily="18" charset="-120"/>
-                      </a:endParaRPr>
-                    </a:p>
-                  </a:txBody>
-                  <a:tcPr marL="6350" marR="6350" marT="6350" marB="0" anchor="ctr"/>
-                </a:tc>
-                <a:extLst>
-                  <a:ext uri="{0D108BD9-81ED-4DB2-BD59-A6C34878D82A}">
-                    <a16:rowId xmlns:a16="http://schemas.microsoft.com/office/drawing/2014/main" xmlns="" val="2285552071"/>
-                  </a:ext>
-                </a:extLst>
-              </a:tr>
-              <a:tr h="662766">
-                <a:tc>
-                  <a:txBody>
-                    <a:bodyPr/>
-                    <a:lstStyle/>
-                    <a:p>
-                      <a:pPr algn="l" fontAlgn="ctr"/>
-                      <a:r>
-                        <a:rPr lang="en-US" sz="1600" u="none" strike="noStrike">
-                          <a:effectLst/>
-                        </a:rPr>
-                        <a:t>DecisionTreeRegressor</a:t>
-                      </a:r>
-                      <a:endParaRPr lang="en-US" sz="1600" b="0" i="0" u="none" strike="noStrike">
-                        <a:solidFill>
-                          <a:srgbClr val="000000"/>
-                        </a:solidFill>
-                        <a:effectLst/>
-                        <a:latin typeface="Calibri" panose="020F0502020204030204" pitchFamily="34" charset="0"/>
-                        <a:ea typeface="新細明體" panose="02020500000000000000" pitchFamily="18" charset="-120"/>
-                      </a:endParaRPr>
-                    </a:p>
-                  </a:txBody>
-                  <a:tcPr marL="6350" marR="6350" marT="6350" marB="0" anchor="ctr"/>
-                </a:tc>
-                <a:tc>
-                  <a:txBody>
-                    <a:bodyPr/>
-                    <a:lstStyle/>
-                    <a:p>
-                      <a:pPr algn="l" fontAlgn="ctr"/>
-                      <a:r>
-                        <a:rPr lang="zh-TW" altLang="en-US" sz="1600" u="none" strike="noStrike">
-                          <a:effectLst/>
-                        </a:rPr>
-                        <a:t>           </a:t>
-                      </a:r>
-                      <a:r>
-                        <a:rPr lang="en-US" altLang="zh-TW" sz="1600" u="none" strike="noStrike">
-                          <a:effectLst/>
-                        </a:rPr>
-                        <a:t>5.026 </a:t>
-                      </a:r>
-                      <a:endParaRPr lang="en-US" altLang="zh-TW" sz="1600" b="0" i="0" u="none" strike="noStrike">
-                        <a:solidFill>
-                          <a:srgbClr val="000000"/>
-                        </a:solidFill>
-                        <a:effectLst/>
-                        <a:latin typeface="Calibri" panose="020F0502020204030204" pitchFamily="34" charset="0"/>
-                        <a:ea typeface="新細明體" panose="02020500000000000000" pitchFamily="18" charset="-120"/>
-                      </a:endParaRPr>
-                    </a:p>
-                  </a:txBody>
-                  <a:tcPr marL="6350" marR="6350" marT="6350" marB="0" anchor="ctr"/>
-                </a:tc>
-                <a:tc>
-                  <a:txBody>
-                    <a:bodyPr/>
-                    <a:lstStyle/>
-                    <a:p>
-                      <a:pPr algn="l" fontAlgn="ctr"/>
-                      <a:r>
-                        <a:rPr lang="zh-TW" altLang="en-US" sz="1600" u="none" strike="noStrike">
-                          <a:effectLst/>
-                        </a:rPr>
-                        <a:t>        </a:t>
-                      </a:r>
-                      <a:r>
-                        <a:rPr lang="en-US" altLang="zh-TW" sz="1600" u="none" strike="noStrike">
-                          <a:effectLst/>
-                        </a:rPr>
-                        <a:t>46.022 </a:t>
-                      </a:r>
-                      <a:endParaRPr lang="en-US" altLang="zh-TW" sz="1600" b="0" i="0" u="none" strike="noStrike">
-                        <a:solidFill>
-                          <a:srgbClr val="000000"/>
-                        </a:solidFill>
-                        <a:effectLst/>
-                        <a:latin typeface="Calibri" panose="020F0502020204030204" pitchFamily="34" charset="0"/>
-                        <a:ea typeface="新細明體" panose="02020500000000000000" pitchFamily="18" charset="-120"/>
-                      </a:endParaRPr>
-                    </a:p>
-                  </a:txBody>
-                  <a:tcPr marL="6350" marR="6350" marT="6350" marB="0" anchor="ctr"/>
-                </a:tc>
-                <a:tc>
-                  <a:txBody>
-                    <a:bodyPr/>
-                    <a:lstStyle/>
-                    <a:p>
-                      <a:pPr algn="l" fontAlgn="ctr"/>
-                      <a:r>
-                        <a:rPr lang="zh-TW" altLang="en-US" sz="1600" u="none" strike="noStrike">
-                          <a:effectLst/>
-                        </a:rPr>
-                        <a:t>           </a:t>
-                      </a:r>
-                      <a:r>
-                        <a:rPr lang="en-US" altLang="zh-TW" sz="1600" u="none" strike="noStrike">
-                          <a:effectLst/>
-                        </a:rPr>
-                        <a:t>0.721 </a:t>
-                      </a:r>
-                      <a:endParaRPr lang="en-US" altLang="zh-TW" sz="1600" b="0" i="0" u="none" strike="noStrike">
-                        <a:solidFill>
-                          <a:srgbClr val="000000"/>
-                        </a:solidFill>
-                        <a:effectLst/>
-                        <a:latin typeface="Calibri" panose="020F0502020204030204" pitchFamily="34" charset="0"/>
-                        <a:ea typeface="新細明體" panose="02020500000000000000" pitchFamily="18" charset="-120"/>
-                      </a:endParaRPr>
-                    </a:p>
-                  </a:txBody>
-                  <a:tcPr marL="6350" marR="6350" marT="6350" marB="0" anchor="ctr"/>
-                </a:tc>
-                <a:extLst>
-                  <a:ext uri="{0D108BD9-81ED-4DB2-BD59-A6C34878D82A}">
-                    <a16:rowId xmlns:a16="http://schemas.microsoft.com/office/drawing/2014/main" xmlns="" val="1291525824"/>
-                  </a:ext>
-                </a:extLst>
-              </a:tr>
-              <a:tr h="662766">
-                <a:tc>
-                  <a:txBody>
-                    <a:bodyPr/>
-                    <a:lstStyle/>
-                    <a:p>
-                      <a:pPr algn="l" fontAlgn="ctr"/>
-                      <a:r>
-                        <a:rPr lang="en-US" sz="1600" b="1" u="none" strike="noStrike" dirty="0" err="1">
-                          <a:solidFill>
-                            <a:srgbClr val="FF0000"/>
-                          </a:solidFill>
-                          <a:effectLst/>
-                        </a:rPr>
-                        <a:t>RandomForestRegressor</a:t>
-                      </a:r>
-                      <a:endParaRPr lang="en-US" sz="1600" b="1" i="0" u="none" strike="noStrike" dirty="0">
-                        <a:solidFill>
-                          <a:srgbClr val="FF0000"/>
-                        </a:solidFill>
-                        <a:effectLst/>
-                        <a:latin typeface="Calibri" panose="020F0502020204030204" pitchFamily="34" charset="0"/>
-                        <a:ea typeface="新細明體" panose="02020500000000000000" pitchFamily="18" charset="-120"/>
-                      </a:endParaRPr>
-                    </a:p>
-                  </a:txBody>
-                  <a:tcPr marL="6350" marR="6350" marT="6350" marB="0" anchor="ctr"/>
-                </a:tc>
-                <a:tc>
-                  <a:txBody>
-                    <a:bodyPr/>
-                    <a:lstStyle/>
-                    <a:p>
-                      <a:pPr algn="l" fontAlgn="ctr"/>
-                      <a:r>
-                        <a:rPr lang="zh-TW" altLang="en-US" sz="1600" u="none" strike="noStrike">
-                          <a:effectLst/>
-                        </a:rPr>
-                        <a:t>           </a:t>
-                      </a:r>
-                      <a:r>
-                        <a:rPr lang="en-US" altLang="zh-TW" sz="1600" u="none" strike="noStrike">
-                          <a:effectLst/>
-                        </a:rPr>
-                        <a:t>4.590 </a:t>
-                      </a:r>
-                      <a:endParaRPr lang="en-US" altLang="zh-TW" sz="1600" b="0" i="0" u="none" strike="noStrike">
-                        <a:solidFill>
-                          <a:srgbClr val="000000"/>
-                        </a:solidFill>
-                        <a:effectLst/>
-                        <a:latin typeface="Calibri" panose="020F0502020204030204" pitchFamily="34" charset="0"/>
-                        <a:ea typeface="新細明體" panose="02020500000000000000" pitchFamily="18" charset="-120"/>
-                      </a:endParaRPr>
-                    </a:p>
-                  </a:txBody>
-                  <a:tcPr marL="6350" marR="6350" marT="6350" marB="0" anchor="ctr"/>
-                </a:tc>
-                <a:tc>
-                  <a:txBody>
-                    <a:bodyPr/>
-                    <a:lstStyle/>
-                    <a:p>
-                      <a:pPr algn="l" fontAlgn="ctr"/>
-                      <a:r>
-                        <a:rPr lang="zh-TW" altLang="en-US" sz="1600" u="none" strike="noStrike">
-                          <a:effectLst/>
-                        </a:rPr>
-                        <a:t>        </a:t>
-                      </a:r>
-                      <a:r>
-                        <a:rPr lang="en-US" altLang="zh-TW" sz="1600" u="none" strike="noStrike">
-                          <a:effectLst/>
-                        </a:rPr>
-                        <a:t>40.177 </a:t>
-                      </a:r>
-                      <a:endParaRPr lang="en-US" altLang="zh-TW" sz="1600" b="0" i="0" u="none" strike="noStrike">
-                        <a:solidFill>
-                          <a:srgbClr val="000000"/>
-                        </a:solidFill>
-                        <a:effectLst/>
-                        <a:latin typeface="Calibri" panose="020F0502020204030204" pitchFamily="34" charset="0"/>
-                        <a:ea typeface="新細明體" panose="02020500000000000000" pitchFamily="18" charset="-120"/>
-                      </a:endParaRPr>
-                    </a:p>
-                  </a:txBody>
-                  <a:tcPr marL="6350" marR="6350" marT="6350" marB="0" anchor="ctr"/>
-                </a:tc>
-                <a:tc>
-                  <a:txBody>
-                    <a:bodyPr/>
-                    <a:lstStyle/>
-                    <a:p>
-                      <a:pPr algn="l" fontAlgn="ctr"/>
-                      <a:r>
-                        <a:rPr lang="zh-TW" altLang="en-US" sz="1600" u="none" strike="noStrike">
-                          <a:effectLst/>
-                        </a:rPr>
-                        <a:t>           </a:t>
-                      </a:r>
-                      <a:r>
-                        <a:rPr lang="en-US" altLang="zh-TW" sz="1600" u="none" strike="noStrike">
-                          <a:effectLst/>
-                        </a:rPr>
-                        <a:t>0.756 </a:t>
-                      </a:r>
-                      <a:endParaRPr lang="en-US" altLang="zh-TW" sz="1600" b="0" i="0" u="none" strike="noStrike">
-                        <a:solidFill>
-                          <a:srgbClr val="000000"/>
-                        </a:solidFill>
-                        <a:effectLst/>
-                        <a:latin typeface="Calibri" panose="020F0502020204030204" pitchFamily="34" charset="0"/>
-                        <a:ea typeface="新細明體" panose="02020500000000000000" pitchFamily="18" charset="-120"/>
-                      </a:endParaRPr>
-                    </a:p>
-                  </a:txBody>
-                  <a:tcPr marL="6350" marR="6350" marT="6350" marB="0" anchor="ctr"/>
-                </a:tc>
-                <a:extLst>
-                  <a:ext uri="{0D108BD9-81ED-4DB2-BD59-A6C34878D82A}">
-                    <a16:rowId xmlns:a16="http://schemas.microsoft.com/office/drawing/2014/main" xmlns="" val="3073336164"/>
-                  </a:ext>
-                </a:extLst>
-              </a:tr>
-              <a:tr h="662766">
-                <a:tc>
-                  <a:txBody>
-                    <a:bodyPr/>
-                    <a:lstStyle/>
-                    <a:p>
-                      <a:pPr algn="l" fontAlgn="ctr"/>
-                      <a:r>
-                        <a:rPr lang="en-US" sz="1600" u="none" strike="noStrike">
-                          <a:effectLst/>
-                        </a:rPr>
-                        <a:t>GradientBoostingRegressor</a:t>
-                      </a:r>
-                      <a:endParaRPr lang="en-US" sz="1600" b="0" i="0" u="none" strike="noStrike">
-                        <a:solidFill>
-                          <a:srgbClr val="000000"/>
-                        </a:solidFill>
-                        <a:effectLst/>
-                        <a:latin typeface="Calibri" panose="020F0502020204030204" pitchFamily="34" charset="0"/>
-                        <a:ea typeface="新細明體" panose="02020500000000000000" pitchFamily="18" charset="-120"/>
-                      </a:endParaRPr>
-                    </a:p>
-                  </a:txBody>
-                  <a:tcPr marL="6350" marR="6350" marT="6350" marB="0" anchor="ctr"/>
-                </a:tc>
-                <a:tc>
-                  <a:txBody>
-                    <a:bodyPr/>
-                    <a:lstStyle/>
-                    <a:p>
-                      <a:pPr algn="l" fontAlgn="ctr"/>
-                      <a:r>
-                        <a:rPr lang="zh-TW" altLang="en-US" sz="1600" u="none" strike="noStrike">
-                          <a:effectLst/>
-                        </a:rPr>
-                        <a:t>           </a:t>
-                      </a:r>
-                      <a:r>
-                        <a:rPr lang="en-US" altLang="zh-TW" sz="1600" u="none" strike="noStrike">
-                          <a:effectLst/>
-                        </a:rPr>
-                        <a:t>4.774 </a:t>
-                      </a:r>
-                      <a:endParaRPr lang="en-US" altLang="zh-TW" sz="1600" b="0" i="0" u="none" strike="noStrike">
-                        <a:solidFill>
-                          <a:srgbClr val="000000"/>
-                        </a:solidFill>
-                        <a:effectLst/>
-                        <a:latin typeface="Calibri" panose="020F0502020204030204" pitchFamily="34" charset="0"/>
-                        <a:ea typeface="新細明體" panose="02020500000000000000" pitchFamily="18" charset="-120"/>
-                      </a:endParaRPr>
-                    </a:p>
-                  </a:txBody>
-                  <a:tcPr marL="6350" marR="6350" marT="6350" marB="0" anchor="ctr"/>
-                </a:tc>
-                <a:tc>
-                  <a:txBody>
-                    <a:bodyPr/>
-                    <a:lstStyle/>
-                    <a:p>
-                      <a:pPr algn="l" fontAlgn="ctr"/>
-                      <a:r>
-                        <a:rPr lang="zh-TW" altLang="en-US" sz="1600" u="none" strike="noStrike">
-                          <a:effectLst/>
-                        </a:rPr>
-                        <a:t>        </a:t>
-                      </a:r>
-                      <a:r>
-                        <a:rPr lang="en-US" altLang="zh-TW" sz="1600" u="none" strike="noStrike">
-                          <a:effectLst/>
-                        </a:rPr>
-                        <a:t>44.095 </a:t>
-                      </a:r>
-                      <a:endParaRPr lang="en-US" altLang="zh-TW" sz="1600" b="0" i="0" u="none" strike="noStrike">
-                        <a:solidFill>
-                          <a:srgbClr val="000000"/>
-                        </a:solidFill>
-                        <a:effectLst/>
-                        <a:latin typeface="Calibri" panose="020F0502020204030204" pitchFamily="34" charset="0"/>
-                        <a:ea typeface="新細明體" panose="02020500000000000000" pitchFamily="18" charset="-120"/>
-                      </a:endParaRPr>
-                    </a:p>
-                  </a:txBody>
-                  <a:tcPr marL="6350" marR="6350" marT="6350" marB="0" anchor="ctr"/>
-                </a:tc>
-                <a:tc>
-                  <a:txBody>
-                    <a:bodyPr/>
-                    <a:lstStyle/>
-                    <a:p>
-                      <a:pPr algn="l" fontAlgn="ctr"/>
-                      <a:r>
-                        <a:rPr lang="zh-TW" altLang="en-US" sz="1600" u="none" strike="noStrike" dirty="0">
-                          <a:effectLst/>
-                        </a:rPr>
-                        <a:t>           </a:t>
-                      </a:r>
-                      <a:r>
-                        <a:rPr lang="en-US" altLang="zh-TW" sz="1600" u="none" strike="noStrike" dirty="0">
-                          <a:effectLst/>
-                        </a:rPr>
-                        <a:t>0.732 </a:t>
-                      </a:r>
-                      <a:endParaRPr lang="en-US" altLang="zh-TW" sz="1600" b="0" i="0" u="none" strike="noStrike" dirty="0">
-                        <a:solidFill>
-                          <a:srgbClr val="000000"/>
-                        </a:solidFill>
-                        <a:effectLst/>
-                        <a:latin typeface="Calibri" panose="020F0502020204030204" pitchFamily="34" charset="0"/>
-                        <a:ea typeface="新細明體" panose="02020500000000000000" pitchFamily="18" charset="-120"/>
-                      </a:endParaRPr>
-                    </a:p>
-                  </a:txBody>
-                  <a:tcPr marL="6350" marR="6350" marT="6350" marB="0" anchor="ctr"/>
-                </a:tc>
-                <a:extLst>
-                  <a:ext uri="{0D108BD9-81ED-4DB2-BD59-A6C34878D82A}">
-                    <a16:rowId xmlns:a16="http://schemas.microsoft.com/office/drawing/2014/main" xmlns="" val="36895230"/>
-                  </a:ext>
-                </a:extLst>
-              </a:tr>
-            </a:tbl>
-          </a:graphicData>
-        </a:graphic>
-      </p:graphicFrame>
-      <p:sp>
-        <p:nvSpPr>
-          <p:cNvPr id="4" name="投影片編號版面配置區 3"/>
-          <p:cNvSpPr>
-            <a:spLocks noGrp="1"/>
-          </p:cNvSpPr>
-          <p:nvPr>
-            <p:ph type="sldNum" sz="quarter" idx="4"/>
-          </p:nvPr>
-        </p:nvSpPr>
-        <p:spPr/>
-        <p:txBody>
-          <a:bodyPr/>
-          <a:lstStyle/>
-          <a:p>
-            <a:fld id="{31CFB70C-68FF-486D-858C-B44EB4793726}" type="slidenum">
-              <a:rPr lang="zh-TW" altLang="en-US" smtClean="0"/>
-              <a:pPr/>
-              <a:t>19</a:t>
-            </a:fld>
-            <a:endParaRPr lang="zh-TW" altLang="en-US" dirty="0"/>
-          </a:p>
-        </p:txBody>
-      </p:sp>
-    </p:spTree>
-    <p:extLst>
-      <p:ext uri="{BB962C8B-B14F-4D97-AF65-F5344CB8AC3E}">
-        <p14:creationId xmlns:p14="http://schemas.microsoft.com/office/powerpoint/2010/main" val="2875574244"/>
       </p:ext>
     </p:extLst>
   </p:cSld>
@@ -14672,7 +19919,7 @@
                 <a:latin typeface="+mj-lt"/>
                 <a:ea typeface="+mj-ea"/>
               </a:rPr>
-              <a:t>     目的說明          </a:t>
+              <a:t>     目標說明         </a:t>
             </a:r>
             <a:r>
               <a:rPr lang="en-US" altLang="zh-TW" b="1" dirty="0" smtClean="0">
@@ -15678,6 +20925,739 @@
           <a:chExt cx="0" cy="0"/>
         </a:xfrm>
       </p:grpSpPr>
+      <p:sp>
+        <p:nvSpPr>
+          <p:cNvPr id="2" name="標題 1"/>
+          <p:cNvSpPr>
+            <a:spLocks noGrp="1"/>
+          </p:cNvSpPr>
+          <p:nvPr>
+            <p:ph type="title"/>
+          </p:nvPr>
+        </p:nvSpPr>
+        <p:spPr/>
+        <p:txBody>
+          <a:bodyPr/>
+          <a:lstStyle/>
+          <a:p>
+            <a:r>
+              <a:rPr lang="zh-TW" altLang="en-US" dirty="0" smtClean="0"/>
+              <a:t>模型</a:t>
+            </a:r>
+            <a:endParaRPr lang="zh-TW" altLang="en-US" dirty="0"/>
+          </a:p>
+        </p:txBody>
+      </p:sp>
+      <p:graphicFrame>
+        <p:nvGraphicFramePr>
+          <p:cNvPr id="5" name="內容版面配置區 4"/>
+          <p:cNvGraphicFramePr>
+            <a:graphicFrameLocks noGrp="1"/>
+          </p:cNvGraphicFramePr>
+          <p:nvPr>
+            <p:ph idx="1"/>
+            <p:extLst>
+              <p:ext uri="{D42A27DB-BD31-4B8C-83A1-F6EECF244321}">
+                <p14:modId xmlns:p14="http://schemas.microsoft.com/office/powerpoint/2010/main" val="435436592"/>
+              </p:ext>
+            </p:extLst>
+          </p:nvPr>
+        </p:nvGraphicFramePr>
+        <p:xfrm>
+          <a:off x="457200" y="2133599"/>
+          <a:ext cx="8077200" cy="3035604"/>
+        </p:xfrm>
+        <a:graphic>
+          <a:graphicData uri="http://schemas.openxmlformats.org/drawingml/2006/table">
+            <a:tbl>
+              <a:tblPr>
+                <a:tableStyleId>{8EC20E35-A176-4012-BC5E-935CFFF8708E}</a:tableStyleId>
+              </a:tblPr>
+              <a:tblGrid>
+                <a:gridCol w="3611559">
+                  <a:extLst>
+                    <a:ext uri="{9D8B030D-6E8A-4147-A177-3AD203B41FA5}">
+                      <a16:colId xmlns:a16="http://schemas.microsoft.com/office/drawing/2014/main" val="3383990313"/>
+                    </a:ext>
+                  </a:extLst>
+                </a:gridCol>
+                <a:gridCol w="1488547">
+                  <a:extLst>
+                    <a:ext uri="{9D8B030D-6E8A-4147-A177-3AD203B41FA5}">
+                      <a16:colId xmlns:a16="http://schemas.microsoft.com/office/drawing/2014/main" val="150751618"/>
+                    </a:ext>
+                  </a:extLst>
+                </a:gridCol>
+                <a:gridCol w="1488547">
+                  <a:extLst>
+                    <a:ext uri="{9D8B030D-6E8A-4147-A177-3AD203B41FA5}">
+                      <a16:colId xmlns:a16="http://schemas.microsoft.com/office/drawing/2014/main" val="1211091569"/>
+                    </a:ext>
+                  </a:extLst>
+                </a:gridCol>
+                <a:gridCol w="1488547">
+                  <a:extLst>
+                    <a:ext uri="{9D8B030D-6E8A-4147-A177-3AD203B41FA5}">
+                      <a16:colId xmlns:a16="http://schemas.microsoft.com/office/drawing/2014/main" val="995570669"/>
+                    </a:ext>
+                  </a:extLst>
+                </a:gridCol>
+              </a:tblGrid>
+              <a:tr h="384540">
+                <a:tc>
+                  <a:txBody>
+                    <a:bodyPr/>
+                    <a:lstStyle/>
+                    <a:p>
+                      <a:pPr algn="l" fontAlgn="ctr"/>
+                      <a:r>
+                        <a:rPr lang="zh-TW" altLang="en-US" sz="1600" u="none" strike="noStrike">
+                          <a:effectLst/>
+                        </a:rPr>
+                        <a:t>　</a:t>
+                      </a:r>
+                      <a:endParaRPr lang="zh-TW" altLang="en-US" sz="1600" b="0" i="0" u="none" strike="noStrike">
+                        <a:solidFill>
+                          <a:srgbClr val="000000"/>
+                        </a:solidFill>
+                        <a:effectLst/>
+                        <a:latin typeface="Calibri" panose="020F0502020204030204" pitchFamily="34" charset="0"/>
+                        <a:ea typeface="新細明體" panose="02020500000000000000" pitchFamily="18" charset="-120"/>
+                      </a:endParaRPr>
+                    </a:p>
+                  </a:txBody>
+                  <a:tcPr marL="6350" marR="6350" marT="6350" marB="0" anchor="ctr"/>
+                </a:tc>
+                <a:tc>
+                  <a:txBody>
+                    <a:bodyPr/>
+                    <a:lstStyle/>
+                    <a:p>
+                      <a:pPr algn="ctr" fontAlgn="ctr"/>
+                      <a:r>
+                        <a:rPr lang="en-US" sz="1600" u="none" strike="noStrike" dirty="0">
+                          <a:effectLst/>
+                        </a:rPr>
+                        <a:t>MAE</a:t>
+                      </a:r>
+                      <a:endParaRPr lang="en-US" sz="1600" b="0" i="0" u="none" strike="noStrike" dirty="0">
+                        <a:solidFill>
+                          <a:srgbClr val="000000"/>
+                        </a:solidFill>
+                        <a:effectLst/>
+                        <a:latin typeface="Calibri" panose="020F0502020204030204" pitchFamily="34" charset="0"/>
+                        <a:ea typeface="新細明體" panose="02020500000000000000" pitchFamily="18" charset="-120"/>
+                      </a:endParaRPr>
+                    </a:p>
+                  </a:txBody>
+                  <a:tcPr marL="6350" marR="6350" marT="6350" marB="0" anchor="ctr"/>
+                </a:tc>
+                <a:tc>
+                  <a:txBody>
+                    <a:bodyPr/>
+                    <a:lstStyle/>
+                    <a:p>
+                      <a:pPr algn="ctr" fontAlgn="ctr"/>
+                      <a:r>
+                        <a:rPr lang="en-US" sz="1600" u="none" strike="noStrike" dirty="0">
+                          <a:effectLst/>
+                        </a:rPr>
+                        <a:t>MSE</a:t>
+                      </a:r>
+                      <a:endParaRPr lang="en-US" sz="1600" b="0" i="0" u="none" strike="noStrike" dirty="0">
+                        <a:solidFill>
+                          <a:srgbClr val="000000"/>
+                        </a:solidFill>
+                        <a:effectLst/>
+                        <a:latin typeface="Calibri" panose="020F0502020204030204" pitchFamily="34" charset="0"/>
+                        <a:ea typeface="新細明體" panose="02020500000000000000" pitchFamily="18" charset="-120"/>
+                      </a:endParaRPr>
+                    </a:p>
+                  </a:txBody>
+                  <a:tcPr marL="6350" marR="6350" marT="6350" marB="0" anchor="ctr"/>
+                </a:tc>
+                <a:tc>
+                  <a:txBody>
+                    <a:bodyPr/>
+                    <a:lstStyle/>
+                    <a:p>
+                      <a:pPr algn="ctr" fontAlgn="ctr"/>
+                      <a:r>
+                        <a:rPr lang="en-US" sz="1600" u="none" strike="noStrike" dirty="0">
+                          <a:effectLst/>
+                        </a:rPr>
+                        <a:t>R2</a:t>
+                      </a:r>
+                      <a:endParaRPr lang="en-US" sz="1600" b="0" i="0" u="none" strike="noStrike" dirty="0">
+                        <a:solidFill>
+                          <a:srgbClr val="000000"/>
+                        </a:solidFill>
+                        <a:effectLst/>
+                        <a:latin typeface="Calibri" panose="020F0502020204030204" pitchFamily="34" charset="0"/>
+                        <a:ea typeface="新細明體" panose="02020500000000000000" pitchFamily="18" charset="-120"/>
+                      </a:endParaRPr>
+                    </a:p>
+                  </a:txBody>
+                  <a:tcPr marL="6350" marR="6350" marT="6350" marB="0" anchor="ctr"/>
+                </a:tc>
+                <a:extLst>
+                  <a:ext uri="{0D108BD9-81ED-4DB2-BD59-A6C34878D82A}">
+                    <a16:rowId xmlns:a16="http://schemas.microsoft.com/office/drawing/2014/main" val="3309820831"/>
+                  </a:ext>
+                </a:extLst>
+              </a:tr>
+              <a:tr h="662766">
+                <a:tc>
+                  <a:txBody>
+                    <a:bodyPr/>
+                    <a:lstStyle/>
+                    <a:p>
+                      <a:pPr algn="l" fontAlgn="ctr"/>
+                      <a:r>
+                        <a:rPr lang="en-US" sz="1600" u="none" strike="noStrike">
+                          <a:effectLst/>
+                        </a:rPr>
+                        <a:t>LinearRegression</a:t>
+                      </a:r>
+                      <a:endParaRPr lang="en-US" sz="1600" b="0" i="0" u="none" strike="noStrike">
+                        <a:solidFill>
+                          <a:srgbClr val="000000"/>
+                        </a:solidFill>
+                        <a:effectLst/>
+                        <a:latin typeface="Calibri" panose="020F0502020204030204" pitchFamily="34" charset="0"/>
+                        <a:ea typeface="新細明體" panose="02020500000000000000" pitchFamily="18" charset="-120"/>
+                      </a:endParaRPr>
+                    </a:p>
+                  </a:txBody>
+                  <a:tcPr marL="6350" marR="6350" marT="6350" marB="0" anchor="ctr"/>
+                </a:tc>
+                <a:tc>
+                  <a:txBody>
+                    <a:bodyPr/>
+                    <a:lstStyle/>
+                    <a:p>
+                      <a:pPr algn="l" fontAlgn="ctr"/>
+                      <a:r>
+                        <a:rPr lang="zh-TW" altLang="en-US" sz="1600" u="none" strike="noStrike">
+                          <a:effectLst/>
+                        </a:rPr>
+                        <a:t>           </a:t>
+                      </a:r>
+                      <a:r>
+                        <a:rPr lang="en-US" altLang="zh-TW" sz="1600" u="none" strike="noStrike">
+                          <a:effectLst/>
+                        </a:rPr>
+                        <a:t>5.225 </a:t>
+                      </a:r>
+                      <a:endParaRPr lang="en-US" altLang="zh-TW" sz="1600" b="0" i="0" u="none" strike="noStrike">
+                        <a:solidFill>
+                          <a:srgbClr val="000000"/>
+                        </a:solidFill>
+                        <a:effectLst/>
+                        <a:latin typeface="Calibri" panose="020F0502020204030204" pitchFamily="34" charset="0"/>
+                        <a:ea typeface="新細明體" panose="02020500000000000000" pitchFamily="18" charset="-120"/>
+                      </a:endParaRPr>
+                    </a:p>
+                  </a:txBody>
+                  <a:tcPr marL="6350" marR="6350" marT="6350" marB="0" anchor="ctr"/>
+                </a:tc>
+                <a:tc>
+                  <a:txBody>
+                    <a:bodyPr/>
+                    <a:lstStyle/>
+                    <a:p>
+                      <a:pPr algn="l" fontAlgn="ctr"/>
+                      <a:r>
+                        <a:rPr lang="zh-TW" altLang="en-US" sz="1600" u="none" strike="noStrike">
+                          <a:effectLst/>
+                        </a:rPr>
+                        <a:t>        </a:t>
+                      </a:r>
+                      <a:r>
+                        <a:rPr lang="en-US" altLang="zh-TW" sz="1600" u="none" strike="noStrike">
+                          <a:effectLst/>
+                        </a:rPr>
+                        <a:t>50.824 </a:t>
+                      </a:r>
+                      <a:endParaRPr lang="en-US" altLang="zh-TW" sz="1600" b="0" i="0" u="none" strike="noStrike">
+                        <a:solidFill>
+                          <a:srgbClr val="000000"/>
+                        </a:solidFill>
+                        <a:effectLst/>
+                        <a:latin typeface="Calibri" panose="020F0502020204030204" pitchFamily="34" charset="0"/>
+                        <a:ea typeface="新細明體" panose="02020500000000000000" pitchFamily="18" charset="-120"/>
+                      </a:endParaRPr>
+                    </a:p>
+                  </a:txBody>
+                  <a:tcPr marL="6350" marR="6350" marT="6350" marB="0" anchor="ctr"/>
+                </a:tc>
+                <a:tc>
+                  <a:txBody>
+                    <a:bodyPr/>
+                    <a:lstStyle/>
+                    <a:p>
+                      <a:pPr algn="l" fontAlgn="ctr"/>
+                      <a:r>
+                        <a:rPr lang="zh-TW" altLang="en-US" sz="1600" u="none" strike="noStrike">
+                          <a:effectLst/>
+                        </a:rPr>
+                        <a:t>           </a:t>
+                      </a:r>
+                      <a:r>
+                        <a:rPr lang="en-US" altLang="zh-TW" sz="1600" u="none" strike="noStrike">
+                          <a:effectLst/>
+                        </a:rPr>
+                        <a:t>0.695 </a:t>
+                      </a:r>
+                      <a:endParaRPr lang="en-US" altLang="zh-TW" sz="1600" b="0" i="0" u="none" strike="noStrike">
+                        <a:solidFill>
+                          <a:srgbClr val="000000"/>
+                        </a:solidFill>
+                        <a:effectLst/>
+                        <a:latin typeface="Calibri" panose="020F0502020204030204" pitchFamily="34" charset="0"/>
+                        <a:ea typeface="新細明體" panose="02020500000000000000" pitchFamily="18" charset="-120"/>
+                      </a:endParaRPr>
+                    </a:p>
+                  </a:txBody>
+                  <a:tcPr marL="6350" marR="6350" marT="6350" marB="0" anchor="ctr"/>
+                </a:tc>
+                <a:extLst>
+                  <a:ext uri="{0D108BD9-81ED-4DB2-BD59-A6C34878D82A}">
+                    <a16:rowId xmlns:a16="http://schemas.microsoft.com/office/drawing/2014/main" val="2285552071"/>
+                  </a:ext>
+                </a:extLst>
+              </a:tr>
+              <a:tr h="662766">
+                <a:tc>
+                  <a:txBody>
+                    <a:bodyPr/>
+                    <a:lstStyle/>
+                    <a:p>
+                      <a:pPr algn="l" fontAlgn="ctr"/>
+                      <a:r>
+                        <a:rPr lang="en-US" sz="1600" u="none" strike="noStrike">
+                          <a:effectLst/>
+                        </a:rPr>
+                        <a:t>DecisionTreeRegressor</a:t>
+                      </a:r>
+                      <a:endParaRPr lang="en-US" sz="1600" b="0" i="0" u="none" strike="noStrike">
+                        <a:solidFill>
+                          <a:srgbClr val="000000"/>
+                        </a:solidFill>
+                        <a:effectLst/>
+                        <a:latin typeface="Calibri" panose="020F0502020204030204" pitchFamily="34" charset="0"/>
+                        <a:ea typeface="新細明體" panose="02020500000000000000" pitchFamily="18" charset="-120"/>
+                      </a:endParaRPr>
+                    </a:p>
+                  </a:txBody>
+                  <a:tcPr marL="6350" marR="6350" marT="6350" marB="0" anchor="ctr"/>
+                </a:tc>
+                <a:tc>
+                  <a:txBody>
+                    <a:bodyPr/>
+                    <a:lstStyle/>
+                    <a:p>
+                      <a:pPr algn="l" fontAlgn="ctr"/>
+                      <a:r>
+                        <a:rPr lang="zh-TW" altLang="en-US" sz="1600" u="none" strike="noStrike">
+                          <a:effectLst/>
+                        </a:rPr>
+                        <a:t>           </a:t>
+                      </a:r>
+                      <a:r>
+                        <a:rPr lang="en-US" altLang="zh-TW" sz="1600" u="none" strike="noStrike">
+                          <a:effectLst/>
+                        </a:rPr>
+                        <a:t>5.026 </a:t>
+                      </a:r>
+                      <a:endParaRPr lang="en-US" altLang="zh-TW" sz="1600" b="0" i="0" u="none" strike="noStrike">
+                        <a:solidFill>
+                          <a:srgbClr val="000000"/>
+                        </a:solidFill>
+                        <a:effectLst/>
+                        <a:latin typeface="Calibri" panose="020F0502020204030204" pitchFamily="34" charset="0"/>
+                        <a:ea typeface="新細明體" panose="02020500000000000000" pitchFamily="18" charset="-120"/>
+                      </a:endParaRPr>
+                    </a:p>
+                  </a:txBody>
+                  <a:tcPr marL="6350" marR="6350" marT="6350" marB="0" anchor="ctr"/>
+                </a:tc>
+                <a:tc>
+                  <a:txBody>
+                    <a:bodyPr/>
+                    <a:lstStyle/>
+                    <a:p>
+                      <a:pPr algn="l" fontAlgn="ctr"/>
+                      <a:r>
+                        <a:rPr lang="zh-TW" altLang="en-US" sz="1600" u="none" strike="noStrike">
+                          <a:effectLst/>
+                        </a:rPr>
+                        <a:t>        </a:t>
+                      </a:r>
+                      <a:r>
+                        <a:rPr lang="en-US" altLang="zh-TW" sz="1600" u="none" strike="noStrike">
+                          <a:effectLst/>
+                        </a:rPr>
+                        <a:t>46.022 </a:t>
+                      </a:r>
+                      <a:endParaRPr lang="en-US" altLang="zh-TW" sz="1600" b="0" i="0" u="none" strike="noStrike">
+                        <a:solidFill>
+                          <a:srgbClr val="000000"/>
+                        </a:solidFill>
+                        <a:effectLst/>
+                        <a:latin typeface="Calibri" panose="020F0502020204030204" pitchFamily="34" charset="0"/>
+                        <a:ea typeface="新細明體" panose="02020500000000000000" pitchFamily="18" charset="-120"/>
+                      </a:endParaRPr>
+                    </a:p>
+                  </a:txBody>
+                  <a:tcPr marL="6350" marR="6350" marT="6350" marB="0" anchor="ctr"/>
+                </a:tc>
+                <a:tc>
+                  <a:txBody>
+                    <a:bodyPr/>
+                    <a:lstStyle/>
+                    <a:p>
+                      <a:pPr algn="l" fontAlgn="ctr"/>
+                      <a:r>
+                        <a:rPr lang="zh-TW" altLang="en-US" sz="1600" u="none" strike="noStrike">
+                          <a:effectLst/>
+                        </a:rPr>
+                        <a:t>           </a:t>
+                      </a:r>
+                      <a:r>
+                        <a:rPr lang="en-US" altLang="zh-TW" sz="1600" u="none" strike="noStrike">
+                          <a:effectLst/>
+                        </a:rPr>
+                        <a:t>0.721 </a:t>
+                      </a:r>
+                      <a:endParaRPr lang="en-US" altLang="zh-TW" sz="1600" b="0" i="0" u="none" strike="noStrike">
+                        <a:solidFill>
+                          <a:srgbClr val="000000"/>
+                        </a:solidFill>
+                        <a:effectLst/>
+                        <a:latin typeface="Calibri" panose="020F0502020204030204" pitchFamily="34" charset="0"/>
+                        <a:ea typeface="新細明體" panose="02020500000000000000" pitchFamily="18" charset="-120"/>
+                      </a:endParaRPr>
+                    </a:p>
+                  </a:txBody>
+                  <a:tcPr marL="6350" marR="6350" marT="6350" marB="0" anchor="ctr"/>
+                </a:tc>
+                <a:extLst>
+                  <a:ext uri="{0D108BD9-81ED-4DB2-BD59-A6C34878D82A}">
+                    <a16:rowId xmlns:a16="http://schemas.microsoft.com/office/drawing/2014/main" val="1291525824"/>
+                  </a:ext>
+                </a:extLst>
+              </a:tr>
+              <a:tr h="662766">
+                <a:tc>
+                  <a:txBody>
+                    <a:bodyPr/>
+                    <a:lstStyle/>
+                    <a:p>
+                      <a:pPr algn="l" fontAlgn="ctr"/>
+                      <a:r>
+                        <a:rPr lang="en-US" sz="1600" b="1" u="none" strike="noStrike" dirty="0" err="1">
+                          <a:solidFill>
+                            <a:srgbClr val="FF0000"/>
+                          </a:solidFill>
+                          <a:effectLst/>
+                        </a:rPr>
+                        <a:t>RandomForestRegressor</a:t>
+                      </a:r>
+                      <a:endParaRPr lang="en-US" sz="1600" b="1" i="0" u="none" strike="noStrike" dirty="0">
+                        <a:solidFill>
+                          <a:srgbClr val="FF0000"/>
+                        </a:solidFill>
+                        <a:effectLst/>
+                        <a:latin typeface="Calibri" panose="020F0502020204030204" pitchFamily="34" charset="0"/>
+                        <a:ea typeface="新細明體" panose="02020500000000000000" pitchFamily="18" charset="-120"/>
+                      </a:endParaRPr>
+                    </a:p>
+                  </a:txBody>
+                  <a:tcPr marL="6350" marR="6350" marT="6350" marB="0" anchor="ctr"/>
+                </a:tc>
+                <a:tc>
+                  <a:txBody>
+                    <a:bodyPr/>
+                    <a:lstStyle/>
+                    <a:p>
+                      <a:pPr algn="l" fontAlgn="ctr"/>
+                      <a:r>
+                        <a:rPr lang="zh-TW" altLang="en-US" sz="1600" u="none" strike="noStrike">
+                          <a:effectLst/>
+                        </a:rPr>
+                        <a:t>           </a:t>
+                      </a:r>
+                      <a:r>
+                        <a:rPr lang="en-US" altLang="zh-TW" sz="1600" u="none" strike="noStrike">
+                          <a:effectLst/>
+                        </a:rPr>
+                        <a:t>4.590 </a:t>
+                      </a:r>
+                      <a:endParaRPr lang="en-US" altLang="zh-TW" sz="1600" b="0" i="0" u="none" strike="noStrike">
+                        <a:solidFill>
+                          <a:srgbClr val="000000"/>
+                        </a:solidFill>
+                        <a:effectLst/>
+                        <a:latin typeface="Calibri" panose="020F0502020204030204" pitchFamily="34" charset="0"/>
+                        <a:ea typeface="新細明體" panose="02020500000000000000" pitchFamily="18" charset="-120"/>
+                      </a:endParaRPr>
+                    </a:p>
+                  </a:txBody>
+                  <a:tcPr marL="6350" marR="6350" marT="6350" marB="0" anchor="ctr"/>
+                </a:tc>
+                <a:tc>
+                  <a:txBody>
+                    <a:bodyPr/>
+                    <a:lstStyle/>
+                    <a:p>
+                      <a:pPr algn="l" fontAlgn="ctr"/>
+                      <a:r>
+                        <a:rPr lang="zh-TW" altLang="en-US" sz="1600" u="none" strike="noStrike">
+                          <a:effectLst/>
+                        </a:rPr>
+                        <a:t>        </a:t>
+                      </a:r>
+                      <a:r>
+                        <a:rPr lang="en-US" altLang="zh-TW" sz="1600" u="none" strike="noStrike">
+                          <a:effectLst/>
+                        </a:rPr>
+                        <a:t>40.177 </a:t>
+                      </a:r>
+                      <a:endParaRPr lang="en-US" altLang="zh-TW" sz="1600" b="0" i="0" u="none" strike="noStrike">
+                        <a:solidFill>
+                          <a:srgbClr val="000000"/>
+                        </a:solidFill>
+                        <a:effectLst/>
+                        <a:latin typeface="Calibri" panose="020F0502020204030204" pitchFamily="34" charset="0"/>
+                        <a:ea typeface="新細明體" panose="02020500000000000000" pitchFamily="18" charset="-120"/>
+                      </a:endParaRPr>
+                    </a:p>
+                  </a:txBody>
+                  <a:tcPr marL="6350" marR="6350" marT="6350" marB="0" anchor="ctr"/>
+                </a:tc>
+                <a:tc>
+                  <a:txBody>
+                    <a:bodyPr/>
+                    <a:lstStyle/>
+                    <a:p>
+                      <a:pPr algn="l" fontAlgn="ctr"/>
+                      <a:r>
+                        <a:rPr lang="zh-TW" altLang="en-US" sz="1600" u="none" strike="noStrike">
+                          <a:effectLst/>
+                        </a:rPr>
+                        <a:t>           </a:t>
+                      </a:r>
+                      <a:r>
+                        <a:rPr lang="en-US" altLang="zh-TW" sz="1600" u="none" strike="noStrike">
+                          <a:effectLst/>
+                        </a:rPr>
+                        <a:t>0.756 </a:t>
+                      </a:r>
+                      <a:endParaRPr lang="en-US" altLang="zh-TW" sz="1600" b="0" i="0" u="none" strike="noStrike">
+                        <a:solidFill>
+                          <a:srgbClr val="000000"/>
+                        </a:solidFill>
+                        <a:effectLst/>
+                        <a:latin typeface="Calibri" panose="020F0502020204030204" pitchFamily="34" charset="0"/>
+                        <a:ea typeface="新細明體" panose="02020500000000000000" pitchFamily="18" charset="-120"/>
+                      </a:endParaRPr>
+                    </a:p>
+                  </a:txBody>
+                  <a:tcPr marL="6350" marR="6350" marT="6350" marB="0" anchor="ctr"/>
+                </a:tc>
+                <a:extLst>
+                  <a:ext uri="{0D108BD9-81ED-4DB2-BD59-A6C34878D82A}">
+                    <a16:rowId xmlns:a16="http://schemas.microsoft.com/office/drawing/2014/main" val="3073336164"/>
+                  </a:ext>
+                </a:extLst>
+              </a:tr>
+              <a:tr h="662766">
+                <a:tc>
+                  <a:txBody>
+                    <a:bodyPr/>
+                    <a:lstStyle/>
+                    <a:p>
+                      <a:pPr algn="l" fontAlgn="ctr"/>
+                      <a:r>
+                        <a:rPr lang="en-US" sz="1600" u="none" strike="noStrike">
+                          <a:effectLst/>
+                        </a:rPr>
+                        <a:t>GradientBoostingRegressor</a:t>
+                      </a:r>
+                      <a:endParaRPr lang="en-US" sz="1600" b="0" i="0" u="none" strike="noStrike">
+                        <a:solidFill>
+                          <a:srgbClr val="000000"/>
+                        </a:solidFill>
+                        <a:effectLst/>
+                        <a:latin typeface="Calibri" panose="020F0502020204030204" pitchFamily="34" charset="0"/>
+                        <a:ea typeface="新細明體" panose="02020500000000000000" pitchFamily="18" charset="-120"/>
+                      </a:endParaRPr>
+                    </a:p>
+                  </a:txBody>
+                  <a:tcPr marL="6350" marR="6350" marT="6350" marB="0" anchor="ctr"/>
+                </a:tc>
+                <a:tc>
+                  <a:txBody>
+                    <a:bodyPr/>
+                    <a:lstStyle/>
+                    <a:p>
+                      <a:pPr algn="l" fontAlgn="ctr"/>
+                      <a:r>
+                        <a:rPr lang="zh-TW" altLang="en-US" sz="1600" u="none" strike="noStrike">
+                          <a:effectLst/>
+                        </a:rPr>
+                        <a:t>           </a:t>
+                      </a:r>
+                      <a:r>
+                        <a:rPr lang="en-US" altLang="zh-TW" sz="1600" u="none" strike="noStrike">
+                          <a:effectLst/>
+                        </a:rPr>
+                        <a:t>4.774 </a:t>
+                      </a:r>
+                      <a:endParaRPr lang="en-US" altLang="zh-TW" sz="1600" b="0" i="0" u="none" strike="noStrike">
+                        <a:solidFill>
+                          <a:srgbClr val="000000"/>
+                        </a:solidFill>
+                        <a:effectLst/>
+                        <a:latin typeface="Calibri" panose="020F0502020204030204" pitchFamily="34" charset="0"/>
+                        <a:ea typeface="新細明體" panose="02020500000000000000" pitchFamily="18" charset="-120"/>
+                      </a:endParaRPr>
+                    </a:p>
+                  </a:txBody>
+                  <a:tcPr marL="6350" marR="6350" marT="6350" marB="0" anchor="ctr"/>
+                </a:tc>
+                <a:tc>
+                  <a:txBody>
+                    <a:bodyPr/>
+                    <a:lstStyle/>
+                    <a:p>
+                      <a:pPr algn="l" fontAlgn="ctr"/>
+                      <a:r>
+                        <a:rPr lang="zh-TW" altLang="en-US" sz="1600" u="none" strike="noStrike">
+                          <a:effectLst/>
+                        </a:rPr>
+                        <a:t>        </a:t>
+                      </a:r>
+                      <a:r>
+                        <a:rPr lang="en-US" altLang="zh-TW" sz="1600" u="none" strike="noStrike">
+                          <a:effectLst/>
+                        </a:rPr>
+                        <a:t>44.095 </a:t>
+                      </a:r>
+                      <a:endParaRPr lang="en-US" altLang="zh-TW" sz="1600" b="0" i="0" u="none" strike="noStrike">
+                        <a:solidFill>
+                          <a:srgbClr val="000000"/>
+                        </a:solidFill>
+                        <a:effectLst/>
+                        <a:latin typeface="Calibri" panose="020F0502020204030204" pitchFamily="34" charset="0"/>
+                        <a:ea typeface="新細明體" panose="02020500000000000000" pitchFamily="18" charset="-120"/>
+                      </a:endParaRPr>
+                    </a:p>
+                  </a:txBody>
+                  <a:tcPr marL="6350" marR="6350" marT="6350" marB="0" anchor="ctr"/>
+                </a:tc>
+                <a:tc>
+                  <a:txBody>
+                    <a:bodyPr/>
+                    <a:lstStyle/>
+                    <a:p>
+                      <a:pPr algn="l" fontAlgn="ctr"/>
+                      <a:r>
+                        <a:rPr lang="zh-TW" altLang="en-US" sz="1600" u="none" strike="noStrike" dirty="0">
+                          <a:effectLst/>
+                        </a:rPr>
+                        <a:t>           </a:t>
+                      </a:r>
+                      <a:r>
+                        <a:rPr lang="en-US" altLang="zh-TW" sz="1600" u="none" strike="noStrike" dirty="0">
+                          <a:effectLst/>
+                        </a:rPr>
+                        <a:t>0.732 </a:t>
+                      </a:r>
+                      <a:endParaRPr lang="en-US" altLang="zh-TW" sz="1600" b="0" i="0" u="none" strike="noStrike" dirty="0">
+                        <a:solidFill>
+                          <a:srgbClr val="000000"/>
+                        </a:solidFill>
+                        <a:effectLst/>
+                        <a:latin typeface="Calibri" panose="020F0502020204030204" pitchFamily="34" charset="0"/>
+                        <a:ea typeface="新細明體" panose="02020500000000000000" pitchFamily="18" charset="-120"/>
+                      </a:endParaRPr>
+                    </a:p>
+                  </a:txBody>
+                  <a:tcPr marL="6350" marR="6350" marT="6350" marB="0" anchor="ctr"/>
+                </a:tc>
+                <a:extLst>
+                  <a:ext uri="{0D108BD9-81ED-4DB2-BD59-A6C34878D82A}">
+                    <a16:rowId xmlns:a16="http://schemas.microsoft.com/office/drawing/2014/main" val="36895230"/>
+                  </a:ext>
+                </a:extLst>
+              </a:tr>
+            </a:tbl>
+          </a:graphicData>
+        </a:graphic>
+      </p:graphicFrame>
+      <p:sp>
+        <p:nvSpPr>
+          <p:cNvPr id="4" name="投影片編號版面配置區 3"/>
+          <p:cNvSpPr>
+            <a:spLocks noGrp="1"/>
+          </p:cNvSpPr>
+          <p:nvPr>
+            <p:ph type="sldNum" sz="quarter" idx="4"/>
+          </p:nvPr>
+        </p:nvSpPr>
+        <p:spPr/>
+        <p:txBody>
+          <a:bodyPr/>
+          <a:lstStyle/>
+          <a:p>
+            <a:fld id="{31CFB70C-68FF-486D-858C-B44EB4793726}" type="slidenum">
+              <a:rPr lang="zh-TW" altLang="en-US" smtClean="0"/>
+              <a:pPr/>
+              <a:t>20</a:t>
+            </a:fld>
+            <a:endParaRPr lang="zh-TW" altLang="en-US" dirty="0"/>
+          </a:p>
+        </p:txBody>
+      </p:sp>
+    </p:spTree>
+    <p:extLst>
+      <p:ext uri="{BB962C8B-B14F-4D97-AF65-F5344CB8AC3E}">
+        <p14:creationId xmlns:p14="http://schemas.microsoft.com/office/powerpoint/2010/main" val="2875574244"/>
+      </p:ext>
+    </p:extLst>
+  </p:cSld>
+  <p:clrMapOvr>
+    <a:masterClrMapping/>
+  </p:clrMapOvr>
+  <p:timing>
+    <p:tnLst>
+      <p:par>
+        <p:cTn id="1" dur="indefinite" restart="never" nodeType="tmRoot"/>
+      </p:par>
+    </p:tnLst>
+  </p:timing>
+</p:sld>
+</file>
+
+<file path=ppt/slides/slide21.xml><?xml version="1.0" encoding="utf-8"?>
+<p:sld xmlns:a="http://schemas.openxmlformats.org/drawingml/2006/main" xmlns:r="http://schemas.openxmlformats.org/officeDocument/2006/relationships" xmlns:p="http://schemas.openxmlformats.org/presentationml/2006/main">
+  <p:cSld>
+    <p:spTree>
+      <p:nvGrpSpPr>
+        <p:cNvPr id="1" name=""/>
+        <p:cNvGrpSpPr/>
+        <p:nvPr/>
+      </p:nvGrpSpPr>
+      <p:grpSpPr>
+        <a:xfrm>
+          <a:off x="0" y="0"/>
+          <a:ext cx="0" cy="0"/>
+          <a:chOff x="0" y="0"/>
+          <a:chExt cx="0" cy="0"/>
+        </a:xfrm>
+      </p:grpSpPr>
       <p:graphicFrame>
         <p:nvGraphicFramePr>
           <p:cNvPr id="5" name="內容版面配置區 4"/>
@@ -15707,28 +21687,28 @@
                 <a:gridCol w="3679700">
                   <a:extLst>
                     <a:ext uri="{9D8B030D-6E8A-4147-A177-3AD203B41FA5}">
-                      <a16:colId xmlns:a16="http://schemas.microsoft.com/office/drawing/2014/main" xmlns="" val="1115606540"/>
+                      <a16:colId xmlns:a16="http://schemas.microsoft.com/office/drawing/2014/main" val="1115606540"/>
                     </a:ext>
                   </a:extLst>
                 </a:gridCol>
                 <a:gridCol w="1516633">
                   <a:extLst>
                     <a:ext uri="{9D8B030D-6E8A-4147-A177-3AD203B41FA5}">
-                      <a16:colId xmlns:a16="http://schemas.microsoft.com/office/drawing/2014/main" xmlns="" val="2508107303"/>
+                      <a16:colId xmlns:a16="http://schemas.microsoft.com/office/drawing/2014/main" val="2508107303"/>
                     </a:ext>
                   </a:extLst>
                 </a:gridCol>
                 <a:gridCol w="1516633">
                   <a:extLst>
                     <a:ext uri="{9D8B030D-6E8A-4147-A177-3AD203B41FA5}">
-                      <a16:colId xmlns:a16="http://schemas.microsoft.com/office/drawing/2014/main" xmlns="" val="2592755790"/>
+                      <a16:colId xmlns:a16="http://schemas.microsoft.com/office/drawing/2014/main" val="2592755790"/>
                     </a:ext>
                   </a:extLst>
                 </a:gridCol>
                 <a:gridCol w="1516633">
                   <a:extLst>
                     <a:ext uri="{9D8B030D-6E8A-4147-A177-3AD203B41FA5}">
-                      <a16:colId xmlns:a16="http://schemas.microsoft.com/office/drawing/2014/main" xmlns="" val="3966649915"/>
+                      <a16:colId xmlns:a16="http://schemas.microsoft.com/office/drawing/2014/main" val="3966649915"/>
                     </a:ext>
                   </a:extLst>
                 </a:gridCol>
@@ -15832,7 +21812,7 @@
                 </a:tc>
                 <a:extLst>
                   <a:ext uri="{0D108BD9-81ED-4DB2-BD59-A6C34878D82A}">
-                    <a16:rowId xmlns:a16="http://schemas.microsoft.com/office/drawing/2014/main" xmlns="" val="2196883171"/>
+                    <a16:rowId xmlns:a16="http://schemas.microsoft.com/office/drawing/2014/main" val="2196883171"/>
                   </a:ext>
                 </a:extLst>
               </a:tr>
@@ -15935,7 +21915,7 @@
                 </a:tc>
                 <a:extLst>
                   <a:ext uri="{0D108BD9-81ED-4DB2-BD59-A6C34878D82A}">
-                    <a16:rowId xmlns:a16="http://schemas.microsoft.com/office/drawing/2014/main" xmlns="" val="262375096"/>
+                    <a16:rowId xmlns:a16="http://schemas.microsoft.com/office/drawing/2014/main" val="262375096"/>
                   </a:ext>
                 </a:extLst>
               </a:tr>
@@ -16050,7 +22030,7 @@
                 </a:tc>
                 <a:extLst>
                   <a:ext uri="{0D108BD9-81ED-4DB2-BD59-A6C34878D82A}">
-                    <a16:rowId xmlns:a16="http://schemas.microsoft.com/office/drawing/2014/main" xmlns="" val="2892054419"/>
+                    <a16:rowId xmlns:a16="http://schemas.microsoft.com/office/drawing/2014/main" val="2892054419"/>
                   </a:ext>
                 </a:extLst>
               </a:tr>
@@ -16095,7 +22075,7 @@
             <a:fld id="{31CFB70C-68FF-486D-858C-B44EB4793726}" type="slidenum">
               <a:rPr lang="zh-TW" altLang="en-US" smtClean="0"/>
               <a:pPr/>
-              <a:t>20</a:t>
+              <a:t>21</a:t>
             </a:fld>
             <a:endParaRPr lang="zh-TW" altLang="en-US"/>
           </a:p>
@@ -16121,7 +22101,7 @@
 </p:sld>
 </file>
 
-<file path=ppt/slides/slide21.xml><?xml version="1.0" encoding="utf-8"?>
+<file path=ppt/slides/slide22.xml><?xml version="1.0" encoding="utf-8"?>
 <p:sld xmlns:a="http://schemas.openxmlformats.org/drawingml/2006/main" xmlns:r="http://schemas.openxmlformats.org/officeDocument/2006/relationships" xmlns:p="http://schemas.openxmlformats.org/presentationml/2006/main">
   <p:cSld>
     <p:spTree>
@@ -16206,7 +22186,7 @@
             <a:fld id="{31CFB70C-68FF-486D-858C-B44EB4793726}" type="slidenum">
               <a:rPr lang="zh-TW" altLang="en-US" smtClean="0"/>
               <a:pPr/>
-              <a:t>21</a:t>
+              <a:t>22</a:t>
             </a:fld>
             <a:endParaRPr lang="zh-TW" altLang="en-US"/>
           </a:p>
@@ -16240,7 +22220,7 @@
 </p:sld>
 </file>
 
-<file path=ppt/slides/slide22.xml><?xml version="1.0" encoding="utf-8"?>
+<file path=ppt/slides/slide23.xml><?xml version="1.0" encoding="utf-8"?>
 <p:sld xmlns:a="http://schemas.openxmlformats.org/drawingml/2006/main" xmlns:r="http://schemas.openxmlformats.org/officeDocument/2006/relationships" xmlns:p="http://schemas.openxmlformats.org/presentationml/2006/main">
   <p:cSld>
     <p:spTree>
@@ -16333,7 +22313,7 @@
             <a:fld id="{31CFB70C-68FF-486D-858C-B44EB4793726}" type="slidenum">
               <a:rPr lang="zh-TW" altLang="en-US" smtClean="0"/>
               <a:pPr/>
-              <a:t>22</a:t>
+              <a:t>23</a:t>
             </a:fld>
             <a:endParaRPr lang="zh-TW" altLang="en-US"/>
           </a:p>
@@ -17034,63 +23014,63 @@
                 <a:gridCol w="1713345">
                   <a:extLst>
                     <a:ext uri="{9D8B030D-6E8A-4147-A177-3AD203B41FA5}">
-                      <a16:colId xmlns:a16="http://schemas.microsoft.com/office/drawing/2014/main" xmlns="" val="2984689928"/>
+                      <a16:colId xmlns:a16="http://schemas.microsoft.com/office/drawing/2014/main" val="2984689928"/>
                     </a:ext>
                   </a:extLst>
                 </a:gridCol>
                 <a:gridCol w="1481815">
                   <a:extLst>
                     <a:ext uri="{9D8B030D-6E8A-4147-A177-3AD203B41FA5}">
-                      <a16:colId xmlns:a16="http://schemas.microsoft.com/office/drawing/2014/main" xmlns="" val="2373592082"/>
+                      <a16:colId xmlns:a16="http://schemas.microsoft.com/office/drawing/2014/main" val="2373592082"/>
                     </a:ext>
                   </a:extLst>
                 </a:gridCol>
                 <a:gridCol w="719206">
                   <a:extLst>
                     <a:ext uri="{9D8B030D-6E8A-4147-A177-3AD203B41FA5}">
-                      <a16:colId xmlns:a16="http://schemas.microsoft.com/office/drawing/2014/main" xmlns="" val="4205363942"/>
+                      <a16:colId xmlns:a16="http://schemas.microsoft.com/office/drawing/2014/main" val="4205363942"/>
                     </a:ext>
                   </a:extLst>
                 </a:gridCol>
                 <a:gridCol w="719206">
                   <a:extLst>
                     <a:ext uri="{9D8B030D-6E8A-4147-A177-3AD203B41FA5}">
-                      <a16:colId xmlns:a16="http://schemas.microsoft.com/office/drawing/2014/main" xmlns="" val="3967625739"/>
+                      <a16:colId xmlns:a16="http://schemas.microsoft.com/office/drawing/2014/main" val="3967625739"/>
                     </a:ext>
                   </a:extLst>
                 </a:gridCol>
                 <a:gridCol w="719206">
                   <a:extLst>
                     <a:ext uri="{9D8B030D-6E8A-4147-A177-3AD203B41FA5}">
-                      <a16:colId xmlns:a16="http://schemas.microsoft.com/office/drawing/2014/main" xmlns="" val="2531889815"/>
+                      <a16:colId xmlns:a16="http://schemas.microsoft.com/office/drawing/2014/main" val="2531889815"/>
                     </a:ext>
                   </a:extLst>
                 </a:gridCol>
                 <a:gridCol w="719206">
                   <a:extLst>
                     <a:ext uri="{9D8B030D-6E8A-4147-A177-3AD203B41FA5}">
-                      <a16:colId xmlns:a16="http://schemas.microsoft.com/office/drawing/2014/main" xmlns="" val="1241574202"/>
+                      <a16:colId xmlns:a16="http://schemas.microsoft.com/office/drawing/2014/main" val="1241574202"/>
                     </a:ext>
                   </a:extLst>
                 </a:gridCol>
                 <a:gridCol w="719206">
                   <a:extLst>
                     <a:ext uri="{9D8B030D-6E8A-4147-A177-3AD203B41FA5}">
-                      <a16:colId xmlns:a16="http://schemas.microsoft.com/office/drawing/2014/main" xmlns="" val="2096684594"/>
+                      <a16:colId xmlns:a16="http://schemas.microsoft.com/office/drawing/2014/main" val="2096684594"/>
                     </a:ext>
                   </a:extLst>
                 </a:gridCol>
                 <a:gridCol w="719206">
                   <a:extLst>
                     <a:ext uri="{9D8B030D-6E8A-4147-A177-3AD203B41FA5}">
-                      <a16:colId xmlns:a16="http://schemas.microsoft.com/office/drawing/2014/main" xmlns="" val="3008692769"/>
+                      <a16:colId xmlns:a16="http://schemas.microsoft.com/office/drawing/2014/main" val="3008692769"/>
                     </a:ext>
                   </a:extLst>
                 </a:gridCol>
                 <a:gridCol w="719206">
                   <a:extLst>
                     <a:ext uri="{9D8B030D-6E8A-4147-A177-3AD203B41FA5}">
-                      <a16:colId xmlns:a16="http://schemas.microsoft.com/office/drawing/2014/main" xmlns="" val="3335556867"/>
+                      <a16:colId xmlns:a16="http://schemas.microsoft.com/office/drawing/2014/main" val="3335556867"/>
                     </a:ext>
                   </a:extLst>
                 </a:gridCol>
@@ -17332,7 +23312,7 @@
                 </a:tc>
                 <a:extLst>
                   <a:ext uri="{0D108BD9-81ED-4DB2-BD59-A6C34878D82A}">
-                    <a16:rowId xmlns:a16="http://schemas.microsoft.com/office/drawing/2014/main" xmlns="" val="359211386"/>
+                    <a16:rowId xmlns:a16="http://schemas.microsoft.com/office/drawing/2014/main" val="359211386"/>
                   </a:ext>
                 </a:extLst>
               </a:tr>
@@ -17544,7 +23524,7 @@
                 </a:tc>
                 <a:extLst>
                   <a:ext uri="{0D108BD9-81ED-4DB2-BD59-A6C34878D82A}">
-                    <a16:rowId xmlns:a16="http://schemas.microsoft.com/office/drawing/2014/main" xmlns="" val="1873031022"/>
+                    <a16:rowId xmlns:a16="http://schemas.microsoft.com/office/drawing/2014/main" val="1873031022"/>
                   </a:ext>
                 </a:extLst>
               </a:tr>
@@ -17750,7 +23730,7 @@
                 </a:tc>
                 <a:extLst>
                   <a:ext uri="{0D108BD9-81ED-4DB2-BD59-A6C34878D82A}">
-                    <a16:rowId xmlns:a16="http://schemas.microsoft.com/office/drawing/2014/main" xmlns="" val="3262813858"/>
+                    <a16:rowId xmlns:a16="http://schemas.microsoft.com/office/drawing/2014/main" val="3262813858"/>
                   </a:ext>
                 </a:extLst>
               </a:tr>
@@ -17956,7 +23936,7 @@
                 </a:tc>
                 <a:extLst>
                   <a:ext uri="{0D108BD9-81ED-4DB2-BD59-A6C34878D82A}">
-                    <a16:rowId xmlns:a16="http://schemas.microsoft.com/office/drawing/2014/main" xmlns="" val="577304849"/>
+                    <a16:rowId xmlns:a16="http://schemas.microsoft.com/office/drawing/2014/main" val="577304849"/>
                   </a:ext>
                 </a:extLst>
               </a:tr>
@@ -18162,7 +24142,7 @@
                 </a:tc>
                 <a:extLst>
                   <a:ext uri="{0D108BD9-81ED-4DB2-BD59-A6C34878D82A}">
-                    <a16:rowId xmlns:a16="http://schemas.microsoft.com/office/drawing/2014/main" xmlns="" val="1779249623"/>
+                    <a16:rowId xmlns:a16="http://schemas.microsoft.com/office/drawing/2014/main" val="1779249623"/>
                   </a:ext>
                 </a:extLst>
               </a:tr>
@@ -18368,7 +24348,7 @@
                 </a:tc>
                 <a:extLst>
                   <a:ext uri="{0D108BD9-81ED-4DB2-BD59-A6C34878D82A}">
-                    <a16:rowId xmlns:a16="http://schemas.microsoft.com/office/drawing/2014/main" xmlns="" val="1041352195"/>
+                    <a16:rowId xmlns:a16="http://schemas.microsoft.com/office/drawing/2014/main" val="1041352195"/>
                   </a:ext>
                 </a:extLst>
               </a:tr>
@@ -18574,7 +24554,7 @@
                 </a:tc>
                 <a:extLst>
                   <a:ext uri="{0D108BD9-81ED-4DB2-BD59-A6C34878D82A}">
-                    <a16:rowId xmlns:a16="http://schemas.microsoft.com/office/drawing/2014/main" xmlns="" val="2479211691"/>
+                    <a16:rowId xmlns:a16="http://schemas.microsoft.com/office/drawing/2014/main" val="2479211691"/>
                   </a:ext>
                 </a:extLst>
               </a:tr>
@@ -18780,7 +24760,7 @@
                 </a:tc>
                 <a:extLst>
                   <a:ext uri="{0D108BD9-81ED-4DB2-BD59-A6C34878D82A}">
-                    <a16:rowId xmlns:a16="http://schemas.microsoft.com/office/drawing/2014/main" xmlns="" val="3828433116"/>
+                    <a16:rowId xmlns:a16="http://schemas.microsoft.com/office/drawing/2014/main" val="3828433116"/>
                   </a:ext>
                 </a:extLst>
               </a:tr>
@@ -18986,7 +24966,7 @@
                 </a:tc>
                 <a:extLst>
                   <a:ext uri="{0D108BD9-81ED-4DB2-BD59-A6C34878D82A}">
-                    <a16:rowId xmlns:a16="http://schemas.microsoft.com/office/drawing/2014/main" xmlns="" val="2223995001"/>
+                    <a16:rowId xmlns:a16="http://schemas.microsoft.com/office/drawing/2014/main" val="2223995001"/>
                   </a:ext>
                 </a:extLst>
               </a:tr>
@@ -19061,11 +25041,7 @@
             </a:r>
             <a:r>
               <a:rPr lang="zh-TW" altLang="en-US" dirty="0" smtClean="0"/>
-              <a:t>的分布情況</a:t>
-            </a:r>
-            <a:r>
-              <a:rPr lang="zh-TW" altLang="en-US" dirty="0" smtClean="0"/>
-              <a:t>，可以發現</a:t>
+              <a:t>的分布情況，可以發現</a:t>
             </a:r>
             <a:r>
               <a:rPr lang="zh-TW" altLang="en-US" dirty="0"/>
@@ -21470,11 +27446,7 @@
             </a:r>
             <a:r>
               <a:rPr lang="zh-TW" altLang="en-US" kern="0" dirty="0" smtClean="0"/>
-              <a:t>經緯度 </a:t>
-            </a:r>
-            <a:r>
-              <a:rPr lang="zh-TW" altLang="en-US" kern="0" dirty="0" smtClean="0"/>
-              <a:t>分布圖</a:t>
+              <a:t>經緯度 分布圖</a:t>
             </a:r>
             <a:endParaRPr lang="en-US" kern="0" dirty="0"/>
           </a:p>
@@ -22062,7 +28034,15 @@
               </a:pPr>
               <a:r>
                 <a:rPr lang="zh-TW" altLang="en-US" sz="1600" kern="0" dirty="0" smtClean="0"/>
-                <a:t>雖然官方網站敘述地區為新店區，然而有</a:t>
+                <a:t>雖然官方網站</a:t>
+              </a:r>
+              <a:r>
+                <a:rPr lang="zh-TW" altLang="en-US" sz="1600" kern="0" dirty="0" smtClean="0"/>
+                <a:t>敘述的地區</a:t>
+              </a:r>
+              <a:r>
+                <a:rPr lang="zh-TW" altLang="en-US" sz="1600" kern="0" dirty="0" smtClean="0"/>
+                <a:t>為新店區，然而有</a:t>
               </a:r>
               <a:r>
                 <a:rPr lang="en-US" altLang="zh-TW" sz="1600" kern="0" dirty="0" smtClean="0"/>
@@ -22828,11 +28808,7 @@
             </a:r>
             <a:r>
               <a:rPr lang="zh-TW" altLang="en-US" kern="0" dirty="0" smtClean="0"/>
-              <a:t>經緯度 </a:t>
-            </a:r>
-            <a:r>
-              <a:rPr lang="zh-TW" altLang="en-US" kern="0" dirty="0" smtClean="0"/>
-              <a:t>分布圖</a:t>
+              <a:t>經緯度 分布圖</a:t>
             </a:r>
             <a:endParaRPr lang="en-US" kern="0" dirty="0"/>
           </a:p>
@@ -23112,11 +29088,7 @@
               </a:pPr>
               <a:r>
                 <a:rPr lang="zh-TW" altLang="en-US" sz="1600" kern="0" dirty="0" smtClean="0"/>
-                <a:t>從永和區的資料可以發現</a:t>
-              </a:r>
-              <a:r>
-                <a:rPr lang="zh-TW" altLang="en-US" sz="1600" kern="0" dirty="0" smtClean="0"/>
-                <a:t>，雖然</a:t>
+                <a:t>從永和區的資料可以發現，雖然</a:t>
               </a:r>
               <a:r>
                 <a:rPr lang="en-US" altLang="zh-TW" sz="1600" kern="0" dirty="0" smtClean="0"/>
